--- a/Quarkus_20190815.pptx
+++ b/Quarkus_20190815.pptx
@@ -5,23 +5,29 @@
     <p:sldMasterId id="2147483672" r:id="rId4"/>
   </p:sldMasterIdLst>
   <p:notesMasterIdLst>
-    <p:notesMasterId r:id="rId19"/>
+    <p:notesMasterId r:id="rId25"/>
   </p:notesMasterIdLst>
   <p:sldIdLst>
     <p:sldId id="258" r:id="rId5"/>
     <p:sldId id="263" r:id="rId6"/>
-    <p:sldId id="267" r:id="rId7"/>
-    <p:sldId id="266" r:id="rId8"/>
-    <p:sldId id="265" r:id="rId9"/>
-    <p:sldId id="269" r:id="rId10"/>
-    <p:sldId id="268" r:id="rId11"/>
-    <p:sldId id="274" r:id="rId12"/>
-    <p:sldId id="275" r:id="rId13"/>
-    <p:sldId id="270" r:id="rId14"/>
-    <p:sldId id="272" r:id="rId15"/>
-    <p:sldId id="273" r:id="rId16"/>
-    <p:sldId id="271" r:id="rId17"/>
-    <p:sldId id="262" r:id="rId18"/>
+    <p:sldId id="276" r:id="rId7"/>
+    <p:sldId id="267" r:id="rId8"/>
+    <p:sldId id="266" r:id="rId9"/>
+    <p:sldId id="265" r:id="rId10"/>
+    <p:sldId id="269" r:id="rId11"/>
+    <p:sldId id="277" r:id="rId12"/>
+    <p:sldId id="280" r:id="rId13"/>
+    <p:sldId id="279" r:id="rId14"/>
+    <p:sldId id="268" r:id="rId15"/>
+    <p:sldId id="274" r:id="rId16"/>
+    <p:sldId id="275" r:id="rId17"/>
+    <p:sldId id="270" r:id="rId18"/>
+    <p:sldId id="282" r:id="rId19"/>
+    <p:sldId id="272" r:id="rId20"/>
+    <p:sldId id="273" r:id="rId21"/>
+    <p:sldId id="281" r:id="rId22"/>
+    <p:sldId id="271" r:id="rId23"/>
+    <p:sldId id="262" r:id="rId24"/>
   </p:sldIdLst>
   <p:sldSz cx="9144000" cy="5143500" type="screen16x9"/>
   <p:notesSz cx="6858000" cy="9144000"/>
@@ -139,14 +145,6 @@
 </p:presentation>
 </file>
 
-<file path=ppt/revisionInfo.xml><?xml version="1.0" encoding="utf-8"?>
-<p1510:revInfo xmlns:a="http://schemas.openxmlformats.org/drawingml/2006/main" xmlns:r="http://schemas.openxmlformats.org/officeDocument/2006/relationships" xmlns:p1510="http://schemas.microsoft.com/office/powerpoint/2015/10/main">
-  <p1510:revLst>
-    <p1510:client id="{FED3BDB6-14CB-4406-ABD0-00A2FAE5B857}" v="74" dt="2019-08-05T20:04:25.508"/>
-  </p1510:revLst>
-</p1510:revInfo>
-</file>
-
 <file path=ppt/notesMasters/notesMaster1.xml><?xml version="1.0" encoding="utf-8"?>
 <p:notesMaster xmlns:a="http://schemas.openxmlformats.org/drawingml/2006/main" xmlns:r="http://schemas.openxmlformats.org/officeDocument/2006/relationships" xmlns:p="http://schemas.openxmlformats.org/presentationml/2006/main">
   <p:cSld>
@@ -229,7 +227,7 @@
           <a:p>
             <a:fld id="{DDF2FCE7-7AFA-9242-BECB-A61CE0BE95A1}" type="datetimeFigureOut">
               <a:rPr lang="nl-NL" smtClean="0"/>
-              <a:t>6-8-2019</a:t>
+              <a:t>15-8-2019</a:t>
             </a:fld>
             <a:endParaRPr lang="nl-NL"/>
           </a:p>
@@ -862,7 +860,7 @@
           <a:p>
             <a:fld id="{A9710CDB-38B1-8E43-A846-6FE3B07A872E}" type="datetime1">
               <a:rPr lang="en-US" noProof="0" smtClean="0"/>
-              <a:t>8/6/2019</a:t>
+              <a:t>8/15/2019</a:t>
             </a:fld>
             <a:endParaRPr lang="nl-NL" noProof="0" dirty="0"/>
           </a:p>
@@ -1261,7 +1259,7 @@
           <a:p>
             <a:fld id="{12D8B67E-1464-254D-876A-5A059C6CA686}" type="datetime1">
               <a:rPr lang="en-US" smtClean="0"/>
-              <a:t>8/6/2019</a:t>
+              <a:t>8/15/2019</a:t>
             </a:fld>
             <a:endParaRPr lang="nl-NL"/>
           </a:p>
@@ -1679,7 +1677,7 @@
           <a:p>
             <a:fld id="{1297756A-AF1A-B249-A7CF-A1AE4E86FA38}" type="datetime1">
               <a:rPr lang="en-US" smtClean="0"/>
-              <a:t>8/6/2019</a:t>
+              <a:t>8/15/2019</a:t>
             </a:fld>
             <a:endParaRPr lang="nl-NL"/>
           </a:p>
@@ -2038,7 +2036,7 @@
           <a:p>
             <a:fld id="{37C8E900-D3BD-ED44-9070-3471A5611DC2}" type="datetime1">
               <a:rPr lang="en-US" smtClean="0"/>
-              <a:t>8/6/2019</a:t>
+              <a:t>8/15/2019</a:t>
             </a:fld>
             <a:endParaRPr lang="nl-NL"/>
           </a:p>
@@ -2214,7 +2212,7 @@
           <a:p>
             <a:fld id="{203D5A3F-EB4E-3340-8D19-07B028CB11AD}" type="datetime1">
               <a:rPr lang="en-US" smtClean="0"/>
-              <a:t>8/6/2019</a:t>
+              <a:t>8/15/2019</a:t>
             </a:fld>
             <a:endParaRPr lang="nl-NL"/>
           </a:p>
@@ -3625,7 +3623,7 @@
           <a:p>
             <a:fld id="{405216DA-0E4B-CC41-ACBF-76C3BC02E189}" type="datetime1">
               <a:rPr lang="en-US" smtClean="0"/>
-              <a:t>8/6/2019</a:t>
+              <a:t>8/15/2019</a:t>
             </a:fld>
             <a:endParaRPr lang="nl-NL"/>
           </a:p>
@@ -3872,7 +3870,7 @@
           <a:p>
             <a:fld id="{779D8D44-D820-BB49-9309-B66E37C4EE70}" type="datetime1">
               <a:rPr lang="en-US" smtClean="0"/>
-              <a:t>8/6/2019</a:t>
+              <a:t>8/15/2019</a:t>
             </a:fld>
             <a:endParaRPr lang="nl-NL"/>
           </a:p>
@@ -4045,7 +4043,7 @@
           <a:p>
             <a:fld id="{A4AB6030-B80C-7C4C-B97F-1ADFAB53E146}" type="datetime1">
               <a:rPr lang="en-US" smtClean="0"/>
-              <a:t>8/6/2019</a:t>
+              <a:t>8/15/2019</a:t>
             </a:fld>
             <a:endParaRPr lang="nl-NL"/>
           </a:p>
@@ -4262,7 +4260,7 @@
           <a:p>
             <a:fld id="{DA73B474-0AB7-8846-BA6A-67033A8CF4FA}" type="datetime1">
               <a:rPr lang="en-US" smtClean="0"/>
-              <a:t>8/6/2019</a:t>
+              <a:t>8/15/2019</a:t>
             </a:fld>
             <a:endParaRPr lang="nl-NL"/>
           </a:p>
@@ -4723,7 +4721,7 @@
           <a:p>
             <a:fld id="{56BA50C8-7311-E14C-816D-7251E320C8DC}" type="datetime1">
               <a:rPr lang="en-US" smtClean="0"/>
-              <a:t>8/6/2019</a:t>
+              <a:t>8/15/2019</a:t>
             </a:fld>
             <a:endParaRPr lang="nl-NL"/>
           </a:p>
@@ -5334,7 +5332,7 @@
           <a:p>
             <a:fld id="{A9710CDB-38B1-8E43-A846-6FE3B07A872E}" type="datetime1">
               <a:rPr lang="en-US" noProof="0" smtClean="0"/>
-              <a:t>8/6/2019</a:t>
+              <a:t>8/15/2019</a:t>
             </a:fld>
             <a:endParaRPr lang="nl-NL" noProof="0" dirty="0"/>
           </a:p>
@@ -5653,7 +5651,7 @@
           <a:p>
             <a:fld id="{E300D605-E2BB-8B4E-A2F3-5A64231C34A6}" type="datetime1">
               <a:rPr lang="en-US" smtClean="0"/>
-              <a:t>8/6/2019</a:t>
+              <a:t>8/15/2019</a:t>
             </a:fld>
             <a:endParaRPr lang="nl-NL"/>
           </a:p>
@@ -6173,14 +6171,20 @@
       </p:pic>
       <p:sp>
         <p:nvSpPr>
-          <p:cNvPr id="174" name="CustomShape 1"/>
+          <p:cNvPr id="5" name="CustomShape 1">
+            <a:extLst>
+              <a:ext uri="{FF2B5EF4-FFF2-40B4-BE49-F238E27FC236}">
+                <a16:creationId xmlns:a16="http://schemas.microsoft.com/office/drawing/2014/main" id="{DA5EC21F-3F41-497E-B341-4F021E9AEBCF}"/>
+              </a:ext>
+            </a:extLst>
+          </p:cNvPr>
           <p:cNvSpPr/>
           <p:nvPr/>
         </p:nvSpPr>
         <p:spPr>
           <a:xfrm>
-            <a:off x="5719680" y="3160705"/>
-            <a:ext cx="2990520" cy="447120"/>
+            <a:off x="4185424" y="3040171"/>
+            <a:ext cx="5067468" cy="1105589"/>
           </a:xfrm>
           <a:prstGeom prst="rect">
             <a:avLst/>
@@ -6212,61 +6216,16 @@
               </a:lnSpc>
             </a:pPr>
             <a:r>
-              <a:rPr lang="nl-NL" sz="2800" b="1" spc="-1" dirty="0">
+              <a:rPr lang="en-US" sz="2800" spc="-1" dirty="0">
                 <a:solidFill>
-                  <a:srgbClr val="FFFFFF"/>
+                  <a:schemeClr val="bg1"/>
                 </a:solidFill>
-                <a:latin typeface="Arial"/>
+                <a:latin typeface="+mj-lt"/>
                 <a:ea typeface="DejaVu Sans"/>
               </a:rPr>
-              <a:t>15-08-2019</a:t>
-            </a:r>
-            <a:endParaRPr lang="en-US" sz="2800" spc="-1" dirty="0">
-              <a:latin typeface="Arial"/>
-            </a:endParaRPr>
-          </a:p>
-        </p:txBody>
-      </p:sp>
-      <p:sp>
-        <p:nvSpPr>
-          <p:cNvPr id="5" name="CustomShape 1">
-            <a:extLst>
-              <a:ext uri="{FF2B5EF4-FFF2-40B4-BE49-F238E27FC236}">
-                <a16:creationId xmlns:a16="http://schemas.microsoft.com/office/drawing/2014/main" id="{DA5EC21F-3F41-497E-B341-4F021E9AEBCF}"/>
-              </a:ext>
-            </a:extLst>
-          </p:cNvPr>
-          <p:cNvSpPr/>
-          <p:nvPr/>
-        </p:nvSpPr>
-        <p:spPr>
-          <a:xfrm>
-            <a:off x="4424766" y="1557580"/>
-            <a:ext cx="4285434" cy="1105589"/>
-          </a:xfrm>
-          <a:prstGeom prst="rect">
-            <a:avLst/>
-          </a:prstGeom>
-          <a:noFill/>
-          <a:ln>
-            <a:noFill/>
-          </a:ln>
-        </p:spPr>
-        <p:style>
-          <a:lnRef idx="0">
-            <a:scrgbClr r="0" g="0" b="0"/>
-          </a:lnRef>
-          <a:fillRef idx="0">
-            <a:scrgbClr r="0" g="0" b="0"/>
-          </a:fillRef>
-          <a:effectRef idx="0">
-            <a:scrgbClr r="0" g="0" b="0"/>
-          </a:effectRef>
-          <a:fontRef idx="minor"/>
-        </p:style>
-        <p:txBody>
-          <a:bodyPr lIns="90000" tIns="90000" rIns="72000" bIns="72000"/>
-          <a:lstStyle/>
+              <a:t>Supersonic Subatomic Java</a:t>
+            </a:r>
+          </a:p>
           <a:p>
             <a:pPr algn="ctr">
               <a:lnSpc>
@@ -6274,48 +6233,11 @@
               </a:lnSpc>
             </a:pPr>
             <a:r>
-              <a:rPr lang="en-US" sz="3200" spc="-1" dirty="0">
+              <a:rPr lang="en-US" sz="3200" spc="-1" dirty="0" err="1">
                 <a:solidFill>
                   <a:schemeClr val="bg1"/>
                 </a:solidFill>
                 <a:latin typeface="Arial Black" panose="020B0A04020102020204" pitchFamily="34" charset="0"/>
-                <a:ea typeface="DejaVu Sans"/>
-              </a:rPr>
-              <a:t>Microservices</a:t>
-            </a:r>
-            <a:r>
-              <a:rPr lang="en-US" sz="3200" spc="-1" dirty="0">
-                <a:solidFill>
-                  <a:schemeClr val="bg1"/>
-                </a:solidFill>
-                <a:ea typeface="DejaVu Sans"/>
-              </a:rPr>
-              <a:t> with </a:t>
-            </a:r>
-            <a:r>
-              <a:rPr lang="en-US" sz="3200" spc="-1" dirty="0" err="1">
-                <a:solidFill>
-                  <a:schemeClr val="bg1"/>
-                </a:solidFill>
-                <a:ea typeface="DejaVu Sans"/>
-              </a:rPr>
-              <a:t>GraalVM</a:t>
-            </a:r>
-            <a:r>
-              <a:rPr lang="en-US" sz="3200" spc="-1" dirty="0">
-                <a:solidFill>
-                  <a:schemeClr val="bg1"/>
-                </a:solidFill>
-                <a:ea typeface="DejaVu Sans"/>
-              </a:rPr>
-              <a:t> &amp; </a:t>
-            </a:r>
-            <a:r>
-              <a:rPr lang="en-US" sz="3200" spc="-1" dirty="0" err="1">
-                <a:solidFill>
-                  <a:schemeClr val="bg1"/>
-                </a:solidFill>
-                <a:ea typeface="DejaVu Sans"/>
               </a:rPr>
               <a:t>Quarkus</a:t>
             </a:r>
@@ -6538,7 +6460,7 @@
           <p:cNvPr id="2" name="Title 1">
             <a:extLst>
               <a:ext uri="{FF2B5EF4-FFF2-40B4-BE49-F238E27FC236}">
-                <a16:creationId xmlns:a16="http://schemas.microsoft.com/office/drawing/2014/main" id="{341B052B-AC79-4CFE-BE0A-E353BD075416}"/>
+                <a16:creationId xmlns:a16="http://schemas.microsoft.com/office/drawing/2014/main" id="{167EF44A-CE5F-46F0-9840-8DC347AF849B}"/>
               </a:ext>
             </a:extLst>
           </p:cNvPr>
@@ -6558,23 +6480,16 @@
               <a:rPr lang="en-US" dirty="0" err="1"/>
               <a:t>Quarkus</a:t>
             </a:r>
-            <a:r>
-              <a:rPr lang="en-US" dirty="0"/>
-              <a:t> configuration</a:t>
-            </a:r>
-            <a:br>
-              <a:rPr lang="en-US" dirty="0"/>
-            </a:br>
             <a:endParaRPr lang="en-US" dirty="0"/>
           </a:p>
         </p:txBody>
       </p:sp>
       <p:sp>
         <p:nvSpPr>
-          <p:cNvPr id="3" name="Content Placeholder 2">
+          <p:cNvPr id="4" name="Footer Placeholder 3">
             <a:extLst>
               <a:ext uri="{FF2B5EF4-FFF2-40B4-BE49-F238E27FC236}">
-                <a16:creationId xmlns:a16="http://schemas.microsoft.com/office/drawing/2014/main" id="{9BB34AF9-CCE7-4D98-8C19-A6A95C0AB068}"/>
+                <a16:creationId xmlns:a16="http://schemas.microsoft.com/office/drawing/2014/main" id="{44C1B2F8-D3DE-4F78-B59E-81FAD4D4726F}"/>
               </a:ext>
             </a:extLst>
           </p:cNvPr>
@@ -6582,7 +6497,7 @@
             <a:spLocks noGrp="1"/>
           </p:cNvSpPr>
           <p:nvPr>
-            <p:ph idx="1"/>
+            <p:ph type="ftr" sz="quarter" idx="11"/>
           </p:nvPr>
         </p:nvSpPr>
         <p:spPr/>
@@ -6591,169 +6506,6 @@
           <a:lstStyle/>
           <a:p>
             <a:r>
-              <a:rPr lang="en-US" dirty="0" err="1"/>
-              <a:t>mvnw</a:t>
-            </a:r>
-            <a:r>
-              <a:rPr lang="en-US" dirty="0"/>
-              <a:t> </a:t>
-            </a:r>
-            <a:r>
-              <a:rPr lang="en-US" dirty="0" err="1"/>
-              <a:t>quarkus:generate-config</a:t>
-            </a:r>
-            <a:br>
-              <a:rPr lang="en-US" dirty="0"/>
-            </a:br>
-            <a:r>
-              <a:rPr lang="en-GB" sz="1200" dirty="0"/>
-              <a:t>This will create a </a:t>
-            </a:r>
-            <a:r>
-              <a:rPr lang="en-GB" sz="1200" dirty="0" err="1"/>
-              <a:t>src</a:t>
-            </a:r>
-            <a:r>
-              <a:rPr lang="en-GB" sz="1200" dirty="0"/>
-              <a:t>/main/resources/</a:t>
-            </a:r>
-            <a:r>
-              <a:rPr lang="en-GB" sz="1200" dirty="0" err="1"/>
-              <a:t>application.properties.example</a:t>
-            </a:r>
-            <a:r>
-              <a:rPr lang="en-GB" sz="1200" dirty="0"/>
-              <a:t> file</a:t>
-            </a:r>
-            <a:br>
-              <a:rPr lang="en-GB" sz="1200" dirty="0"/>
-            </a:br>
-            <a:r>
-              <a:rPr lang="en-GB" sz="1200" dirty="0"/>
-              <a:t>contains all the config options exposed via the installed extensions</a:t>
-            </a:r>
-          </a:p>
-          <a:p>
-            <a:endParaRPr lang="en-GB" sz="1200" dirty="0"/>
-          </a:p>
-          <a:p>
-            <a:r>
-              <a:rPr lang="en-US" dirty="0"/>
-              <a:t>Accessing properties can be done like;</a:t>
-            </a:r>
-            <a:br>
-              <a:rPr lang="en-US" dirty="0"/>
-            </a:br>
-            <a:r>
-              <a:rPr lang="en-US" sz="1200" dirty="0"/>
-              <a:t>@</a:t>
-            </a:r>
-            <a:r>
-              <a:rPr lang="en-US" sz="1200" dirty="0" err="1"/>
-              <a:t>ConfigProperty</a:t>
-            </a:r>
-            <a:r>
-              <a:rPr lang="en-US" sz="1200" dirty="0"/>
-              <a:t>(name = "</a:t>
-            </a:r>
-            <a:r>
-              <a:rPr lang="en-US" sz="1200" dirty="0" err="1"/>
-              <a:t>greeting.message</a:t>
-            </a:r>
-            <a:r>
-              <a:rPr lang="en-US" sz="1200" dirty="0"/>
-              <a:t>")</a:t>
-            </a:r>
-            <a:br>
-              <a:rPr lang="en-US" sz="1200" dirty="0"/>
-            </a:br>
-            <a:r>
-              <a:rPr lang="en-US" sz="1200" dirty="0"/>
-              <a:t>String message;</a:t>
-            </a:r>
-          </a:p>
-          <a:p>
-            <a:endParaRPr lang="en-US" dirty="0"/>
-          </a:p>
-          <a:p>
-            <a:r>
-              <a:rPr lang="en-US" dirty="0"/>
-              <a:t>Support for profiles</a:t>
-            </a:r>
-            <a:br>
-              <a:rPr lang="en-US" dirty="0"/>
-            </a:br>
-            <a:r>
-              <a:rPr lang="en-US" sz="1200" dirty="0" err="1"/>
-              <a:t>quarkus.http.port</a:t>
-            </a:r>
-            <a:r>
-              <a:rPr lang="en-US" sz="1200" dirty="0"/>
-              <a:t>=9090</a:t>
-            </a:r>
-            <a:br>
-              <a:rPr lang="en-US" sz="1200" dirty="0"/>
-            </a:br>
-            <a:r>
-              <a:rPr lang="en-US" sz="1200" dirty="0"/>
-              <a:t>%</a:t>
-            </a:r>
-            <a:r>
-              <a:rPr lang="en-US" sz="1200" dirty="0" err="1"/>
-              <a:t>dev.quarkus.http.port</a:t>
-            </a:r>
-            <a:r>
-              <a:rPr lang="en-US" sz="1200" dirty="0"/>
-              <a:t>=8181</a:t>
-            </a:r>
-            <a:br>
-              <a:rPr lang="en-US" sz="1200" dirty="0"/>
-            </a:br>
-            <a:r>
-              <a:rPr lang="en-US" sz="1200" dirty="0"/>
-              <a:t>Uses 9090 unless the dev profile is chosen; </a:t>
-            </a:r>
-            <a:br>
-              <a:rPr lang="en-US" sz="1200" dirty="0"/>
-            </a:br>
-            <a:r>
-              <a:rPr lang="en-US" sz="1200" dirty="0"/>
-              <a:t>QUARKUS_PROFILE environment variable or -</a:t>
-            </a:r>
-            <a:r>
-              <a:rPr lang="en-US" sz="1200" dirty="0" err="1"/>
-              <a:t>Dquarkus.profile</a:t>
-            </a:r>
-            <a:r>
-              <a:rPr lang="en-US" sz="1200" dirty="0"/>
-              <a:t>=dev</a:t>
-            </a:r>
-            <a:endParaRPr lang="en-US" dirty="0"/>
-          </a:p>
-        </p:txBody>
-      </p:sp>
-      <p:sp>
-        <p:nvSpPr>
-          <p:cNvPr id="4" name="Footer Placeholder 3">
-            <a:extLst>
-              <a:ext uri="{FF2B5EF4-FFF2-40B4-BE49-F238E27FC236}">
-                <a16:creationId xmlns:a16="http://schemas.microsoft.com/office/drawing/2014/main" id="{23BD8BC0-6F28-4294-A3B0-3E6DA0517502}"/>
-              </a:ext>
-            </a:extLst>
-          </p:cNvPr>
-          <p:cNvSpPr>
-            <a:spLocks noGrp="1"/>
-          </p:cNvSpPr>
-          <p:nvPr>
-            <p:ph type="ftr" sz="quarter" idx="11"/>
-          </p:nvPr>
-        </p:nvSpPr>
-        <p:spPr/>
-        <p:txBody>
-          <a:bodyPr/>
-          <a:lstStyle/>
-          <a:p>
-            <a:r>
               <a:rPr lang="nl-NL"/>
               <a:t>Titel van de presentatie</a:t>
             </a:r>
@@ -6765,7 +6517,7 @@
           <p:cNvPr id="5" name="Slide Number Placeholder 4">
             <a:extLst>
               <a:ext uri="{FF2B5EF4-FFF2-40B4-BE49-F238E27FC236}">
-                <a16:creationId xmlns:a16="http://schemas.microsoft.com/office/drawing/2014/main" id="{C5783C5F-758D-4AB7-A530-6EA2BC59B231}"/>
+                <a16:creationId xmlns:a16="http://schemas.microsoft.com/office/drawing/2014/main" id="{2AFF18BC-6703-4B4B-8203-800E5BF0652A}"/>
               </a:ext>
             </a:extLst>
           </p:cNvPr>
@@ -6789,10 +6541,217 @@
           </a:p>
         </p:txBody>
       </p:sp>
+      <p:sp>
+        <p:nvSpPr>
+          <p:cNvPr id="9" name="Rectangle 8">
+            <a:extLst>
+              <a:ext uri="{FF2B5EF4-FFF2-40B4-BE49-F238E27FC236}">
+                <a16:creationId xmlns:a16="http://schemas.microsoft.com/office/drawing/2014/main" id="{7F3E88BF-5231-49B4-A588-F62AAAC67F4D}"/>
+              </a:ext>
+            </a:extLst>
+          </p:cNvPr>
+          <p:cNvSpPr/>
+          <p:nvPr/>
+        </p:nvSpPr>
+        <p:spPr>
+          <a:xfrm>
+            <a:off x="520390" y="1418706"/>
+            <a:ext cx="5754757" cy="1287323"/>
+          </a:xfrm>
+          <a:prstGeom prst="rect">
+            <a:avLst/>
+          </a:prstGeom>
+          <a:noFill/>
+          <a:ln w="25400"/>
+        </p:spPr>
+        <p:style>
+          <a:lnRef idx="2">
+            <a:schemeClr val="accent1">
+              <a:shade val="50000"/>
+            </a:schemeClr>
+          </a:lnRef>
+          <a:fillRef idx="1">
+            <a:schemeClr val="accent1"/>
+          </a:fillRef>
+          <a:effectRef idx="0">
+            <a:schemeClr val="accent1"/>
+          </a:effectRef>
+          <a:fontRef idx="minor">
+            <a:schemeClr val="lt1"/>
+          </a:fontRef>
+        </p:style>
+        <p:txBody>
+          <a:bodyPr rtlCol="0" anchor="ctr"/>
+          <a:lstStyle/>
+          <a:p>
+            <a:pPr algn="ctr"/>
+            <a:endParaRPr lang="en-US"/>
+          </a:p>
+        </p:txBody>
+      </p:sp>
+      <p:sp>
+        <p:nvSpPr>
+          <p:cNvPr id="10" name="Rectangle 9">
+            <a:extLst>
+              <a:ext uri="{FF2B5EF4-FFF2-40B4-BE49-F238E27FC236}">
+                <a16:creationId xmlns:a16="http://schemas.microsoft.com/office/drawing/2014/main" id="{48BDE897-1AA5-40F0-9E14-D43CEE552471}"/>
+              </a:ext>
+            </a:extLst>
+          </p:cNvPr>
+          <p:cNvSpPr/>
+          <p:nvPr/>
+        </p:nvSpPr>
+        <p:spPr>
+          <a:xfrm>
+            <a:off x="520389" y="2980644"/>
+            <a:ext cx="5754757" cy="1287323"/>
+          </a:xfrm>
+          <a:prstGeom prst="rect">
+            <a:avLst/>
+          </a:prstGeom>
+          <a:noFill/>
+          <a:ln w="25400"/>
+        </p:spPr>
+        <p:style>
+          <a:lnRef idx="2">
+            <a:schemeClr val="accent1">
+              <a:shade val="50000"/>
+            </a:schemeClr>
+          </a:lnRef>
+          <a:fillRef idx="1">
+            <a:schemeClr val="accent1"/>
+          </a:fillRef>
+          <a:effectRef idx="0">
+            <a:schemeClr val="accent1"/>
+          </a:effectRef>
+          <a:fontRef idx="minor">
+            <a:schemeClr val="lt1"/>
+          </a:fontRef>
+        </p:style>
+        <p:txBody>
+          <a:bodyPr rtlCol="0" anchor="ctr"/>
+          <a:lstStyle/>
+          <a:p>
+            <a:pPr algn="ctr"/>
+            <a:endParaRPr lang="en-US"/>
+          </a:p>
+        </p:txBody>
+      </p:sp>
+      <p:sp>
+        <p:nvSpPr>
+          <p:cNvPr id="11" name="TextBox 10">
+            <a:extLst>
+              <a:ext uri="{FF2B5EF4-FFF2-40B4-BE49-F238E27FC236}">
+                <a16:creationId xmlns:a16="http://schemas.microsoft.com/office/drawing/2014/main" id="{869E57D4-72D2-4A6A-AC03-1A837387CDAE}"/>
+              </a:ext>
+            </a:extLst>
+          </p:cNvPr>
+          <p:cNvSpPr txBox="1"/>
+          <p:nvPr/>
+        </p:nvSpPr>
+        <p:spPr>
+          <a:xfrm>
+            <a:off x="6705600" y="1962339"/>
+            <a:ext cx="974626" cy="200055"/>
+          </a:xfrm>
+          <a:prstGeom prst="rect">
+            <a:avLst/>
+          </a:prstGeom>
+          <a:noFill/>
+        </p:spPr>
+        <p:txBody>
+          <a:bodyPr wrap="none" lIns="0" tIns="0" rIns="0" bIns="0" rtlCol="0">
+            <a:spAutoFit/>
+          </a:bodyPr>
+          <a:lstStyle/>
+          <a:p>
+            <a:r>
+              <a:rPr lang="en-US" sz="1300" dirty="0"/>
+              <a:t>Synchronous</a:t>
+            </a:r>
+          </a:p>
+        </p:txBody>
+      </p:sp>
+      <p:sp>
+        <p:nvSpPr>
+          <p:cNvPr id="12" name="TextBox 11">
+            <a:extLst>
+              <a:ext uri="{FF2B5EF4-FFF2-40B4-BE49-F238E27FC236}">
+                <a16:creationId xmlns:a16="http://schemas.microsoft.com/office/drawing/2014/main" id="{67F11110-0BE5-4CEA-B097-8171515D4642}"/>
+              </a:ext>
+            </a:extLst>
+          </p:cNvPr>
+          <p:cNvSpPr txBox="1"/>
+          <p:nvPr/>
+        </p:nvSpPr>
+        <p:spPr>
+          <a:xfrm>
+            <a:off x="6705600" y="3524277"/>
+            <a:ext cx="1057982" cy="200055"/>
+          </a:xfrm>
+          <a:prstGeom prst="rect">
+            <a:avLst/>
+          </a:prstGeom>
+          <a:noFill/>
+        </p:spPr>
+        <p:txBody>
+          <a:bodyPr wrap="none" lIns="0" tIns="0" rIns="0" bIns="0" rtlCol="0">
+            <a:spAutoFit/>
+          </a:bodyPr>
+          <a:lstStyle/>
+          <a:p>
+            <a:r>
+              <a:rPr lang="en-US" sz="1300" dirty="0"/>
+              <a:t>Asynchronous</a:t>
+            </a:r>
+          </a:p>
+        </p:txBody>
+      </p:sp>
+      <p:pic>
+        <p:nvPicPr>
+          <p:cNvPr id="6" name="Picture 5">
+            <a:extLst>
+              <a:ext uri="{FF2B5EF4-FFF2-40B4-BE49-F238E27FC236}">
+                <a16:creationId xmlns:a16="http://schemas.microsoft.com/office/drawing/2014/main" id="{C465E912-7096-4DF3-811C-92586D7E31C2}"/>
+              </a:ext>
+            </a:extLst>
+          </p:cNvPr>
+          <p:cNvPicPr>
+            <a:picLocks noChangeAspect="1"/>
+          </p:cNvPicPr>
+          <p:nvPr/>
+        </p:nvPicPr>
+        <p:blipFill>
+          <a:blip r:embed="rId2">
+            <a:clrChange>
+              <a:clrFrom>
+                <a:srgbClr val="FFFFFF"/>
+              </a:clrFrom>
+              <a:clrTo>
+                <a:srgbClr val="FFFFFF">
+                  <a:alpha val="0"/>
+                </a:srgbClr>
+              </a:clrTo>
+            </a:clrChange>
+          </a:blip>
+          <a:stretch>
+            <a:fillRect/>
+          </a:stretch>
+        </p:blipFill>
+        <p:spPr>
+          <a:xfrm>
+            <a:off x="591460" y="1479964"/>
+            <a:ext cx="4530667" cy="2744539"/>
+          </a:xfrm>
+          <a:prstGeom prst="rect">
+            <a:avLst/>
+          </a:prstGeom>
+        </p:spPr>
+      </p:pic>
     </p:spTree>
     <p:extLst>
       <p:ext uri="{BB962C8B-B14F-4D97-AF65-F5344CB8AC3E}">
-        <p14:creationId xmlns:p14="http://schemas.microsoft.com/office/powerpoint/2010/main" val="198598201"/>
+        <p14:creationId xmlns:p14="http://schemas.microsoft.com/office/powerpoint/2010/main" val="15053524"/>
       </p:ext>
     </p:extLst>
   </p:cSld>
@@ -6819,12 +6778,52 @@
           <a:chExt cx="0" cy="0"/>
         </a:xfrm>
       </p:grpSpPr>
+      <p:sp>
+        <p:nvSpPr>
+          <p:cNvPr id="2" name="Title 1">
+            <a:extLst>
+              <a:ext uri="{FF2B5EF4-FFF2-40B4-BE49-F238E27FC236}">
+                <a16:creationId xmlns:a16="http://schemas.microsoft.com/office/drawing/2014/main" id="{70AC0C97-A9BC-4DDB-BD93-B6A67570B9EF}"/>
+              </a:ext>
+            </a:extLst>
+          </p:cNvPr>
+          <p:cNvSpPr>
+            <a:spLocks noGrp="1"/>
+          </p:cNvSpPr>
+          <p:nvPr>
+            <p:ph type="title"/>
+          </p:nvPr>
+        </p:nvSpPr>
+        <p:spPr/>
+        <p:txBody>
+          <a:bodyPr/>
+          <a:lstStyle/>
+          <a:p>
+            <a:r>
+              <a:rPr lang="en-US" dirty="0" err="1"/>
+              <a:t>Quarkus</a:t>
+            </a:r>
+            <a:r>
+              <a:rPr lang="en-US" dirty="0"/>
+              <a:t> unifies Imperative and Reactive</a:t>
+            </a:r>
+            <a:br>
+              <a:rPr lang="en-US" dirty="0"/>
+            </a:br>
+            <a:r>
+              <a:rPr lang="en-US" sz="1400" dirty="0"/>
+              <a:t>Similar syntax. Easy to migrate</a:t>
+            </a:r>
+            <a:endParaRPr lang="en-US" dirty="0"/>
+          </a:p>
+        </p:txBody>
+      </p:sp>
       <p:pic>
         <p:nvPicPr>
-          <p:cNvPr id="12" name="Picture 11">
+          <p:cNvPr id="7" name="Picture 6">
             <a:extLst>
               <a:ext uri="{FF2B5EF4-FFF2-40B4-BE49-F238E27FC236}">
-                <a16:creationId xmlns:a16="http://schemas.microsoft.com/office/drawing/2014/main" id="{ED12AAC5-3AB0-4BB3-AB8D-77446142185D}"/>
+                <a16:creationId xmlns:a16="http://schemas.microsoft.com/office/drawing/2014/main" id="{6FDCC87A-DE75-41C5-89F3-B073BC3F9CDF}"/>
               </a:ext>
             </a:extLst>
           </p:cNvPr>
@@ -6834,238 +6833,27 @@
           <p:nvPr/>
         </p:nvPicPr>
         <p:blipFill>
-          <a:blip r:embed="rId2">
-            <a:clrChange>
-              <a:clrFrom>
-                <a:srgbClr val="FFFFFF"/>
-              </a:clrFrom>
-              <a:clrTo>
-                <a:srgbClr val="FFFFFF">
-                  <a:alpha val="0"/>
-                </a:srgbClr>
-              </a:clrTo>
-            </a:clrChange>
-          </a:blip>
+          <a:blip r:embed="rId2"/>
           <a:stretch>
             <a:fillRect/>
           </a:stretch>
         </p:blipFill>
         <p:spPr>
           <a:xfrm>
-            <a:off x="6316810" y="1868180"/>
-            <a:ext cx="1213578" cy="715553"/>
+            <a:off x="719999" y="2231955"/>
+            <a:ext cx="3138323" cy="1506728"/>
           </a:xfrm>
           <a:prstGeom prst="rect">
             <a:avLst/>
           </a:prstGeom>
         </p:spPr>
       </p:pic>
-      <p:sp>
-        <p:nvSpPr>
-          <p:cNvPr id="2" name="Title 1">
-            <a:extLst>
-              <a:ext uri="{FF2B5EF4-FFF2-40B4-BE49-F238E27FC236}">
-                <a16:creationId xmlns:a16="http://schemas.microsoft.com/office/drawing/2014/main" id="{40F2AE42-80FD-423E-8180-56B0AF3F23D6}"/>
-              </a:ext>
-            </a:extLst>
-          </p:cNvPr>
-          <p:cNvSpPr>
-            <a:spLocks noGrp="1"/>
-          </p:cNvSpPr>
-          <p:nvPr>
-            <p:ph type="title"/>
-          </p:nvPr>
-        </p:nvSpPr>
-        <p:spPr/>
-        <p:txBody>
-          <a:bodyPr/>
-          <a:lstStyle/>
-          <a:p>
-            <a:r>
-              <a:rPr lang="en-US" dirty="0" err="1"/>
-              <a:t>Quarkus</a:t>
-            </a:r>
-            <a:r>
-              <a:rPr lang="en-US" dirty="0"/>
-              <a:t> and Kubernetes</a:t>
-            </a:r>
-          </a:p>
-        </p:txBody>
-      </p:sp>
-      <p:sp>
-        <p:nvSpPr>
-          <p:cNvPr id="3" name="Content Placeholder 2">
-            <a:extLst>
-              <a:ext uri="{FF2B5EF4-FFF2-40B4-BE49-F238E27FC236}">
-                <a16:creationId xmlns:a16="http://schemas.microsoft.com/office/drawing/2014/main" id="{106A6E72-261D-457A-A69E-5B4CE5BF3225}"/>
-              </a:ext>
-            </a:extLst>
-          </p:cNvPr>
-          <p:cNvSpPr>
-            <a:spLocks noGrp="1"/>
-          </p:cNvSpPr>
-          <p:nvPr>
-            <p:ph idx="1"/>
-          </p:nvPr>
-        </p:nvSpPr>
-        <p:spPr/>
-        <p:txBody>
-          <a:bodyPr/>
-          <a:lstStyle/>
-          <a:p>
-            <a:endParaRPr lang="en-US" dirty="0"/>
-          </a:p>
-          <a:p>
-            <a:r>
-              <a:rPr lang="en-US" dirty="0"/>
-              <a:t>Generate Kubernetes resource files</a:t>
-            </a:r>
-          </a:p>
-          <a:p>
-            <a:endParaRPr lang="en-US" dirty="0"/>
-          </a:p>
-          <a:p>
-            <a:endParaRPr lang="en-US" dirty="0"/>
-          </a:p>
-          <a:p>
-            <a:r>
-              <a:rPr lang="en-US" dirty="0"/>
-              <a:t>Kubernetes client</a:t>
-            </a:r>
-            <a:br>
-              <a:rPr lang="en-US" dirty="0"/>
-            </a:br>
-            <a:r>
-              <a:rPr lang="en-US" sz="1200" dirty="0"/>
-              <a:t>Interact with the Kubernetes API from Java</a:t>
-            </a:r>
-          </a:p>
-          <a:p>
-            <a:endParaRPr lang="en-US" dirty="0"/>
-          </a:p>
-          <a:p>
-            <a:endParaRPr lang="en-US" dirty="0"/>
-          </a:p>
-          <a:p>
-            <a:r>
-              <a:rPr lang="en-US" dirty="0"/>
-              <a:t>Maven archetype creates ready to use </a:t>
-            </a:r>
-            <a:r>
-              <a:rPr lang="en-US" dirty="0" err="1"/>
-              <a:t>Dockerfiles</a:t>
-            </a:r>
-            <a:br>
-              <a:rPr lang="en-US" dirty="0"/>
-            </a:br>
-            <a:r>
-              <a:rPr lang="en-US" sz="1200" dirty="0"/>
-              <a:t>For native and JVM deployment</a:t>
-            </a:r>
-          </a:p>
-          <a:p>
-            <a:endParaRPr lang="en-US" dirty="0"/>
-          </a:p>
-          <a:p>
-            <a:endParaRPr lang="en-US" dirty="0"/>
-          </a:p>
-          <a:p>
-            <a:r>
-              <a:rPr lang="en-US" dirty="0" err="1"/>
-              <a:t>Knative</a:t>
-            </a:r>
-            <a:r>
-              <a:rPr lang="en-US" dirty="0"/>
-              <a:t> </a:t>
-            </a:r>
-            <a:r>
-              <a:rPr lang="en-US" dirty="0" err="1"/>
-              <a:t>quickstart</a:t>
-            </a:r>
-            <a:r>
-              <a:rPr lang="en-US" dirty="0"/>
-              <a:t> available</a:t>
-            </a:r>
-            <a:br>
-              <a:rPr lang="en-US" dirty="0"/>
-            </a:br>
-            <a:r>
-              <a:rPr lang="en-GB" sz="1200" dirty="0"/>
-              <a:t>Kubernetes-based platform to build, deploy, and manage modern serverless workload</a:t>
-            </a:r>
-            <a:endParaRPr lang="en-US" sz="1200" dirty="0"/>
-          </a:p>
-          <a:p>
-            <a:endParaRPr lang="en-US" dirty="0"/>
-          </a:p>
-          <a:p>
-            <a:endParaRPr lang="en-US" dirty="0"/>
-          </a:p>
-        </p:txBody>
-      </p:sp>
-      <p:sp>
-        <p:nvSpPr>
-          <p:cNvPr id="4" name="Footer Placeholder 3">
-            <a:extLst>
-              <a:ext uri="{FF2B5EF4-FFF2-40B4-BE49-F238E27FC236}">
-                <a16:creationId xmlns:a16="http://schemas.microsoft.com/office/drawing/2014/main" id="{E8A5E2D5-79FF-469F-93B0-88B922013D83}"/>
-              </a:ext>
-            </a:extLst>
-          </p:cNvPr>
-          <p:cNvSpPr>
-            <a:spLocks noGrp="1"/>
-          </p:cNvSpPr>
-          <p:nvPr>
-            <p:ph type="ftr" sz="quarter" idx="11"/>
-          </p:nvPr>
-        </p:nvSpPr>
-        <p:spPr/>
-        <p:txBody>
-          <a:bodyPr/>
-          <a:lstStyle/>
-          <a:p>
-            <a:r>
-              <a:rPr lang="nl-NL"/>
-              <a:t>Titel van de presentatie</a:t>
-            </a:r>
-          </a:p>
-        </p:txBody>
-      </p:sp>
-      <p:sp>
-        <p:nvSpPr>
-          <p:cNvPr id="5" name="Slide Number Placeholder 4">
-            <a:extLst>
-              <a:ext uri="{FF2B5EF4-FFF2-40B4-BE49-F238E27FC236}">
-                <a16:creationId xmlns:a16="http://schemas.microsoft.com/office/drawing/2014/main" id="{DE6D4E6F-B5CE-41BA-9CA2-6AE4EE45A5E2}"/>
-              </a:ext>
-            </a:extLst>
-          </p:cNvPr>
-          <p:cNvSpPr>
-            <a:spLocks noGrp="1"/>
-          </p:cNvSpPr>
-          <p:nvPr>
-            <p:ph type="sldNum" sz="quarter" idx="12"/>
-          </p:nvPr>
-        </p:nvSpPr>
-        <p:spPr/>
-        <p:txBody>
-          <a:bodyPr/>
-          <a:lstStyle/>
-          <a:p>
-            <a:fld id="{14F1411D-0280-154F-AEAC-4C20B7AA46B2}" type="slidenum">
-              <a:rPr lang="nl-NL" smtClean="0"/>
-              <a:t>11</a:t>
-            </a:fld>
-            <a:endParaRPr lang="nl-NL"/>
-          </a:p>
-        </p:txBody>
-      </p:sp>
       <p:pic>
         <p:nvPicPr>
-          <p:cNvPr id="8" name="Picture 7">
+          <p:cNvPr id="9" name="Picture 8">
             <a:extLst>
               <a:ext uri="{FF2B5EF4-FFF2-40B4-BE49-F238E27FC236}">
-                <a16:creationId xmlns:a16="http://schemas.microsoft.com/office/drawing/2014/main" id="{5EABC2BC-0E9B-4C94-B1C8-E1C001A64CB6}"/>
+                <a16:creationId xmlns:a16="http://schemas.microsoft.com/office/drawing/2014/main" id="{98D501E5-90C4-4C5B-BF8E-5AC556196845}"/>
               </a:ext>
             </a:extLst>
           </p:cNvPr>
@@ -7082,8 +6870,8 @@
         </p:blipFill>
         <p:spPr>
           <a:xfrm>
-            <a:off x="5374422" y="764664"/>
-            <a:ext cx="1213578" cy="1103516"/>
+            <a:off x="5099824" y="2231341"/>
+            <a:ext cx="3884304" cy="1507342"/>
           </a:xfrm>
           <a:prstGeom prst="rect">
             <a:avLst/>
@@ -7092,271 +6880,78 @@
       </p:pic>
       <p:sp>
         <p:nvSpPr>
-          <p:cNvPr id="9" name="Rectangle 8">
+          <p:cNvPr id="10" name="TextBox 9">
             <a:extLst>
               <a:ext uri="{FF2B5EF4-FFF2-40B4-BE49-F238E27FC236}">
-                <a16:creationId xmlns:a16="http://schemas.microsoft.com/office/drawing/2014/main" id="{7980FF2B-0BBD-445C-9DDC-8C663143B4F3}"/>
+                <a16:creationId xmlns:a16="http://schemas.microsoft.com/office/drawing/2014/main" id="{D73276B4-1A47-456A-BC71-75C186011367}"/>
               </a:ext>
             </a:extLst>
           </p:cNvPr>
-          <p:cNvSpPr/>
+          <p:cNvSpPr txBox="1"/>
           <p:nvPr/>
         </p:nvSpPr>
         <p:spPr>
           <a:xfrm>
-            <a:off x="7437120" y="144000"/>
-            <a:ext cx="986880" cy="612000"/>
-          </a:xfrm>
-          <a:prstGeom prst="rect">
-            <a:avLst/>
-          </a:prstGeom>
-          <a:solidFill>
-            <a:schemeClr val="bg1"/>
-          </a:solidFill>
-          <a:ln>
-            <a:noFill/>
-          </a:ln>
-        </p:spPr>
-        <p:style>
-          <a:lnRef idx="2">
-            <a:schemeClr val="accent1">
-              <a:shade val="50000"/>
-            </a:schemeClr>
-          </a:lnRef>
-          <a:fillRef idx="1">
-            <a:schemeClr val="accent1"/>
-          </a:fillRef>
-          <a:effectRef idx="0">
-            <a:schemeClr val="accent1"/>
-          </a:effectRef>
-          <a:fontRef idx="minor">
-            <a:schemeClr val="lt1"/>
-          </a:fontRef>
-        </p:style>
-        <p:txBody>
-          <a:bodyPr rtlCol="0" anchor="ctr"/>
-          <a:lstStyle/>
-          <a:p>
-            <a:pPr algn="ctr"/>
-            <a:endParaRPr lang="en-US"/>
-          </a:p>
-        </p:txBody>
-      </p:sp>
-      <p:pic>
-        <p:nvPicPr>
-          <p:cNvPr id="5122" name="Picture 2" descr="Image result for docker">
-            <a:extLst>
-              <a:ext uri="{FF2B5EF4-FFF2-40B4-BE49-F238E27FC236}">
-                <a16:creationId xmlns:a16="http://schemas.microsoft.com/office/drawing/2014/main" id="{1AE215B5-46EE-463B-9B40-2116B9391F80}"/>
-              </a:ext>
-            </a:extLst>
-          </p:cNvPr>
-          <p:cNvPicPr>
-            <a:picLocks noChangeAspect="1" noChangeArrowheads="1"/>
-          </p:cNvPicPr>
-          <p:nvPr/>
-        </p:nvPicPr>
-        <p:blipFill>
-          <a:blip r:embed="rId4">
-            <a:clrChange>
-              <a:clrFrom>
-                <a:srgbClr val="FFFFFF"/>
-              </a:clrFrom>
-              <a:clrTo>
-                <a:srgbClr val="FFFFFF">
-                  <a:alpha val="0"/>
-                </a:srgbClr>
-              </a:clrTo>
-            </a:clrChange>
-            <a:extLst>
-              <a:ext uri="{28A0092B-C50C-407E-A947-70E740481C1C}">
-                <a14:useLocalDpi xmlns:a14="http://schemas.microsoft.com/office/drawing/2010/main" val="0"/>
-              </a:ext>
-            </a:extLst>
-          </a:blip>
-          <a:srcRect/>
-          <a:stretch>
-            <a:fillRect/>
-          </a:stretch>
-        </p:blipFill>
-        <p:spPr bwMode="auto">
-          <a:xfrm>
-            <a:off x="5009734" y="2763733"/>
-            <a:ext cx="2052588" cy="1149449"/>
+            <a:off x="719999" y="1628745"/>
+            <a:ext cx="780663" cy="200055"/>
           </a:xfrm>
           <a:prstGeom prst="rect">
             <a:avLst/>
           </a:prstGeom>
           <a:noFill/>
-          <a:extLst>
-            <a:ext uri="{909E8E84-426E-40DD-AFC4-6F175D3DCCD1}">
-              <a14:hiddenFill xmlns:a14="http://schemas.microsoft.com/office/drawing/2010/main">
-                <a:solidFill>
-                  <a:srgbClr val="FFFFFF"/>
-                </a:solidFill>
-              </a14:hiddenFill>
-            </a:ext>
-          </a:extLst>
-        </p:spPr>
-      </p:pic>
-      <p:pic>
-        <p:nvPicPr>
-          <p:cNvPr id="5124" name="Picture 4" descr="Image result for kubernetes api">
+        </p:spPr>
+        <p:txBody>
+          <a:bodyPr wrap="none" lIns="0" tIns="0" rIns="0" bIns="0" rtlCol="0">
+            <a:spAutoFit/>
+          </a:bodyPr>
+          <a:lstStyle/>
+          <a:p>
+            <a:r>
+              <a:rPr lang="en-US" sz="1300" dirty="0"/>
+              <a:t>Imperative</a:t>
+            </a:r>
+          </a:p>
+        </p:txBody>
+      </p:sp>
+      <p:sp>
+        <p:nvSpPr>
+          <p:cNvPr id="11" name="TextBox 10">
             <a:extLst>
               <a:ext uri="{FF2B5EF4-FFF2-40B4-BE49-F238E27FC236}">
-                <a16:creationId xmlns:a16="http://schemas.microsoft.com/office/drawing/2014/main" id="{4B5A4277-7059-43CC-B979-95ED3CC4B137}"/>
+                <a16:creationId xmlns:a16="http://schemas.microsoft.com/office/drawing/2014/main" id="{AB1F5A97-D843-4D6F-A711-96D08733A495}"/>
               </a:ext>
             </a:extLst>
           </p:cNvPr>
-          <p:cNvPicPr>
-            <a:picLocks noChangeAspect="1" noChangeArrowheads="1"/>
-          </p:cNvPicPr>
+          <p:cNvSpPr txBox="1"/>
           <p:nvPr/>
-        </p:nvPicPr>
-        <p:blipFill rotWithShape="1">
-          <a:blip r:embed="rId5">
-            <a:clrChange>
-              <a:clrFrom>
-                <a:srgbClr val="FFFFFF"/>
-              </a:clrFrom>
-              <a:clrTo>
-                <a:srgbClr val="FFFFFF">
-                  <a:alpha val="0"/>
-                </a:srgbClr>
-              </a:clrTo>
-            </a:clrChange>
-            <a:extLst>
-              <a:ext uri="{28A0092B-C50C-407E-A947-70E740481C1C}">
-                <a14:useLocalDpi xmlns:a14="http://schemas.microsoft.com/office/drawing/2010/main" val="0"/>
-              </a:ext>
-            </a:extLst>
-          </a:blip>
-          <a:srcRect l="25296"/>
-          <a:stretch/>
-        </p:blipFill>
-        <p:spPr bwMode="auto">
-          <a:xfrm>
-            <a:off x="7495567" y="1691266"/>
-            <a:ext cx="1424865" cy="1188733"/>
+        </p:nvSpPr>
+        <p:spPr>
+          <a:xfrm>
+            <a:off x="5099824" y="1628744"/>
+            <a:ext cx="649217" cy="200055"/>
           </a:xfrm>
           <a:prstGeom prst="rect">
             <a:avLst/>
           </a:prstGeom>
           <a:noFill/>
-          <a:extLst>
-            <a:ext uri="{909E8E84-426E-40DD-AFC4-6F175D3DCCD1}">
-              <a14:hiddenFill xmlns:a14="http://schemas.microsoft.com/office/drawing/2010/main">
-                <a:solidFill>
-                  <a:srgbClr val="FFFFFF"/>
-                </a:solidFill>
-              </a14:hiddenFill>
-            </a:ext>
-          </a:extLst>
-        </p:spPr>
-      </p:pic>
-      <p:sp>
-        <p:nvSpPr>
-          <p:cNvPr id="10" name="Rectangle 9">
-            <a:extLst>
-              <a:ext uri="{FF2B5EF4-FFF2-40B4-BE49-F238E27FC236}">
-                <a16:creationId xmlns:a16="http://schemas.microsoft.com/office/drawing/2014/main" id="{39F94D47-F540-4B2F-85C5-EAFA62D73595}"/>
-              </a:ext>
-            </a:extLst>
-          </p:cNvPr>
-          <p:cNvSpPr/>
-          <p:nvPr/>
-        </p:nvSpPr>
-        <p:spPr>
-          <a:xfrm>
-            <a:off x="7696508" y="2264161"/>
-            <a:ext cx="192517" cy="60325"/>
-          </a:xfrm>
-          <a:prstGeom prst="rect">
-            <a:avLst/>
-          </a:prstGeom>
-          <a:solidFill>
-            <a:schemeClr val="bg1"/>
-          </a:solidFill>
-          <a:ln>
-            <a:noFill/>
-          </a:ln>
-        </p:spPr>
-        <p:style>
-          <a:lnRef idx="2">
-            <a:schemeClr val="accent1">
-              <a:shade val="50000"/>
-            </a:schemeClr>
-          </a:lnRef>
-          <a:fillRef idx="1">
-            <a:schemeClr val="accent1"/>
-          </a:fillRef>
-          <a:effectRef idx="0">
-            <a:schemeClr val="accent1"/>
-          </a:effectRef>
-          <a:fontRef idx="minor">
-            <a:schemeClr val="lt1"/>
-          </a:fontRef>
-        </p:style>
-        <p:txBody>
-          <a:bodyPr rtlCol="0" anchor="ctr"/>
+        </p:spPr>
+        <p:txBody>
+          <a:bodyPr wrap="none" lIns="0" tIns="0" rIns="0" bIns="0" rtlCol="0">
+            <a:spAutoFit/>
+          </a:bodyPr>
           <a:lstStyle/>
           <a:p>
-            <a:pPr algn="ctr"/>
-            <a:endParaRPr lang="en-US"/>
-          </a:p>
-        </p:txBody>
-      </p:sp>
-      <p:pic>
-        <p:nvPicPr>
-          <p:cNvPr id="14" name="Picture 8" descr="Image result for knative">
-            <a:extLst>
-              <a:ext uri="{FF2B5EF4-FFF2-40B4-BE49-F238E27FC236}">
-                <a16:creationId xmlns:a16="http://schemas.microsoft.com/office/drawing/2014/main" id="{8B0C4F80-E4E4-48C8-88A6-6690E197958B}"/>
-              </a:ext>
-            </a:extLst>
-          </p:cNvPr>
-          <p:cNvPicPr>
-            <a:picLocks noChangeAspect="1" noChangeArrowheads="1"/>
-          </p:cNvPicPr>
-          <p:nvPr/>
-        </p:nvPicPr>
-        <p:blipFill>
-          <a:blip r:embed="rId6">
-            <a:extLst>
-              <a:ext uri="{28A0092B-C50C-407E-A947-70E740481C1C}">
-                <a14:useLocalDpi xmlns:a14="http://schemas.microsoft.com/office/drawing/2010/main" val="0"/>
-              </a:ext>
-            </a:extLst>
-          </a:blip>
-          <a:srcRect/>
-          <a:stretch>
-            <a:fillRect/>
-          </a:stretch>
-        </p:blipFill>
-        <p:spPr bwMode="auto">
-          <a:xfrm>
-            <a:off x="7696826" y="3817217"/>
-            <a:ext cx="1299328" cy="1050093"/>
-          </a:xfrm>
-          <a:prstGeom prst="rect">
-            <a:avLst/>
-          </a:prstGeom>
-          <a:noFill/>
-          <a:extLst>
-            <a:ext uri="{909E8E84-426E-40DD-AFC4-6F175D3DCCD1}">
-              <a14:hiddenFill xmlns:a14="http://schemas.microsoft.com/office/drawing/2010/main">
-                <a:solidFill>
-                  <a:srgbClr val="FFFFFF"/>
-                </a:solidFill>
-              </a14:hiddenFill>
-            </a:ext>
-          </a:extLst>
-        </p:spPr>
-      </p:pic>
+            <a:r>
+              <a:rPr lang="en-US" sz="1300" dirty="0"/>
+              <a:t>Reactive</a:t>
+            </a:r>
+          </a:p>
+        </p:txBody>
+      </p:sp>
     </p:spTree>
     <p:extLst>
       <p:ext uri="{BB962C8B-B14F-4D97-AF65-F5344CB8AC3E}">
-        <p14:creationId xmlns:p14="http://schemas.microsoft.com/office/powerpoint/2010/main" val="1644636787"/>
+        <p14:creationId xmlns:p14="http://schemas.microsoft.com/office/powerpoint/2010/main" val="1953247589"/>
       </p:ext>
     </p:extLst>
   </p:cSld>
@@ -7388,7 +6983,7 @@
           <p:cNvPr id="2" name="Title 1">
             <a:extLst>
               <a:ext uri="{FF2B5EF4-FFF2-40B4-BE49-F238E27FC236}">
-                <a16:creationId xmlns:a16="http://schemas.microsoft.com/office/drawing/2014/main" id="{40F2AE42-80FD-423E-8180-56B0AF3F23D6}"/>
+                <a16:creationId xmlns:a16="http://schemas.microsoft.com/office/drawing/2014/main" id="{92E75CB8-A884-4292-9E63-7C6C99FD0FC9}"/>
               </a:ext>
             </a:extLst>
           </p:cNvPr>
@@ -7410,7 +7005,7 @@
             </a:r>
             <a:r>
               <a:rPr lang="en-US" dirty="0"/>
-              <a:t> and Kubernetes</a:t>
+              <a:t> extensions</a:t>
             </a:r>
           </a:p>
         </p:txBody>
@@ -7420,7 +7015,7 @@
           <p:cNvPr id="3" name="Content Placeholder 2">
             <a:extLst>
               <a:ext uri="{FF2B5EF4-FFF2-40B4-BE49-F238E27FC236}">
-                <a16:creationId xmlns:a16="http://schemas.microsoft.com/office/drawing/2014/main" id="{106A6E72-261D-457A-A69E-5B4CE5BF3225}"/>
+                <a16:creationId xmlns:a16="http://schemas.microsoft.com/office/drawing/2014/main" id="{B91F3E17-38CF-4B2B-8BFB-B5F0CB010BC5}"/>
               </a:ext>
             </a:extLst>
           </p:cNvPr>
@@ -7436,170 +7031,154 @@
           <a:bodyPr/>
           <a:lstStyle/>
           <a:p>
-            <a:r>
-              <a:rPr lang="en-US" dirty="0"/>
-              <a:t>Add the dependency:</a:t>
+            <a:endParaRPr lang="en-GB" dirty="0"/>
+          </a:p>
+          <a:p>
+            <a:r>
+              <a:rPr lang="en-GB" dirty="0"/>
+              <a:t>Extensions are like project dependencies</a:t>
+            </a:r>
+          </a:p>
+          <a:p>
+            <a:endParaRPr lang="en-GB" dirty="0"/>
+          </a:p>
+          <a:p>
+            <a:r>
+              <a:rPr lang="en-GB" dirty="0"/>
+              <a:t>Configure, boot and integrate a framework or technology </a:t>
             </a:r>
             <a:br>
-              <a:rPr lang="en-US" dirty="0"/>
+              <a:rPr lang="en-GB" dirty="0"/>
             </a:br>
             <a:r>
-              <a:rPr lang="en-US" dirty="0"/>
+              <a:rPr lang="en-GB" sz="1200" dirty="0"/>
+              <a:t>into your </a:t>
+            </a:r>
+            <a:r>
+              <a:rPr lang="en-GB" sz="1200" dirty="0" err="1"/>
+              <a:t>Quarkus</a:t>
+            </a:r>
+            <a:r>
+              <a:rPr lang="en-GB" sz="1200" dirty="0"/>
+              <a:t> application</a:t>
+            </a:r>
+          </a:p>
+          <a:p>
+            <a:endParaRPr lang="en-GB" dirty="0"/>
+          </a:p>
+          <a:p>
+            <a:r>
+              <a:rPr lang="en-GB" dirty="0"/>
+              <a:t>Providing the right information to </a:t>
+            </a:r>
+            <a:r>
+              <a:rPr lang="en-GB" dirty="0" err="1"/>
+              <a:t>GraalVM</a:t>
+            </a:r>
+            <a:r>
+              <a:rPr lang="en-GB" dirty="0"/>
               <a:t> </a:t>
             </a:r>
-            <a:r>
-              <a:rPr lang="en-US" sz="1200" dirty="0"/>
-              <a:t>&lt;dependency&gt;</a:t>
-            </a:r>
             <a:br>
-              <a:rPr lang="en-US" sz="1200" dirty="0"/>
+              <a:rPr lang="en-GB" dirty="0"/>
             </a:br>
             <a:r>
-              <a:rPr lang="en-US" sz="1200" dirty="0"/>
-              <a:t>      &lt;</a:t>
-            </a:r>
-            <a:r>
-              <a:rPr lang="en-US" sz="1200" dirty="0" err="1"/>
-              <a:t>groupId</a:t>
-            </a:r>
-            <a:r>
-              <a:rPr lang="en-US" sz="1200" dirty="0"/>
-              <a:t>&gt;</a:t>
-            </a:r>
-            <a:r>
-              <a:rPr lang="en-US" sz="1200" dirty="0" err="1"/>
-              <a:t>io.quarkus</a:t>
-            </a:r>
-            <a:r>
-              <a:rPr lang="en-US" sz="1200" dirty="0"/>
-              <a:t>&lt;/</a:t>
-            </a:r>
-            <a:r>
-              <a:rPr lang="en-US" sz="1200" dirty="0" err="1"/>
-              <a:t>groupId</a:t>
-            </a:r>
-            <a:r>
-              <a:rPr lang="en-US" sz="1200" dirty="0"/>
-              <a:t>&gt;</a:t>
+              <a:rPr lang="en-GB" sz="1200" dirty="0"/>
+              <a:t>for your application to compile natively</a:t>
+            </a:r>
+          </a:p>
+          <a:p>
+            <a:endParaRPr lang="en-GB" dirty="0"/>
+          </a:p>
+          <a:p>
+            <a:r>
+              <a:rPr lang="fr-FR" dirty="0"/>
+              <a:t>Can </a:t>
+            </a:r>
+            <a:r>
+              <a:rPr lang="fr-FR" dirty="0" err="1"/>
+              <a:t>be</a:t>
+            </a:r>
+            <a:r>
+              <a:rPr lang="fr-FR" dirty="0"/>
+              <a:t> </a:t>
+            </a:r>
+            <a:r>
+              <a:rPr lang="fr-FR" dirty="0" err="1"/>
+              <a:t>configured</a:t>
+            </a:r>
+            <a:r>
+              <a:rPr lang="fr-FR" dirty="0"/>
+              <a:t> </a:t>
+            </a:r>
+            <a:r>
+              <a:rPr lang="fr-FR" dirty="0" err="1"/>
+              <a:t>with</a:t>
+            </a:r>
+            <a:r>
+              <a:rPr lang="fr-FR" dirty="0"/>
+              <a:t> the </a:t>
+            </a:r>
+            <a:r>
+              <a:rPr lang="fr-FR" dirty="0" err="1"/>
+              <a:t>Quarkus</a:t>
+            </a:r>
+            <a:r>
+              <a:rPr lang="fr-FR" dirty="0"/>
+              <a:t> Maven plugin</a:t>
             </a:r>
             <a:br>
-              <a:rPr lang="en-US" sz="1200" dirty="0"/>
+              <a:rPr lang="fr-FR" dirty="0"/>
             </a:br>
             <a:r>
-              <a:rPr lang="en-US" sz="1200" dirty="0"/>
-              <a:t>      &lt;</a:t>
-            </a:r>
-            <a:r>
-              <a:rPr lang="en-US" sz="1200" dirty="0" err="1"/>
-              <a:t>artifactId</a:t>
-            </a:r>
-            <a:r>
-              <a:rPr lang="en-US" sz="1200" dirty="0"/>
-              <a:t>&gt;</a:t>
-            </a:r>
-            <a:r>
-              <a:rPr lang="en-US" sz="1200" dirty="0" err="1"/>
-              <a:t>quarkus-kubernetes</a:t>
-            </a:r>
-            <a:r>
-              <a:rPr lang="en-US" sz="1200" dirty="0"/>
-              <a:t>&lt;/</a:t>
-            </a:r>
-            <a:r>
-              <a:rPr lang="en-US" sz="1200" dirty="0" err="1"/>
-              <a:t>artifactId</a:t>
-            </a:r>
-            <a:r>
-              <a:rPr lang="en-US" sz="1200" dirty="0"/>
-              <a:t>&gt;</a:t>
+              <a:rPr lang="fr-FR" sz="1200" dirty="0" err="1"/>
+              <a:t>mvn</a:t>
+            </a:r>
+            <a:r>
+              <a:rPr lang="fr-FR" sz="1200" dirty="0"/>
+              <a:t> </a:t>
+            </a:r>
+            <a:r>
+              <a:rPr lang="fr-FR" sz="1200" dirty="0" err="1"/>
+              <a:t>quarkus:list-extensions</a:t>
             </a:r>
             <a:br>
-              <a:rPr lang="en-US" sz="1200" dirty="0"/>
+              <a:rPr lang="fr-FR" sz="1200" dirty="0"/>
             </a:br>
             <a:r>
-              <a:rPr lang="en-US" sz="1200" dirty="0"/>
-              <a:t> &lt;/dependency&gt;</a:t>
-            </a:r>
-          </a:p>
-          <a:p>
+              <a:rPr lang="fr-FR" sz="1200" dirty="0" err="1"/>
+              <a:t>mvn</a:t>
+            </a:r>
+            <a:r>
+              <a:rPr lang="fr-FR" sz="1200" dirty="0"/>
+              <a:t> </a:t>
+            </a:r>
+            <a:r>
+              <a:rPr lang="fr-FR" sz="1200" dirty="0" err="1"/>
+              <a:t>quarkus:add-extension</a:t>
+            </a:r>
+            <a:r>
+              <a:rPr lang="fr-FR" sz="1200" dirty="0"/>
+              <a:t> -</a:t>
+            </a:r>
+            <a:r>
+              <a:rPr lang="fr-FR" sz="1200" dirty="0" err="1"/>
+              <a:t>Dextensions</a:t>
+            </a:r>
+            <a:r>
+              <a:rPr lang="fr-FR" sz="1200" dirty="0"/>
+              <a:t>="</a:t>
+            </a:r>
+            <a:r>
+              <a:rPr lang="fr-FR" sz="1200" dirty="0" err="1"/>
+              <a:t>groupId:artifactId</a:t>
+            </a:r>
+            <a:r>
+              <a:rPr lang="fr-FR" sz="1200" dirty="0"/>
+              <a:t>"</a:t>
+            </a:r>
             <a:endParaRPr lang="en-US" dirty="0"/>
           </a:p>
-          <a:p>
-            <a:r>
-              <a:rPr lang="en-US" dirty="0" err="1"/>
-              <a:t>mvn</a:t>
-            </a:r>
-            <a:r>
-              <a:rPr lang="en-US" dirty="0"/>
-              <a:t> package</a:t>
-            </a:r>
-            <a:br>
-              <a:rPr lang="en-US" dirty="0"/>
-            </a:br>
-            <a:r>
-              <a:rPr lang="en-US" sz="1200" dirty="0"/>
-              <a:t>Generates </a:t>
-            </a:r>
-            <a:r>
-              <a:rPr lang="en-US" sz="1200" dirty="0" err="1"/>
-              <a:t>kubernetes.json</a:t>
-            </a:r>
-            <a:r>
-              <a:rPr lang="en-US" sz="1200" dirty="0"/>
-              <a:t> and </a:t>
-            </a:r>
-            <a:r>
-              <a:rPr lang="en-US" sz="1200" dirty="0" err="1"/>
-              <a:t>kubernetes.yaml</a:t>
-            </a:r>
-            <a:br>
-              <a:rPr lang="en-US" sz="1200" dirty="0"/>
-            </a:br>
-            <a:r>
-              <a:rPr lang="en-US" sz="1200" dirty="0"/>
-              <a:t>Contains the Service and the Deployment</a:t>
-            </a:r>
-          </a:p>
-          <a:p>
-            <a:endParaRPr lang="en-US" dirty="0"/>
-          </a:p>
-          <a:p>
-            <a:r>
-              <a:rPr lang="en-US" dirty="0"/>
-              <a:t>Details can be configured with properties</a:t>
-            </a:r>
-            <a:br>
-              <a:rPr lang="en-US" dirty="0"/>
-            </a:br>
-            <a:r>
-              <a:rPr lang="en-GB" sz="1200" dirty="0" err="1"/>
-              <a:t>quarkus.kubernetes.group</a:t>
-            </a:r>
-            <a:r>
-              <a:rPr lang="en-GB" sz="1200" dirty="0"/>
-              <a:t>=</a:t>
-            </a:r>
-            <a:r>
-              <a:rPr lang="en-GB" sz="1200" dirty="0" err="1"/>
-              <a:t>yourDockerUsername</a:t>
-            </a:r>
-            <a:br>
-              <a:rPr lang="en-GB" sz="1200" dirty="0"/>
-            </a:br>
-            <a:r>
-              <a:rPr lang="en-GB" sz="1200" dirty="0"/>
-              <a:t>quarkus.application.name=test-</a:t>
-            </a:r>
-            <a:r>
-              <a:rPr lang="en-GB" sz="1200" dirty="0" err="1"/>
-              <a:t>quarkus</a:t>
-            </a:r>
-            <a:r>
-              <a:rPr lang="en-GB" sz="1200" dirty="0"/>
-              <a:t>-app</a:t>
-            </a:r>
-            <a:endParaRPr lang="en-US" sz="1200" dirty="0"/>
-          </a:p>
         </p:txBody>
       </p:sp>
       <p:sp>
@@ -7607,7 +7186,7 @@
           <p:cNvPr id="4" name="Footer Placeholder 3">
             <a:extLst>
               <a:ext uri="{FF2B5EF4-FFF2-40B4-BE49-F238E27FC236}">
-                <a16:creationId xmlns:a16="http://schemas.microsoft.com/office/drawing/2014/main" id="{E8A5E2D5-79FF-469F-93B0-88B922013D83}"/>
+                <a16:creationId xmlns:a16="http://schemas.microsoft.com/office/drawing/2014/main" id="{E035EAEA-9C36-4A30-BC65-5570BAA3AFD7}"/>
               </a:ext>
             </a:extLst>
           </p:cNvPr>
@@ -7635,7 +7214,7 @@
           <p:cNvPr id="5" name="Slide Number Placeholder 4">
             <a:extLst>
               <a:ext uri="{FF2B5EF4-FFF2-40B4-BE49-F238E27FC236}">
-                <a16:creationId xmlns:a16="http://schemas.microsoft.com/office/drawing/2014/main" id="{DE6D4E6F-B5CE-41BA-9CA2-6AE4EE45A5E2}"/>
+                <a16:creationId xmlns:a16="http://schemas.microsoft.com/office/drawing/2014/main" id="{E4A35546-D9FC-44E4-870B-A45BAF073ECD}"/>
               </a:ext>
             </a:extLst>
           </p:cNvPr>
@@ -7659,98 +7238,10 @@
           </a:p>
         </p:txBody>
       </p:sp>
-      <p:pic>
-        <p:nvPicPr>
-          <p:cNvPr id="6" name="Picture 5">
-            <a:extLst>
-              <a:ext uri="{FF2B5EF4-FFF2-40B4-BE49-F238E27FC236}">
-                <a16:creationId xmlns:a16="http://schemas.microsoft.com/office/drawing/2014/main" id="{17A82362-6475-429C-A5F8-25E932FF03B3}"/>
-              </a:ext>
-            </a:extLst>
-          </p:cNvPr>
-          <p:cNvPicPr>
-            <a:picLocks noChangeAspect="1"/>
-          </p:cNvPicPr>
-          <p:nvPr/>
-        </p:nvPicPr>
-        <p:blipFill rotWithShape="1">
-          <a:blip r:embed="rId2"/>
-          <a:srcRect r="65167"/>
-          <a:stretch/>
-        </p:blipFill>
-        <p:spPr>
-          <a:xfrm>
-            <a:off x="5638797" y="76583"/>
-            <a:ext cx="3185160" cy="4778917"/>
-          </a:xfrm>
-          <a:prstGeom prst="rect">
-            <a:avLst/>
-          </a:prstGeom>
-        </p:spPr>
-      </p:pic>
-      <p:pic>
-        <p:nvPicPr>
-          <p:cNvPr id="7" name="Picture 6">
-            <a:extLst>
-              <a:ext uri="{FF2B5EF4-FFF2-40B4-BE49-F238E27FC236}">
-                <a16:creationId xmlns:a16="http://schemas.microsoft.com/office/drawing/2014/main" id="{4BCA8C08-610E-4461-9A86-C1085015A71A}"/>
-              </a:ext>
-            </a:extLst>
-          </p:cNvPr>
-          <p:cNvPicPr>
-            <a:picLocks noChangeAspect="1"/>
-          </p:cNvPicPr>
-          <p:nvPr/>
-        </p:nvPicPr>
-        <p:blipFill rotWithShape="1">
-          <a:blip r:embed="rId2"/>
-          <a:srcRect l="98250" r="1"/>
-          <a:stretch/>
-        </p:blipFill>
-        <p:spPr>
-          <a:xfrm>
-            <a:off x="8823960" y="73462"/>
-            <a:ext cx="160020" cy="4778917"/>
-          </a:xfrm>
-          <a:prstGeom prst="rect">
-            <a:avLst/>
-          </a:prstGeom>
-        </p:spPr>
-      </p:pic>
-      <p:pic>
-        <p:nvPicPr>
-          <p:cNvPr id="8" name="Picture 7">
-            <a:extLst>
-              <a:ext uri="{FF2B5EF4-FFF2-40B4-BE49-F238E27FC236}">
-                <a16:creationId xmlns:a16="http://schemas.microsoft.com/office/drawing/2014/main" id="{5EABC2BC-0E9B-4C94-B1C8-E1C001A64CB6}"/>
-              </a:ext>
-            </a:extLst>
-          </p:cNvPr>
-          <p:cNvPicPr>
-            <a:picLocks noChangeAspect="1"/>
-          </p:cNvPicPr>
-          <p:nvPr/>
-        </p:nvPicPr>
-        <p:blipFill>
-          <a:blip r:embed="rId3"/>
-          <a:stretch>
-            <a:fillRect/>
-          </a:stretch>
-        </p:blipFill>
-        <p:spPr>
-          <a:xfrm>
-            <a:off x="4481679" y="97784"/>
-            <a:ext cx="972642" cy="884431"/>
-          </a:xfrm>
-          <a:prstGeom prst="rect">
-            <a:avLst/>
-          </a:prstGeom>
-        </p:spPr>
-      </p:pic>
     </p:spTree>
     <p:extLst>
       <p:ext uri="{BB962C8B-B14F-4D97-AF65-F5344CB8AC3E}">
-        <p14:creationId xmlns:p14="http://schemas.microsoft.com/office/powerpoint/2010/main" val="2012079827"/>
+        <p14:creationId xmlns:p14="http://schemas.microsoft.com/office/powerpoint/2010/main" val="2043353700"/>
       </p:ext>
     </p:extLst>
   </p:cSld>
@@ -7782,7 +7273,7 @@
           <p:cNvPr id="2" name="Title 1">
             <a:extLst>
               <a:ext uri="{FF2B5EF4-FFF2-40B4-BE49-F238E27FC236}">
-                <a16:creationId xmlns:a16="http://schemas.microsoft.com/office/drawing/2014/main" id="{237D6A48-50D0-437D-96FD-9C3F5FA514B8}"/>
+                <a16:creationId xmlns:a16="http://schemas.microsoft.com/office/drawing/2014/main" id="{34E73466-304E-497F-A03C-9A30FD919C17}"/>
               </a:ext>
             </a:extLst>
           </p:cNvPr>
@@ -7793,7 +7284,12 @@
             <p:ph type="title"/>
           </p:nvPr>
         </p:nvSpPr>
-        <p:spPr/>
+        <p:spPr>
+          <a:xfrm>
+            <a:off x="719999" y="282979"/>
+            <a:ext cx="6624000" cy="504000"/>
+          </a:xfrm>
+        </p:spPr>
         <p:txBody>
           <a:bodyPr/>
           <a:lstStyle/>
@@ -7804,7 +7300,7 @@
             </a:r>
             <a:r>
               <a:rPr lang="en-US" dirty="0"/>
-              <a:t> limitations</a:t>
+              <a:t> available extensions</a:t>
             </a:r>
           </a:p>
         </p:txBody>
@@ -7814,7 +7310,7 @@
           <p:cNvPr id="3" name="Content Placeholder 2">
             <a:extLst>
               <a:ext uri="{FF2B5EF4-FFF2-40B4-BE49-F238E27FC236}">
-                <a16:creationId xmlns:a16="http://schemas.microsoft.com/office/drawing/2014/main" id="{92BB2915-888D-460B-9CC5-F8B5342B15A4}"/>
+                <a16:creationId xmlns:a16="http://schemas.microsoft.com/office/drawing/2014/main" id="{3F6B7EC7-D3A2-45FA-B11B-C64DAD50AC5F}"/>
               </a:ext>
             </a:extLst>
           </p:cNvPr>
@@ -7827,104 +7323,215 @@
         </p:nvSpPr>
         <p:spPr>
           <a:xfrm>
-            <a:off x="720003" y="936000"/>
-            <a:ext cx="7799157" cy="3780000"/>
-          </a:xfrm>
-        </p:spPr>
-        <p:txBody>
-          <a:bodyPr/>
+            <a:off x="720003" y="996585"/>
+            <a:ext cx="8116759" cy="3750979"/>
+          </a:xfrm>
+        </p:spPr>
+        <p:txBody>
+          <a:bodyPr numCol="3"/>
           <a:lstStyle/>
           <a:p>
-            <a:endParaRPr lang="en-US" dirty="0"/>
-          </a:p>
-          <a:p>
-            <a:r>
-              <a:rPr lang="en-US" dirty="0"/>
-              <a:t>No full set of EE standards support</a:t>
+            <a:r>
+              <a:rPr lang="en-US" u="sng" dirty="0" err="1"/>
+              <a:t>Netty</a:t>
+            </a:r>
+            <a:r>
+              <a:rPr lang="en-US" u="sng" dirty="0"/>
+              <a:t>, Undertow</a:t>
             </a:r>
             <a:br>
               <a:rPr lang="en-US" dirty="0"/>
             </a:br>
             <a:r>
               <a:rPr lang="en-US" sz="1200" dirty="0"/>
-              <a:t>E.g. limited CDI, no EJBs</a:t>
-            </a:r>
+              <a:t>Servlet engines</a:t>
+            </a:r>
+          </a:p>
+          <a:p>
+            <a:endParaRPr lang="en-US" u="sng" dirty="0"/>
+          </a:p>
+          <a:p>
+            <a:r>
+              <a:rPr lang="en-US" u="sng" dirty="0" err="1"/>
+              <a:t>RESTEasy</a:t>
+            </a:r>
+            <a:br>
+              <a:rPr lang="en-US" dirty="0"/>
+            </a:br>
+            <a:r>
+              <a:rPr lang="en-US" sz="1200" dirty="0"/>
+              <a:t>REST services</a:t>
+            </a:r>
+          </a:p>
+          <a:p>
+            <a:endParaRPr lang="en-US" u="sng" dirty="0"/>
+          </a:p>
+          <a:p>
+            <a:r>
+              <a:rPr lang="en-US" u="sng" dirty="0" err="1"/>
+              <a:t>SmallRye</a:t>
+            </a:r>
+            <a:br>
+              <a:rPr lang="en-US" dirty="0"/>
+            </a:br>
+            <a:r>
+              <a:rPr lang="en-US" sz="1200" dirty="0"/>
+              <a:t>REST client</a:t>
+            </a:r>
+          </a:p>
+          <a:p>
             <a:endParaRPr lang="en-US" dirty="0"/>
           </a:p>
           <a:p>
-            <a:endParaRPr lang="en-GB" dirty="0"/>
-          </a:p>
-          <a:p>
-            <a:r>
-              <a:rPr lang="en-GB" dirty="0"/>
-              <a:t>Caching in very early stages</a:t>
+            <a:r>
+              <a:rPr lang="en-US" u="sng" dirty="0"/>
+              <a:t>Database</a:t>
             </a:r>
             <a:br>
-              <a:rPr lang="en-GB" dirty="0"/>
+              <a:rPr lang="en-US" dirty="0"/>
             </a:br>
             <a:r>
-              <a:rPr lang="en-GB" sz="1200" dirty="0"/>
-              <a:t>https://github.com/hibernate/quarkus-local-cache</a:t>
-            </a:r>
-            <a:endParaRPr lang="en-GB" dirty="0"/>
-          </a:p>
-          <a:p>
-            <a:endParaRPr lang="en-GB" dirty="0"/>
-          </a:p>
-          <a:p>
-            <a:r>
-              <a:rPr lang="en-GB" dirty="0"/>
-              <a:t>‘smells like Red Hat’</a:t>
+              <a:rPr lang="en-US" sz="1200" dirty="0"/>
+              <a:t>MariaDB, Postgres, Microsoft SQL server, H2, MongoDB, Neo4J, Flyway, </a:t>
+            </a:r>
+            <a:r>
+              <a:rPr lang="en-US" sz="1200" dirty="0" err="1"/>
+              <a:t>Infinispan</a:t>
             </a:r>
             <a:br>
-              <a:rPr lang="en-GB" dirty="0"/>
+              <a:rPr lang="en-US" sz="1200" dirty="0"/>
             </a:br>
             <a:r>
-              <a:rPr lang="en-GB" sz="1200" dirty="0"/>
-              <a:t>Fedora Docker files, OpenShift</a:t>
+              <a:rPr lang="en-US" sz="1200" b="1" dirty="0"/>
+              <a:t>No Oracle </a:t>
+            </a:r>
+            <a:r>
+              <a:rPr lang="en-US" sz="1200" dirty="0"/>
+              <a:t>(license/distribution issue?)</a:t>
+            </a:r>
+            <a:endParaRPr lang="en-US" dirty="0"/>
+          </a:p>
+          <a:p>
+            <a:r>
+              <a:rPr lang="en-US" u="sng" dirty="0"/>
+              <a:t>Messaging</a:t>
             </a:r>
             <a:br>
-              <a:rPr lang="en-GB" sz="1200" dirty="0"/>
+              <a:rPr lang="en-US" dirty="0"/>
             </a:br>
             <a:r>
-              <a:rPr lang="en-GB" sz="1200" dirty="0"/>
-              <a:t>JBoss/</a:t>
-            </a:r>
-            <a:r>
-              <a:rPr lang="en-GB" sz="1200" dirty="0" err="1"/>
-              <a:t>WildFly</a:t>
-            </a:r>
-            <a:r>
-              <a:rPr lang="en-GB" sz="1200" dirty="0"/>
-              <a:t> libraries: </a:t>
-            </a:r>
-            <a:r>
-              <a:rPr lang="en-GB" sz="1200" dirty="0" err="1"/>
-              <a:t>RESTEasy</a:t>
-            </a:r>
-            <a:r>
-              <a:rPr lang="en-GB" sz="1200" dirty="0"/>
+              <a:rPr lang="en-US" sz="1200" dirty="0"/>
+              <a:t>Kafka, MQTT, AMQP</a:t>
+            </a:r>
+            <a:br>
+              <a:rPr lang="en-US" sz="1200" dirty="0"/>
+            </a:br>
+            <a:r>
+              <a:rPr lang="en-US" sz="1200" b="1" dirty="0"/>
+              <a:t>No JMS</a:t>
+            </a:r>
+          </a:p>
+          <a:p>
+            <a:endParaRPr lang="en-US" u="sng" dirty="0"/>
+          </a:p>
+          <a:p>
+            <a:r>
+              <a:rPr lang="en-US" u="sng" dirty="0"/>
+              <a:t>Cloud</a:t>
+            </a:r>
+            <a:br>
+              <a:rPr lang="en-US" dirty="0"/>
+            </a:br>
+            <a:r>
+              <a:rPr lang="en-US" sz="1200" dirty="0"/>
+              <a:t>Kubernetes, K8s client</a:t>
+            </a:r>
+          </a:p>
+          <a:p>
+            <a:endParaRPr lang="en-US" u="sng" dirty="0"/>
+          </a:p>
+          <a:p>
+            <a:r>
+              <a:rPr lang="en-US" u="sng" dirty="0"/>
+              <a:t>Observability</a:t>
+            </a:r>
+            <a:br>
+              <a:rPr lang="en-US" dirty="0"/>
+            </a:br>
+            <a:r>
+              <a:rPr lang="en-US" sz="1200" dirty="0" err="1"/>
+              <a:t>OpenTracing</a:t>
+            </a:r>
+            <a:r>
+              <a:rPr lang="en-US" sz="1200" dirty="0"/>
               <a:t>, </a:t>
             </a:r>
             <a:r>
-              <a:rPr lang="en-GB" sz="1200" dirty="0" err="1"/>
-              <a:t>Infinispan</a:t>
-            </a:r>
-            <a:r>
-              <a:rPr lang="en-GB" sz="1200" dirty="0"/>
-              <a:t>, Elytron security</a:t>
-            </a:r>
-          </a:p>
-          <a:p>
-            <a:endParaRPr lang="en-GB" dirty="0"/>
-          </a:p>
-          <a:p>
-            <a:r>
-              <a:rPr lang="en-GB" dirty="0"/>
-              <a:t>No Oracle JDBC driver, no JMS support</a:t>
+              <a:rPr lang="en-US" sz="1200" dirty="0" err="1"/>
+              <a:t>MicroProfile</a:t>
+            </a:r>
+            <a:r>
+              <a:rPr lang="en-US" sz="1200" dirty="0"/>
+              <a:t> metrics</a:t>
+            </a:r>
+            <a:endParaRPr lang="en-US" dirty="0"/>
+          </a:p>
+          <a:p>
+            <a:endParaRPr lang="en-US" dirty="0"/>
+          </a:p>
+          <a:p>
+            <a:r>
+              <a:rPr lang="en-US" u="sng" dirty="0"/>
+              <a:t>Security</a:t>
             </a:r>
             <a:br>
-              <a:rPr lang="en-GB" dirty="0"/>
+              <a:rPr lang="en-US" dirty="0"/>
+            </a:br>
+            <a:r>
+              <a:rPr lang="en-US" sz="1200" dirty="0" err="1"/>
+              <a:t>Keycloak</a:t>
+            </a:r>
+            <a:r>
+              <a:rPr lang="en-US" sz="1200" dirty="0"/>
+              <a:t>, Elytron, </a:t>
+            </a:r>
+            <a:r>
+              <a:rPr lang="en-US" sz="1200" dirty="0" err="1"/>
+              <a:t>SmallRye</a:t>
+            </a:r>
+            <a:r>
+              <a:rPr lang="en-US" sz="1200" dirty="0"/>
+              <a:t> JWT</a:t>
+            </a:r>
+          </a:p>
+          <a:p>
+            <a:endParaRPr lang="en-US" dirty="0"/>
+          </a:p>
+          <a:p>
+            <a:endParaRPr lang="en-US" u="sng" dirty="0"/>
+          </a:p>
+          <a:p>
+            <a:r>
+              <a:rPr lang="en-US" u="sng" dirty="0" err="1"/>
+              <a:t>Miscelaneous</a:t>
+            </a:r>
+            <a:br>
+              <a:rPr lang="en-US" dirty="0"/>
+            </a:br>
+            <a:r>
+              <a:rPr lang="en-US" sz="1200" dirty="0"/>
+              <a:t>Scheduler, Mailer, Apache </a:t>
+            </a:r>
+            <a:r>
+              <a:rPr lang="en-US" sz="1200" dirty="0" err="1"/>
+              <a:t>Tika</a:t>
+            </a:r>
+            <a:r>
+              <a:rPr lang="en-US" sz="1200" dirty="0"/>
+              <a:t>, Kotlin</a:t>
+            </a:r>
+            <a:br>
+              <a:rPr lang="en-US" dirty="0"/>
             </a:br>
             <a:endParaRPr lang="en-US" dirty="0"/>
           </a:p>
@@ -7935,7 +7542,7 @@
           <p:cNvPr id="4" name="Footer Placeholder 3">
             <a:extLst>
               <a:ext uri="{FF2B5EF4-FFF2-40B4-BE49-F238E27FC236}">
-                <a16:creationId xmlns:a16="http://schemas.microsoft.com/office/drawing/2014/main" id="{B84E6452-0A38-4CEA-8B7E-F02E1F6D9975}"/>
+                <a16:creationId xmlns:a16="http://schemas.microsoft.com/office/drawing/2014/main" id="{839D7BF7-2386-486D-92F9-C0417B6B716D}"/>
               </a:ext>
             </a:extLst>
           </p:cNvPr>
@@ -7963,7 +7570,7 @@
           <p:cNvPr id="5" name="Slide Number Placeholder 4">
             <a:extLst>
               <a:ext uri="{FF2B5EF4-FFF2-40B4-BE49-F238E27FC236}">
-                <a16:creationId xmlns:a16="http://schemas.microsoft.com/office/drawing/2014/main" id="{B3D312AE-165A-4472-B93B-7EA46EF6CA3D}"/>
+                <a16:creationId xmlns:a16="http://schemas.microsoft.com/office/drawing/2014/main" id="{61E9E366-A812-44C4-BC32-6840AB216EAD}"/>
               </a:ext>
             </a:extLst>
           </p:cNvPr>
@@ -7987,10 +7594,40 @@
           </a:p>
         </p:txBody>
       </p:sp>
+      <p:pic>
+        <p:nvPicPr>
+          <p:cNvPr id="7" name="Picture 6">
+            <a:extLst>
+              <a:ext uri="{FF2B5EF4-FFF2-40B4-BE49-F238E27FC236}">
+                <a16:creationId xmlns:a16="http://schemas.microsoft.com/office/drawing/2014/main" id="{619B3E48-3FC5-4D7D-980A-74FEF4F5FD11}"/>
+              </a:ext>
+            </a:extLst>
+          </p:cNvPr>
+          <p:cNvPicPr>
+            <a:picLocks noChangeAspect="1"/>
+          </p:cNvPicPr>
+          <p:nvPr/>
+        </p:nvPicPr>
+        <p:blipFill>
+          <a:blip r:embed="rId2"/>
+          <a:stretch>
+            <a:fillRect/>
+          </a:stretch>
+        </p:blipFill>
+        <p:spPr>
+          <a:xfrm>
+            <a:off x="6144768" y="2114091"/>
+            <a:ext cx="2618842" cy="2355127"/>
+          </a:xfrm>
+          <a:prstGeom prst="rect">
+            <a:avLst/>
+          </a:prstGeom>
+        </p:spPr>
+      </p:pic>
     </p:spTree>
     <p:extLst>
       <p:ext uri="{BB962C8B-B14F-4D97-AF65-F5344CB8AC3E}">
-        <p14:creationId xmlns:p14="http://schemas.microsoft.com/office/powerpoint/2010/main" val="198335208"/>
+        <p14:creationId xmlns:p14="http://schemas.microsoft.com/office/powerpoint/2010/main" val="3203901358"/>
       </p:ext>
     </p:extLst>
   </p:cSld>
@@ -8017,258 +7654,2708 @@
           <a:chExt cx="0" cy="0"/>
         </a:xfrm>
       </p:grpSpPr>
+      <p:sp>
+        <p:nvSpPr>
+          <p:cNvPr id="2" name="Title 1">
+            <a:extLst>
+              <a:ext uri="{FF2B5EF4-FFF2-40B4-BE49-F238E27FC236}">
+                <a16:creationId xmlns:a16="http://schemas.microsoft.com/office/drawing/2014/main" id="{341B052B-AC79-4CFE-BE0A-E353BD075416}"/>
+              </a:ext>
+            </a:extLst>
+          </p:cNvPr>
+          <p:cNvSpPr>
+            <a:spLocks noGrp="1"/>
+          </p:cNvSpPr>
+          <p:nvPr>
+            <p:ph type="title"/>
+          </p:nvPr>
+        </p:nvSpPr>
+        <p:spPr/>
+        <p:txBody>
+          <a:bodyPr/>
+          <a:lstStyle/>
+          <a:p>
+            <a:r>
+              <a:rPr lang="en-US" dirty="0" err="1"/>
+              <a:t>Quarkus</a:t>
+            </a:r>
+            <a:r>
+              <a:rPr lang="en-US" dirty="0"/>
+              <a:t> configuration</a:t>
+            </a:r>
+            <a:br>
+              <a:rPr lang="en-US" dirty="0"/>
+            </a:br>
+            <a:endParaRPr lang="en-US" dirty="0"/>
+          </a:p>
+        </p:txBody>
+      </p:sp>
+      <p:sp>
+        <p:nvSpPr>
+          <p:cNvPr id="3" name="Content Placeholder 2">
+            <a:extLst>
+              <a:ext uri="{FF2B5EF4-FFF2-40B4-BE49-F238E27FC236}">
+                <a16:creationId xmlns:a16="http://schemas.microsoft.com/office/drawing/2014/main" id="{9BB34AF9-CCE7-4D98-8C19-A6A95C0AB068}"/>
+              </a:ext>
+            </a:extLst>
+          </p:cNvPr>
+          <p:cNvSpPr>
+            <a:spLocks noGrp="1"/>
+          </p:cNvSpPr>
+          <p:nvPr>
+            <p:ph idx="1"/>
+          </p:nvPr>
+        </p:nvSpPr>
+        <p:spPr/>
+        <p:txBody>
+          <a:bodyPr/>
+          <a:lstStyle/>
+          <a:p>
+            <a:r>
+              <a:rPr lang="en-US" dirty="0" err="1"/>
+              <a:t>mvnw</a:t>
+            </a:r>
+            <a:r>
+              <a:rPr lang="en-US" dirty="0"/>
+              <a:t> </a:t>
+            </a:r>
+            <a:r>
+              <a:rPr lang="en-US" dirty="0" err="1"/>
+              <a:t>quarkus:generate-config</a:t>
+            </a:r>
+            <a:br>
+              <a:rPr lang="en-US" dirty="0"/>
+            </a:br>
+            <a:r>
+              <a:rPr lang="en-GB" sz="1200" dirty="0"/>
+              <a:t>This will create a </a:t>
+            </a:r>
+            <a:r>
+              <a:rPr lang="en-GB" sz="1200" dirty="0" err="1"/>
+              <a:t>src</a:t>
+            </a:r>
+            <a:r>
+              <a:rPr lang="en-GB" sz="1200" dirty="0"/>
+              <a:t>/main/resources/</a:t>
+            </a:r>
+            <a:r>
+              <a:rPr lang="en-GB" sz="1200" dirty="0" err="1"/>
+              <a:t>application.properties.example</a:t>
+            </a:r>
+            <a:r>
+              <a:rPr lang="en-GB" sz="1200" dirty="0"/>
+              <a:t> file</a:t>
+            </a:r>
+            <a:br>
+              <a:rPr lang="en-GB" sz="1200" dirty="0"/>
+            </a:br>
+            <a:r>
+              <a:rPr lang="en-GB" sz="1200" dirty="0"/>
+              <a:t>contains all the config options exposed via the installed extensions</a:t>
+            </a:r>
+          </a:p>
+          <a:p>
+            <a:endParaRPr lang="en-GB" sz="1200" dirty="0"/>
+          </a:p>
+          <a:p>
+            <a:r>
+              <a:rPr lang="en-US" dirty="0"/>
+              <a:t>Accessing properties can be done like;</a:t>
+            </a:r>
+            <a:br>
+              <a:rPr lang="en-US" dirty="0"/>
+            </a:br>
+            <a:r>
+              <a:rPr lang="en-US" sz="1200" dirty="0"/>
+              <a:t>@</a:t>
+            </a:r>
+            <a:r>
+              <a:rPr lang="en-US" sz="1200" dirty="0" err="1"/>
+              <a:t>ConfigProperty</a:t>
+            </a:r>
+            <a:r>
+              <a:rPr lang="en-US" sz="1200" dirty="0"/>
+              <a:t>(name = "</a:t>
+            </a:r>
+            <a:r>
+              <a:rPr lang="en-US" sz="1200" dirty="0" err="1"/>
+              <a:t>greeting.message</a:t>
+            </a:r>
+            <a:r>
+              <a:rPr lang="en-US" sz="1200" dirty="0"/>
+              <a:t>")</a:t>
+            </a:r>
+            <a:br>
+              <a:rPr lang="en-US" sz="1200" dirty="0"/>
+            </a:br>
+            <a:r>
+              <a:rPr lang="en-US" sz="1200" dirty="0"/>
+              <a:t>String message;</a:t>
+            </a:r>
+          </a:p>
+          <a:p>
+            <a:endParaRPr lang="en-US" dirty="0"/>
+          </a:p>
+          <a:p>
+            <a:r>
+              <a:rPr lang="en-US" dirty="0"/>
+              <a:t>Support for profiles</a:t>
+            </a:r>
+            <a:br>
+              <a:rPr lang="en-US" dirty="0"/>
+            </a:br>
+            <a:r>
+              <a:rPr lang="en-US" sz="1200" dirty="0" err="1"/>
+              <a:t>quarkus.http.port</a:t>
+            </a:r>
+            <a:r>
+              <a:rPr lang="en-US" sz="1200" dirty="0"/>
+              <a:t>=9090</a:t>
+            </a:r>
+            <a:br>
+              <a:rPr lang="en-US" sz="1200" dirty="0"/>
+            </a:br>
+            <a:r>
+              <a:rPr lang="en-US" sz="1200" dirty="0"/>
+              <a:t>%</a:t>
+            </a:r>
+            <a:r>
+              <a:rPr lang="en-US" sz="1200" dirty="0" err="1"/>
+              <a:t>dev.quarkus.http.port</a:t>
+            </a:r>
+            <a:r>
+              <a:rPr lang="en-US" sz="1200" dirty="0"/>
+              <a:t>=8181</a:t>
+            </a:r>
+            <a:br>
+              <a:rPr lang="en-US" sz="1200" dirty="0"/>
+            </a:br>
+            <a:r>
+              <a:rPr lang="en-US" sz="1200" dirty="0"/>
+              <a:t>Uses 9090 unless the dev profile is chosen; </a:t>
+            </a:r>
+            <a:br>
+              <a:rPr lang="en-US" sz="1200" dirty="0"/>
+            </a:br>
+            <a:r>
+              <a:rPr lang="en-US" sz="1200" dirty="0"/>
+              <a:t>QUARKUS_PROFILE environment variable or -</a:t>
+            </a:r>
+            <a:r>
+              <a:rPr lang="en-US" sz="1200" dirty="0" err="1"/>
+              <a:t>Dquarkus.profile</a:t>
+            </a:r>
+            <a:r>
+              <a:rPr lang="en-US" sz="1200" dirty="0"/>
+              <a:t>=dev</a:t>
+            </a:r>
+            <a:endParaRPr lang="en-US" dirty="0"/>
+          </a:p>
+        </p:txBody>
+      </p:sp>
+      <p:sp>
+        <p:nvSpPr>
+          <p:cNvPr id="4" name="Footer Placeholder 3">
+            <a:extLst>
+              <a:ext uri="{FF2B5EF4-FFF2-40B4-BE49-F238E27FC236}">
+                <a16:creationId xmlns:a16="http://schemas.microsoft.com/office/drawing/2014/main" id="{23BD8BC0-6F28-4294-A3B0-3E6DA0517502}"/>
+              </a:ext>
+            </a:extLst>
+          </p:cNvPr>
+          <p:cNvSpPr>
+            <a:spLocks noGrp="1"/>
+          </p:cNvSpPr>
+          <p:nvPr>
+            <p:ph type="ftr" sz="quarter" idx="11"/>
+          </p:nvPr>
+        </p:nvSpPr>
+        <p:spPr/>
+        <p:txBody>
+          <a:bodyPr/>
+          <a:lstStyle/>
+          <a:p>
+            <a:r>
+              <a:rPr lang="nl-NL"/>
+              <a:t>Titel van de presentatie</a:t>
+            </a:r>
+          </a:p>
+        </p:txBody>
+      </p:sp>
+      <p:sp>
+        <p:nvSpPr>
+          <p:cNvPr id="5" name="Slide Number Placeholder 4">
+            <a:extLst>
+              <a:ext uri="{FF2B5EF4-FFF2-40B4-BE49-F238E27FC236}">
+                <a16:creationId xmlns:a16="http://schemas.microsoft.com/office/drawing/2014/main" id="{C5783C5F-758D-4AB7-A530-6EA2BC59B231}"/>
+              </a:ext>
+            </a:extLst>
+          </p:cNvPr>
+          <p:cNvSpPr>
+            <a:spLocks noGrp="1"/>
+          </p:cNvSpPr>
+          <p:nvPr>
+            <p:ph type="sldNum" sz="quarter" idx="12"/>
+          </p:nvPr>
+        </p:nvSpPr>
+        <p:spPr/>
+        <p:txBody>
+          <a:bodyPr/>
+          <a:lstStyle/>
+          <a:p>
+            <a:fld id="{14F1411D-0280-154F-AEAC-4C20B7AA46B2}" type="slidenum">
+              <a:rPr lang="nl-NL" smtClean="0"/>
+              <a:t>14</a:t>
+            </a:fld>
+            <a:endParaRPr lang="nl-NL"/>
+          </a:p>
+        </p:txBody>
+      </p:sp>
+    </p:spTree>
+    <p:extLst>
+      <p:ext uri="{BB962C8B-B14F-4D97-AF65-F5344CB8AC3E}">
+        <p14:creationId xmlns:p14="http://schemas.microsoft.com/office/powerpoint/2010/main" val="198598201"/>
+      </p:ext>
+    </p:extLst>
+  </p:cSld>
+  <p:clrMapOvr>
+    <a:masterClrMapping/>
+  </p:clrMapOvr>
+</p:sld>
+</file>
+
+<file path=ppt/slides/slide15.xml><?xml version="1.0" encoding="utf-8"?>
+<p:sld xmlns:a="http://schemas.openxmlformats.org/drawingml/2006/main" xmlns:r="http://schemas.openxmlformats.org/officeDocument/2006/relationships" xmlns:p="http://schemas.openxmlformats.org/presentationml/2006/main">
+  <p:cSld>
+    <p:spTree>
+      <p:nvGrpSpPr>
+        <p:cNvPr id="1" name=""/>
+        <p:cNvGrpSpPr/>
+        <p:nvPr/>
+      </p:nvGrpSpPr>
+      <p:grpSpPr>
+        <a:xfrm>
+          <a:off x="0" y="0"/>
+          <a:ext cx="0" cy="0"/>
+          <a:chOff x="0" y="0"/>
+          <a:chExt cx="0" cy="0"/>
+        </a:xfrm>
+      </p:grpSpPr>
+      <p:sp>
+        <p:nvSpPr>
+          <p:cNvPr id="2" name="Title 1">
+            <a:extLst>
+              <a:ext uri="{FF2B5EF4-FFF2-40B4-BE49-F238E27FC236}">
+                <a16:creationId xmlns:a16="http://schemas.microsoft.com/office/drawing/2014/main" id="{3BB65C32-A4AF-4689-A795-A6DC83A8FD85}"/>
+              </a:ext>
+            </a:extLst>
+          </p:cNvPr>
+          <p:cNvSpPr>
+            <a:spLocks noGrp="1"/>
+          </p:cNvSpPr>
+          <p:nvPr>
+            <p:ph type="title"/>
+          </p:nvPr>
+        </p:nvSpPr>
+        <p:spPr/>
+        <p:txBody>
+          <a:bodyPr/>
+          <a:lstStyle/>
+          <a:p>
+            <a:r>
+              <a:rPr lang="en-US" dirty="0" err="1"/>
+              <a:t>Quarkus</a:t>
+            </a:r>
+            <a:r>
+              <a:rPr lang="en-US" dirty="0"/>
+              <a:t> native build options</a:t>
+            </a:r>
+          </a:p>
+        </p:txBody>
+      </p:sp>
+      <p:sp>
+        <p:nvSpPr>
+          <p:cNvPr id="3" name="Content Placeholder 2">
+            <a:extLst>
+              <a:ext uri="{FF2B5EF4-FFF2-40B4-BE49-F238E27FC236}">
+                <a16:creationId xmlns:a16="http://schemas.microsoft.com/office/drawing/2014/main" id="{B900C9A7-7757-4960-84D9-05C416F03E14}"/>
+              </a:ext>
+            </a:extLst>
+          </p:cNvPr>
+          <p:cNvSpPr>
+            <a:spLocks noGrp="1"/>
+          </p:cNvSpPr>
+          <p:nvPr>
+            <p:ph idx="1"/>
+          </p:nvPr>
+        </p:nvSpPr>
+        <p:spPr/>
+        <p:txBody>
+          <a:bodyPr/>
+          <a:lstStyle/>
+          <a:p>
+            <a:endParaRPr lang="en-US" dirty="0"/>
+          </a:p>
+          <a:p>
+            <a:r>
+              <a:rPr lang="en-US" dirty="0"/>
+              <a:t>Out of the box </a:t>
+            </a:r>
+            <a:r>
+              <a:rPr lang="en-US" dirty="0" err="1"/>
+              <a:t>Dockerfile.jvm</a:t>
+            </a:r>
+            <a:r>
+              <a:rPr lang="en-US" dirty="0"/>
+              <a:t> and </a:t>
+            </a:r>
+            <a:r>
+              <a:rPr lang="en-US" dirty="0" err="1"/>
+              <a:t>Dockerfile.native</a:t>
+            </a:r>
+            <a:endParaRPr lang="en-US" dirty="0"/>
+          </a:p>
+          <a:p>
+            <a:endParaRPr lang="en-US" dirty="0"/>
+          </a:p>
+          <a:p>
+            <a:endParaRPr lang="en-US" dirty="0"/>
+          </a:p>
+          <a:p>
+            <a:endParaRPr lang="en-US" dirty="0"/>
+          </a:p>
+          <a:p>
+            <a:r>
+              <a:rPr lang="en-US" dirty="0"/>
+              <a:t>Build a native executable with: </a:t>
+            </a:r>
+            <a:r>
+              <a:rPr lang="en-US" dirty="0" err="1"/>
+              <a:t>mvn</a:t>
+            </a:r>
+            <a:r>
+              <a:rPr lang="en-US" dirty="0"/>
+              <a:t> compile –</a:t>
+            </a:r>
+            <a:r>
+              <a:rPr lang="en-US" dirty="0" err="1"/>
+              <a:t>Pnative</a:t>
+            </a:r>
+            <a:endParaRPr lang="en-US" dirty="0"/>
+          </a:p>
+          <a:p>
+            <a:endParaRPr lang="en-US" dirty="0"/>
+          </a:p>
+          <a:p>
+            <a:endParaRPr lang="en-US" dirty="0"/>
+          </a:p>
+          <a:p>
+            <a:endParaRPr lang="en-US" dirty="0"/>
+          </a:p>
+          <a:p>
+            <a:r>
+              <a:rPr lang="en-US" dirty="0"/>
+              <a:t>No local </a:t>
+            </a:r>
+            <a:r>
+              <a:rPr lang="en-US" dirty="0" err="1"/>
+              <a:t>GraalVM</a:t>
+            </a:r>
+            <a:r>
+              <a:rPr lang="en-US" dirty="0"/>
+              <a:t> available?</a:t>
+            </a:r>
+            <a:br>
+              <a:rPr lang="en-US" dirty="0"/>
+            </a:br>
+            <a:r>
+              <a:rPr lang="en-US" dirty="0"/>
+              <a:t>Use a provided build container</a:t>
+            </a:r>
+          </a:p>
+        </p:txBody>
+      </p:sp>
+      <p:sp>
+        <p:nvSpPr>
+          <p:cNvPr id="4" name="Footer Placeholder 3">
+            <a:extLst>
+              <a:ext uri="{FF2B5EF4-FFF2-40B4-BE49-F238E27FC236}">
+                <a16:creationId xmlns:a16="http://schemas.microsoft.com/office/drawing/2014/main" id="{5DD700D6-8E53-4DFD-AE2D-072D71C9E64D}"/>
+              </a:ext>
+            </a:extLst>
+          </p:cNvPr>
+          <p:cNvSpPr>
+            <a:spLocks noGrp="1"/>
+          </p:cNvSpPr>
+          <p:nvPr>
+            <p:ph type="ftr" sz="quarter" idx="11"/>
+          </p:nvPr>
+        </p:nvSpPr>
+        <p:spPr/>
+        <p:txBody>
+          <a:bodyPr/>
+          <a:lstStyle/>
+          <a:p>
+            <a:r>
+              <a:rPr lang="nl-NL"/>
+              <a:t>Titel van de presentatie</a:t>
+            </a:r>
+          </a:p>
+        </p:txBody>
+      </p:sp>
+      <p:sp>
+        <p:nvSpPr>
+          <p:cNvPr id="5" name="Slide Number Placeholder 4">
+            <a:extLst>
+              <a:ext uri="{FF2B5EF4-FFF2-40B4-BE49-F238E27FC236}">
+                <a16:creationId xmlns:a16="http://schemas.microsoft.com/office/drawing/2014/main" id="{7C83FC46-759D-452C-AE70-8FFF34B33EE5}"/>
+              </a:ext>
+            </a:extLst>
+          </p:cNvPr>
+          <p:cNvSpPr>
+            <a:spLocks noGrp="1"/>
+          </p:cNvSpPr>
+          <p:nvPr>
+            <p:ph type="sldNum" sz="quarter" idx="12"/>
+          </p:nvPr>
+        </p:nvSpPr>
+        <p:spPr/>
+        <p:txBody>
+          <a:bodyPr/>
+          <a:lstStyle/>
+          <a:p>
+            <a:fld id="{14F1411D-0280-154F-AEAC-4C20B7AA46B2}" type="slidenum">
+              <a:rPr lang="nl-NL" smtClean="0"/>
+              <a:t>15</a:t>
+            </a:fld>
+            <a:endParaRPr lang="nl-NL"/>
+          </a:p>
+        </p:txBody>
+      </p:sp>
       <p:pic>
         <p:nvPicPr>
-          <p:cNvPr id="2" name="Picture Placeholder 6">
+          <p:cNvPr id="6" name="Picture 5">
             <a:extLst>
               <a:ext uri="{FF2B5EF4-FFF2-40B4-BE49-F238E27FC236}">
-                <a16:creationId xmlns:a16="http://schemas.microsoft.com/office/drawing/2014/main" id="{523AF2E7-F04C-4FDF-BC0D-08056D3DC6FC}"/>
+                <a16:creationId xmlns:a16="http://schemas.microsoft.com/office/drawing/2014/main" id="{94697E2F-CB89-4052-8847-D97527DA601B}"/>
               </a:ext>
             </a:extLst>
           </p:cNvPr>
-          <p:cNvPicPr/>
+          <p:cNvPicPr>
+            <a:picLocks noChangeAspect="1"/>
+          </p:cNvPicPr>
           <p:nvPr/>
         </p:nvPicPr>
         <p:blipFill>
           <a:blip r:embed="rId2"/>
-          <a:stretch/>
+          <a:stretch>
+            <a:fillRect/>
+          </a:stretch>
         </p:blipFill>
         <p:spPr>
           <a:xfrm>
-            <a:off x="6850930" y="816068"/>
-            <a:ext cx="2293070" cy="3499760"/>
+            <a:off x="7524750" y="47921"/>
+            <a:ext cx="1157540" cy="1103840"/>
           </a:xfrm>
           <a:prstGeom prst="rect">
             <a:avLst/>
           </a:prstGeom>
-          <a:ln w="9360">
-            <a:solidFill>
-              <a:schemeClr val="bg1"/>
-            </a:solidFill>
-            <a:round/>
-          </a:ln>
         </p:spPr>
       </p:pic>
-      <p:sp>
-        <p:nvSpPr>
-          <p:cNvPr id="3" name="CustomShape 2">
+      <p:pic>
+        <p:nvPicPr>
+          <p:cNvPr id="7" name="Picture 2" descr="Image result for docker">
             <a:extLst>
               <a:ext uri="{FF2B5EF4-FFF2-40B4-BE49-F238E27FC236}">
-                <a16:creationId xmlns:a16="http://schemas.microsoft.com/office/drawing/2014/main" id="{FDFAB5C5-6731-42FB-BCB9-350B21D4E848}"/>
+                <a16:creationId xmlns:a16="http://schemas.microsoft.com/office/drawing/2014/main" id="{8D09742B-CADF-4019-9975-DEBFCC1EF86D}"/>
               </a:ext>
             </a:extLst>
           </p:cNvPr>
-          <p:cNvSpPr/>
+          <p:cNvPicPr>
+            <a:picLocks noChangeAspect="1" noChangeArrowheads="1"/>
+          </p:cNvPicPr>
           <p:nvPr/>
-        </p:nvSpPr>
-        <p:spPr>
-          <a:xfrm>
-            <a:off x="2478389" y="2352335"/>
-            <a:ext cx="2734290" cy="438830"/>
+        </p:nvPicPr>
+        <p:blipFill>
+          <a:blip r:embed="rId3">
+            <a:clrChange>
+              <a:clrFrom>
+                <a:srgbClr val="FFFFFF"/>
+              </a:clrFrom>
+              <a:clrTo>
+                <a:srgbClr val="FFFFFF">
+                  <a:alpha val="0"/>
+                </a:srgbClr>
+              </a:clrTo>
+            </a:clrChange>
+            <a:extLst>
+              <a:ext uri="{28A0092B-C50C-407E-A947-70E740481C1C}">
+                <a14:useLocalDpi xmlns:a14="http://schemas.microsoft.com/office/drawing/2010/main" val="0"/>
+              </a:ext>
+            </a:extLst>
+          </a:blip>
+          <a:srcRect/>
+          <a:stretch>
+            <a:fillRect/>
+          </a:stretch>
+        </p:blipFill>
+        <p:spPr bwMode="auto">
+          <a:xfrm>
+            <a:off x="5838482" y="850900"/>
+            <a:ext cx="1839790" cy="1030282"/>
           </a:xfrm>
           <a:prstGeom prst="rect">
             <a:avLst/>
           </a:prstGeom>
           <a:noFill/>
-          <a:ln>
-            <a:noFill/>
-          </a:ln>
-        </p:spPr>
-        <p:style>
-          <a:lnRef idx="0">
-            <a:scrgbClr r="0" g="0" b="0"/>
-          </a:lnRef>
-          <a:fillRef idx="0">
-            <a:scrgbClr r="0" g="0" b="0"/>
-          </a:fillRef>
-          <a:effectRef idx="0">
-            <a:scrgbClr r="0" g="0" b="0"/>
-          </a:effectRef>
-          <a:fontRef idx="minor"/>
-        </p:style>
-        <p:txBody>
-          <a:bodyPr lIns="0" tIns="0" rIns="0" bIns="0"/>
-          <a:lstStyle/>
-          <a:p>
-            <a:pPr>
-              <a:lnSpc>
-                <a:spcPct val="120000"/>
-              </a:lnSpc>
-            </a:pPr>
-            <a:r>
-              <a:rPr lang="en-US" sz="2400" spc="-1" dirty="0">
+          <a:extLst>
+            <a:ext uri="{909E8E84-426E-40DD-AFC4-6F175D3DCCD1}">
+              <a14:hiddenFill xmlns:a14="http://schemas.microsoft.com/office/drawing/2010/main">
                 <a:solidFill>
                   <a:srgbClr val="FFFFFF"/>
                 </a:solidFill>
-                <a:latin typeface="Arial"/>
-                <a:ea typeface="DejaVu Sans"/>
-              </a:rPr>
-              <a:t>Hands-on</a:t>
-            </a:r>
-            <a:endParaRPr lang="en-US" sz="2400" spc="-1" dirty="0">
-              <a:latin typeface="Arial"/>
-            </a:endParaRPr>
-          </a:p>
-        </p:txBody>
-      </p:sp>
-      <p:sp>
-        <p:nvSpPr>
-          <p:cNvPr id="4" name="CustomShape 2">
+              </a14:hiddenFill>
+            </a:ext>
+          </a:extLst>
+        </p:spPr>
+      </p:pic>
+      <p:pic>
+        <p:nvPicPr>
+          <p:cNvPr id="9" name="Picture 2" descr="Image result for graalvm">
             <a:extLst>
               <a:ext uri="{FF2B5EF4-FFF2-40B4-BE49-F238E27FC236}">
-                <a16:creationId xmlns:a16="http://schemas.microsoft.com/office/drawing/2014/main" id="{18D08DDF-914D-407C-A188-1C78A87DC0B1}"/>
+                <a16:creationId xmlns:a16="http://schemas.microsoft.com/office/drawing/2014/main" id="{F8EB9C04-D1C4-4086-B72D-265F75B3FCC0}"/>
               </a:ext>
             </a:extLst>
           </p:cNvPr>
-          <p:cNvSpPr/>
+          <p:cNvPicPr>
+            <a:picLocks noChangeAspect="1" noChangeArrowheads="1"/>
+          </p:cNvPicPr>
           <p:nvPr/>
-        </p:nvSpPr>
-        <p:spPr>
-          <a:xfrm>
-            <a:off x="4968000" y="5004000"/>
-            <a:ext cx="3227760" cy="95760"/>
+        </p:nvPicPr>
+        <p:blipFill>
+          <a:blip r:embed="rId4">
+            <a:extLst>
+              <a:ext uri="{28A0092B-C50C-407E-A947-70E740481C1C}">
+                <a14:useLocalDpi xmlns:a14="http://schemas.microsoft.com/office/drawing/2010/main" val="0"/>
+              </a:ext>
+            </a:extLst>
+          </a:blip>
+          <a:srcRect/>
+          <a:stretch>
+            <a:fillRect/>
+          </a:stretch>
+        </p:blipFill>
+        <p:spPr bwMode="auto">
+          <a:xfrm>
+            <a:off x="7144246" y="2025182"/>
+            <a:ext cx="1918548" cy="861150"/>
           </a:xfrm>
           <a:prstGeom prst="rect">
             <a:avLst/>
           </a:prstGeom>
           <a:noFill/>
-          <a:ln>
-            <a:noFill/>
-          </a:ln>
-        </p:spPr>
-        <p:style>
-          <a:lnRef idx="0">
-            <a:scrgbClr r="0" g="0" b="0"/>
-          </a:lnRef>
-          <a:fillRef idx="0">
-            <a:scrgbClr r="0" g="0" b="0"/>
-          </a:fillRef>
-          <a:effectRef idx="0">
-            <a:scrgbClr r="0" g="0" b="0"/>
-          </a:effectRef>
-          <a:fontRef idx="minor"/>
-        </p:style>
-        <p:txBody>
-          <a:bodyPr lIns="0" tIns="0" rIns="0" bIns="0"/>
-          <a:lstStyle/>
-          <a:p>
-            <a:pPr algn="r"/>
-            <a:r>
-              <a:rPr lang="en-US" sz="600" spc="-1" dirty="0">
+          <a:extLst>
+            <a:ext uri="{909E8E84-426E-40DD-AFC4-6F175D3DCCD1}">
+              <a14:hiddenFill xmlns:a14="http://schemas.microsoft.com/office/drawing/2010/main">
                 <a:solidFill>
                   <a:srgbClr val="FFFFFF"/>
                 </a:solidFill>
-                <a:ea typeface="DejaVu Sans"/>
-              </a:rPr>
-              <a:t>Microservices with </a:t>
-            </a:r>
-            <a:r>
-              <a:rPr lang="en-US" sz="600" spc="-1" dirty="0" err="1">
-                <a:solidFill>
-                  <a:srgbClr val="FFFFFF"/>
-                </a:solidFill>
-                <a:ea typeface="DejaVu Sans"/>
-              </a:rPr>
-              <a:t>GraalVM</a:t>
-            </a:r>
-            <a:r>
-              <a:rPr lang="en-US" sz="600" spc="-1" dirty="0">
-                <a:solidFill>
-                  <a:srgbClr val="FFFFFF"/>
-                </a:solidFill>
-                <a:ea typeface="DejaVu Sans"/>
-              </a:rPr>
-              <a:t> &amp; </a:t>
-            </a:r>
-            <a:r>
-              <a:rPr lang="en-US" sz="600" spc="-1" dirty="0" err="1">
-                <a:solidFill>
-                  <a:srgbClr val="FFFFFF"/>
-                </a:solidFill>
-                <a:ea typeface="DejaVu Sans"/>
-              </a:rPr>
-              <a:t>Quarkus</a:t>
-            </a:r>
-            <a:endParaRPr lang="en-US" sz="600" spc="-1" dirty="0"/>
-          </a:p>
-          <a:p>
-            <a:pPr algn="r">
-              <a:lnSpc>
-                <a:spcPct val="100000"/>
-              </a:lnSpc>
-            </a:pPr>
-            <a:endParaRPr lang="en-US" sz="600" spc="-1" dirty="0">
-              <a:latin typeface="Arial"/>
-            </a:endParaRPr>
-          </a:p>
-        </p:txBody>
-      </p:sp>
-      <p:sp>
-        <p:nvSpPr>
-          <p:cNvPr id="5" name="CustomShape 3">
+              </a14:hiddenFill>
+            </a:ext>
+          </a:extLst>
+        </p:spPr>
+      </p:pic>
+      <p:pic>
+        <p:nvPicPr>
+          <p:cNvPr id="1028" name="Picture 4" descr="Image result for docker build  multistage">
             <a:extLst>
               <a:ext uri="{FF2B5EF4-FFF2-40B4-BE49-F238E27FC236}">
-                <a16:creationId xmlns:a16="http://schemas.microsoft.com/office/drawing/2014/main" id="{34694A8F-3DF8-4121-8C33-527DBF03A5EA}"/>
+                <a16:creationId xmlns:a16="http://schemas.microsoft.com/office/drawing/2014/main" id="{0295753F-341E-424F-B9A6-819F0C22A981}"/>
               </a:ext>
             </a:extLst>
           </p:cNvPr>
-          <p:cNvSpPr/>
+          <p:cNvPicPr>
+            <a:picLocks noChangeAspect="1" noChangeArrowheads="1"/>
+          </p:cNvPicPr>
           <p:nvPr/>
-        </p:nvSpPr>
-        <p:spPr>
-          <a:xfrm>
-            <a:off x="8280000" y="5004000"/>
-            <a:ext cx="131760" cy="95760"/>
+        </p:nvPicPr>
+        <p:blipFill>
+          <a:blip r:embed="rId5">
+            <a:extLst>
+              <a:ext uri="{28A0092B-C50C-407E-A947-70E740481C1C}">
+                <a14:useLocalDpi xmlns:a14="http://schemas.microsoft.com/office/drawing/2010/main" val="0"/>
+              </a:ext>
+            </a:extLst>
+          </a:blip>
+          <a:srcRect/>
+          <a:stretch>
+            <a:fillRect/>
+          </a:stretch>
+        </p:blipFill>
+        <p:spPr bwMode="auto">
+          <a:xfrm>
+            <a:off x="5164859" y="3066332"/>
+            <a:ext cx="2928481" cy="1194468"/>
           </a:xfrm>
           <a:prstGeom prst="rect">
             <a:avLst/>
           </a:prstGeom>
           <a:noFill/>
+          <a:extLst>
+            <a:ext uri="{909E8E84-426E-40DD-AFC4-6F175D3DCCD1}">
+              <a14:hiddenFill xmlns:a14="http://schemas.microsoft.com/office/drawing/2010/main">
+                <a:solidFill>
+                  <a:srgbClr val="FFFFFF"/>
+                </a:solidFill>
+              </a14:hiddenFill>
+            </a:ext>
+          </a:extLst>
+        </p:spPr>
+      </p:pic>
+    </p:spTree>
+    <p:extLst>
+      <p:ext uri="{BB962C8B-B14F-4D97-AF65-F5344CB8AC3E}">
+        <p14:creationId xmlns:p14="http://schemas.microsoft.com/office/powerpoint/2010/main" val="3958051241"/>
+      </p:ext>
+    </p:extLst>
+  </p:cSld>
+  <p:clrMapOvr>
+    <a:masterClrMapping/>
+  </p:clrMapOvr>
+  <p:timing>
+    <p:tnLst>
+      <p:par>
+        <p:cTn id="1" dur="indefinite" restart="never" nodeType="tmRoot">
+          <p:childTnLst>
+            <p:seq concurrent="1" nextAc="seek">
+              <p:cTn id="2" dur="indefinite" nodeType="mainSeq">
+                <p:childTnLst>
+                  <p:par>
+                    <p:cTn id="3" fill="hold">
+                      <p:stCondLst>
+                        <p:cond delay="indefinite"/>
+                      </p:stCondLst>
+                      <p:childTnLst>
+                        <p:par>
+                          <p:cTn id="4" fill="hold">
+                            <p:stCondLst>
+                              <p:cond delay="0"/>
+                            </p:stCondLst>
+                            <p:childTnLst>
+                              <p:par>
+                                <p:cTn id="5" presetID="1" presetClass="entr" presetSubtype="0" fill="hold" grpId="0" nodeType="clickEffect">
+                                  <p:stCondLst>
+                                    <p:cond delay="0"/>
+                                  </p:stCondLst>
+                                  <p:childTnLst>
+                                    <p:set>
+                                      <p:cBhvr>
+                                        <p:cTn id="6" dur="1" fill="hold">
+                                          <p:stCondLst>
+                                            <p:cond delay="0"/>
+                                          </p:stCondLst>
+                                        </p:cTn>
+                                        <p:tgtEl>
+                                          <p:spTgt spid="3">
+                                            <p:txEl>
+                                              <p:pRg st="1" end="1"/>
+                                            </p:txEl>
+                                          </p:spTgt>
+                                        </p:tgtEl>
+                                        <p:attrNameLst>
+                                          <p:attrName>style.visibility</p:attrName>
+                                        </p:attrNameLst>
+                                      </p:cBhvr>
+                                      <p:to>
+                                        <p:strVal val="visible"/>
+                                      </p:to>
+                                    </p:set>
+                                  </p:childTnLst>
+                                </p:cTn>
+                              </p:par>
+                              <p:par>
+                                <p:cTn id="7" presetID="1" presetClass="entr" presetSubtype="0" fill="hold" nodeType="withEffect">
+                                  <p:stCondLst>
+                                    <p:cond delay="0"/>
+                                  </p:stCondLst>
+                                  <p:childTnLst>
+                                    <p:set>
+                                      <p:cBhvr>
+                                        <p:cTn id="8" dur="1" fill="hold">
+                                          <p:stCondLst>
+                                            <p:cond delay="0"/>
+                                          </p:stCondLst>
+                                        </p:cTn>
+                                        <p:tgtEl>
+                                          <p:spTgt spid="7"/>
+                                        </p:tgtEl>
+                                        <p:attrNameLst>
+                                          <p:attrName>style.visibility</p:attrName>
+                                        </p:attrNameLst>
+                                      </p:cBhvr>
+                                      <p:to>
+                                        <p:strVal val="visible"/>
+                                      </p:to>
+                                    </p:set>
+                                  </p:childTnLst>
+                                </p:cTn>
+                              </p:par>
+                            </p:childTnLst>
+                          </p:cTn>
+                        </p:par>
+                      </p:childTnLst>
+                    </p:cTn>
+                  </p:par>
+                  <p:par>
+                    <p:cTn id="9" fill="hold">
+                      <p:stCondLst>
+                        <p:cond delay="indefinite"/>
+                      </p:stCondLst>
+                      <p:childTnLst>
+                        <p:par>
+                          <p:cTn id="10" fill="hold">
+                            <p:stCondLst>
+                              <p:cond delay="0"/>
+                            </p:stCondLst>
+                            <p:childTnLst>
+                              <p:par>
+                                <p:cTn id="11" presetID="1" presetClass="entr" presetSubtype="0" fill="hold" grpId="0" nodeType="clickEffect">
+                                  <p:stCondLst>
+                                    <p:cond delay="0"/>
+                                  </p:stCondLst>
+                                  <p:childTnLst>
+                                    <p:set>
+                                      <p:cBhvr>
+                                        <p:cTn id="12" dur="1" fill="hold">
+                                          <p:stCondLst>
+                                            <p:cond delay="0"/>
+                                          </p:stCondLst>
+                                        </p:cTn>
+                                        <p:tgtEl>
+                                          <p:spTgt spid="3">
+                                            <p:txEl>
+                                              <p:pRg st="5" end="5"/>
+                                            </p:txEl>
+                                          </p:spTgt>
+                                        </p:tgtEl>
+                                        <p:attrNameLst>
+                                          <p:attrName>style.visibility</p:attrName>
+                                        </p:attrNameLst>
+                                      </p:cBhvr>
+                                      <p:to>
+                                        <p:strVal val="visible"/>
+                                      </p:to>
+                                    </p:set>
+                                  </p:childTnLst>
+                                </p:cTn>
+                              </p:par>
+                              <p:par>
+                                <p:cTn id="13" presetID="1" presetClass="entr" presetSubtype="0" fill="hold" nodeType="withEffect">
+                                  <p:stCondLst>
+                                    <p:cond delay="0"/>
+                                  </p:stCondLst>
+                                  <p:childTnLst>
+                                    <p:set>
+                                      <p:cBhvr>
+                                        <p:cTn id="14" dur="1" fill="hold">
+                                          <p:stCondLst>
+                                            <p:cond delay="0"/>
+                                          </p:stCondLst>
+                                        </p:cTn>
+                                        <p:tgtEl>
+                                          <p:spTgt spid="9"/>
+                                        </p:tgtEl>
+                                        <p:attrNameLst>
+                                          <p:attrName>style.visibility</p:attrName>
+                                        </p:attrNameLst>
+                                      </p:cBhvr>
+                                      <p:to>
+                                        <p:strVal val="visible"/>
+                                      </p:to>
+                                    </p:set>
+                                  </p:childTnLst>
+                                </p:cTn>
+                              </p:par>
+                            </p:childTnLst>
+                          </p:cTn>
+                        </p:par>
+                      </p:childTnLst>
+                    </p:cTn>
+                  </p:par>
+                  <p:par>
+                    <p:cTn id="15" fill="hold">
+                      <p:stCondLst>
+                        <p:cond delay="indefinite"/>
+                      </p:stCondLst>
+                      <p:childTnLst>
+                        <p:par>
+                          <p:cTn id="16" fill="hold">
+                            <p:stCondLst>
+                              <p:cond delay="0"/>
+                            </p:stCondLst>
+                            <p:childTnLst>
+                              <p:par>
+                                <p:cTn id="17" presetID="1" presetClass="entr" presetSubtype="0" fill="hold" grpId="0" nodeType="clickEffect">
+                                  <p:stCondLst>
+                                    <p:cond delay="0"/>
+                                  </p:stCondLst>
+                                  <p:childTnLst>
+                                    <p:set>
+                                      <p:cBhvr>
+                                        <p:cTn id="18" dur="1" fill="hold">
+                                          <p:stCondLst>
+                                            <p:cond delay="0"/>
+                                          </p:stCondLst>
+                                        </p:cTn>
+                                        <p:tgtEl>
+                                          <p:spTgt spid="3">
+                                            <p:txEl>
+                                              <p:pRg st="9" end="9"/>
+                                            </p:txEl>
+                                          </p:spTgt>
+                                        </p:tgtEl>
+                                        <p:attrNameLst>
+                                          <p:attrName>style.visibility</p:attrName>
+                                        </p:attrNameLst>
+                                      </p:cBhvr>
+                                      <p:to>
+                                        <p:strVal val="visible"/>
+                                      </p:to>
+                                    </p:set>
+                                  </p:childTnLst>
+                                </p:cTn>
+                              </p:par>
+                              <p:par>
+                                <p:cTn id="19" presetID="1" presetClass="entr" presetSubtype="0" fill="hold" nodeType="withEffect">
+                                  <p:stCondLst>
+                                    <p:cond delay="0"/>
+                                  </p:stCondLst>
+                                  <p:childTnLst>
+                                    <p:set>
+                                      <p:cBhvr>
+                                        <p:cTn id="20" dur="1" fill="hold">
+                                          <p:stCondLst>
+                                            <p:cond delay="0"/>
+                                          </p:stCondLst>
+                                        </p:cTn>
+                                        <p:tgtEl>
+                                          <p:spTgt spid="1028"/>
+                                        </p:tgtEl>
+                                        <p:attrNameLst>
+                                          <p:attrName>style.visibility</p:attrName>
+                                        </p:attrNameLst>
+                                      </p:cBhvr>
+                                      <p:to>
+                                        <p:strVal val="visible"/>
+                                      </p:to>
+                                    </p:set>
+                                  </p:childTnLst>
+                                </p:cTn>
+                              </p:par>
+                            </p:childTnLst>
+                          </p:cTn>
+                        </p:par>
+                      </p:childTnLst>
+                    </p:cTn>
+                  </p:par>
+                </p:childTnLst>
+              </p:cTn>
+              <p:prevCondLst>
+                <p:cond evt="onPrev" delay="0">
+                  <p:tgtEl>
+                    <p:sldTgt/>
+                  </p:tgtEl>
+                </p:cond>
+              </p:prevCondLst>
+              <p:nextCondLst>
+                <p:cond evt="onNext" delay="0">
+                  <p:tgtEl>
+                    <p:sldTgt/>
+                  </p:tgtEl>
+                </p:cond>
+              </p:nextCondLst>
+            </p:seq>
+          </p:childTnLst>
+        </p:cTn>
+      </p:par>
+    </p:tnLst>
+    <p:bldLst>
+      <p:bldP spid="3" grpId="0" uiExpand="1" build="p"/>
+    </p:bldLst>
+  </p:timing>
+</p:sld>
+</file>
+
+<file path=ppt/slides/slide16.xml><?xml version="1.0" encoding="utf-8"?>
+<p:sld xmlns:a="http://schemas.openxmlformats.org/drawingml/2006/main" xmlns:r="http://schemas.openxmlformats.org/officeDocument/2006/relationships" xmlns:p="http://schemas.openxmlformats.org/presentationml/2006/main">
+  <p:cSld>
+    <p:spTree>
+      <p:nvGrpSpPr>
+        <p:cNvPr id="1" name=""/>
+        <p:cNvGrpSpPr/>
+        <p:nvPr/>
+      </p:nvGrpSpPr>
+      <p:grpSpPr>
+        <a:xfrm>
+          <a:off x="0" y="0"/>
+          <a:ext cx="0" cy="0"/>
+          <a:chOff x="0" y="0"/>
+          <a:chExt cx="0" cy="0"/>
+        </a:xfrm>
+      </p:grpSpPr>
+      <p:sp>
+        <p:nvSpPr>
+          <p:cNvPr id="2" name="Title 1">
+            <a:extLst>
+              <a:ext uri="{FF2B5EF4-FFF2-40B4-BE49-F238E27FC236}">
+                <a16:creationId xmlns:a16="http://schemas.microsoft.com/office/drawing/2014/main" id="{40F2AE42-80FD-423E-8180-56B0AF3F23D6}"/>
+              </a:ext>
+            </a:extLst>
+          </p:cNvPr>
+          <p:cNvSpPr>
+            <a:spLocks noGrp="1"/>
+          </p:cNvSpPr>
+          <p:nvPr>
+            <p:ph type="title"/>
+          </p:nvPr>
+        </p:nvSpPr>
+        <p:spPr/>
+        <p:txBody>
+          <a:bodyPr/>
+          <a:lstStyle/>
+          <a:p>
+            <a:r>
+              <a:rPr lang="en-US" dirty="0" err="1"/>
+              <a:t>Quarkus</a:t>
+            </a:r>
+            <a:r>
+              <a:rPr lang="en-US" dirty="0"/>
+              <a:t> and Kubernetes</a:t>
+            </a:r>
+          </a:p>
+        </p:txBody>
+      </p:sp>
+      <p:sp>
+        <p:nvSpPr>
+          <p:cNvPr id="3" name="Content Placeholder 2">
+            <a:extLst>
+              <a:ext uri="{FF2B5EF4-FFF2-40B4-BE49-F238E27FC236}">
+                <a16:creationId xmlns:a16="http://schemas.microsoft.com/office/drawing/2014/main" id="{106A6E72-261D-457A-A69E-5B4CE5BF3225}"/>
+              </a:ext>
+            </a:extLst>
+          </p:cNvPr>
+          <p:cNvSpPr>
+            <a:spLocks noGrp="1"/>
+          </p:cNvSpPr>
+          <p:nvPr>
+            <p:ph idx="1"/>
+          </p:nvPr>
+        </p:nvSpPr>
+        <p:spPr/>
+        <p:txBody>
+          <a:bodyPr/>
+          <a:lstStyle/>
+          <a:p>
+            <a:endParaRPr lang="en-US" dirty="0"/>
+          </a:p>
+          <a:p>
+            <a:r>
+              <a:rPr lang="en-US" dirty="0"/>
+              <a:t>Generate Kubernetes resource files</a:t>
+            </a:r>
+          </a:p>
+          <a:p>
+            <a:endParaRPr lang="en-US" dirty="0"/>
+          </a:p>
+          <a:p>
+            <a:endParaRPr lang="en-US" dirty="0"/>
+          </a:p>
+          <a:p>
+            <a:r>
+              <a:rPr lang="en-US" dirty="0"/>
+              <a:t>Kubernetes client</a:t>
+            </a:r>
+            <a:br>
+              <a:rPr lang="en-US" dirty="0"/>
+            </a:br>
+            <a:r>
+              <a:rPr lang="en-US" sz="1200" dirty="0"/>
+              <a:t>Interact with the Kubernetes API from Java</a:t>
+            </a:r>
+          </a:p>
+          <a:p>
+            <a:endParaRPr lang="en-US" dirty="0"/>
+          </a:p>
+          <a:p>
+            <a:endParaRPr lang="en-US" dirty="0"/>
+          </a:p>
+          <a:p>
+            <a:r>
+              <a:rPr lang="en-US" dirty="0"/>
+              <a:t>Maven archetype creates ready to use </a:t>
+            </a:r>
+            <a:r>
+              <a:rPr lang="en-US" dirty="0" err="1"/>
+              <a:t>Dockerfiles</a:t>
+            </a:r>
+            <a:br>
+              <a:rPr lang="en-US" dirty="0"/>
+            </a:br>
+            <a:r>
+              <a:rPr lang="en-US" sz="1200" dirty="0"/>
+              <a:t>For native and JVM deployment</a:t>
+            </a:r>
+          </a:p>
+          <a:p>
+            <a:endParaRPr lang="en-US" dirty="0"/>
+          </a:p>
+          <a:p>
+            <a:endParaRPr lang="en-US" dirty="0"/>
+          </a:p>
+          <a:p>
+            <a:r>
+              <a:rPr lang="en-US" dirty="0" err="1"/>
+              <a:t>Knative</a:t>
+            </a:r>
+            <a:r>
+              <a:rPr lang="en-US" dirty="0"/>
+              <a:t> </a:t>
+            </a:r>
+            <a:r>
+              <a:rPr lang="en-US" dirty="0" err="1"/>
+              <a:t>quickstart</a:t>
+            </a:r>
+            <a:r>
+              <a:rPr lang="en-US" dirty="0"/>
+              <a:t> available</a:t>
+            </a:r>
+            <a:br>
+              <a:rPr lang="en-US" dirty="0"/>
+            </a:br>
+            <a:r>
+              <a:rPr lang="en-GB" sz="1200" dirty="0"/>
+              <a:t>Kubernetes-based platform to build, deploy, and manage modern serverless workload</a:t>
+            </a:r>
+            <a:endParaRPr lang="en-US" sz="1200" dirty="0"/>
+          </a:p>
+          <a:p>
+            <a:endParaRPr lang="en-US" dirty="0"/>
+          </a:p>
+          <a:p>
+            <a:endParaRPr lang="en-US" dirty="0"/>
+          </a:p>
+        </p:txBody>
+      </p:sp>
+      <p:sp>
+        <p:nvSpPr>
+          <p:cNvPr id="4" name="Footer Placeholder 3">
+            <a:extLst>
+              <a:ext uri="{FF2B5EF4-FFF2-40B4-BE49-F238E27FC236}">
+                <a16:creationId xmlns:a16="http://schemas.microsoft.com/office/drawing/2014/main" id="{E8A5E2D5-79FF-469F-93B0-88B922013D83}"/>
+              </a:ext>
+            </a:extLst>
+          </p:cNvPr>
+          <p:cNvSpPr>
+            <a:spLocks noGrp="1"/>
+          </p:cNvSpPr>
+          <p:nvPr>
+            <p:ph type="ftr" sz="quarter" idx="11"/>
+          </p:nvPr>
+        </p:nvSpPr>
+        <p:spPr/>
+        <p:txBody>
+          <a:bodyPr/>
+          <a:lstStyle/>
+          <a:p>
+            <a:r>
+              <a:rPr lang="nl-NL"/>
+              <a:t>Titel van de presentatie</a:t>
+            </a:r>
+          </a:p>
+        </p:txBody>
+      </p:sp>
+      <p:sp>
+        <p:nvSpPr>
+          <p:cNvPr id="5" name="Slide Number Placeholder 4">
+            <a:extLst>
+              <a:ext uri="{FF2B5EF4-FFF2-40B4-BE49-F238E27FC236}">
+                <a16:creationId xmlns:a16="http://schemas.microsoft.com/office/drawing/2014/main" id="{DE6D4E6F-B5CE-41BA-9CA2-6AE4EE45A5E2}"/>
+              </a:ext>
+            </a:extLst>
+          </p:cNvPr>
+          <p:cNvSpPr>
+            <a:spLocks noGrp="1"/>
+          </p:cNvSpPr>
+          <p:nvPr>
+            <p:ph type="sldNum" sz="quarter" idx="12"/>
+          </p:nvPr>
+        </p:nvSpPr>
+        <p:spPr/>
+        <p:txBody>
+          <a:bodyPr/>
+          <a:lstStyle/>
+          <a:p>
+            <a:fld id="{14F1411D-0280-154F-AEAC-4C20B7AA46B2}" type="slidenum">
+              <a:rPr lang="nl-NL" smtClean="0"/>
+              <a:t>16</a:t>
+            </a:fld>
+            <a:endParaRPr lang="nl-NL"/>
+          </a:p>
+        </p:txBody>
+      </p:sp>
+      <p:pic>
+        <p:nvPicPr>
+          <p:cNvPr id="8" name="Picture 7">
+            <a:extLst>
+              <a:ext uri="{FF2B5EF4-FFF2-40B4-BE49-F238E27FC236}">
+                <a16:creationId xmlns:a16="http://schemas.microsoft.com/office/drawing/2014/main" id="{5EABC2BC-0E9B-4C94-B1C8-E1C001A64CB6}"/>
+              </a:ext>
+            </a:extLst>
+          </p:cNvPr>
+          <p:cNvPicPr>
+            <a:picLocks noChangeAspect="1"/>
+          </p:cNvPicPr>
+          <p:nvPr/>
+        </p:nvPicPr>
+        <p:blipFill>
+          <a:blip r:embed="rId2"/>
+          <a:stretch>
+            <a:fillRect/>
+          </a:stretch>
+        </p:blipFill>
+        <p:spPr>
+          <a:xfrm>
+            <a:off x="5374422" y="764664"/>
+            <a:ext cx="1213578" cy="1103516"/>
+          </a:xfrm>
+          <a:prstGeom prst="rect">
+            <a:avLst/>
+          </a:prstGeom>
+        </p:spPr>
+      </p:pic>
+      <p:sp>
+        <p:nvSpPr>
+          <p:cNvPr id="9" name="Rectangle 8">
+            <a:extLst>
+              <a:ext uri="{FF2B5EF4-FFF2-40B4-BE49-F238E27FC236}">
+                <a16:creationId xmlns:a16="http://schemas.microsoft.com/office/drawing/2014/main" id="{7980FF2B-0BBD-445C-9DDC-8C663143B4F3}"/>
+              </a:ext>
+            </a:extLst>
+          </p:cNvPr>
+          <p:cNvSpPr/>
+          <p:nvPr/>
+        </p:nvSpPr>
+        <p:spPr>
+          <a:xfrm>
+            <a:off x="7437120" y="144000"/>
+            <a:ext cx="986880" cy="612000"/>
+          </a:xfrm>
+          <a:prstGeom prst="rect">
+            <a:avLst/>
+          </a:prstGeom>
+          <a:solidFill>
+            <a:schemeClr val="bg1"/>
+          </a:solidFill>
           <a:ln>
             <a:noFill/>
           </a:ln>
         </p:spPr>
         <p:style>
-          <a:lnRef idx="0">
-            <a:scrgbClr r="0" g="0" b="0"/>
+          <a:lnRef idx="2">
+            <a:schemeClr val="accent1">
+              <a:shade val="50000"/>
+            </a:schemeClr>
           </a:lnRef>
-          <a:fillRef idx="0">
-            <a:scrgbClr r="0" g="0" b="0"/>
+          <a:fillRef idx="1">
+            <a:schemeClr val="accent1"/>
           </a:fillRef>
           <a:effectRef idx="0">
-            <a:scrgbClr r="0" g="0" b="0"/>
+            <a:schemeClr val="accent1"/>
           </a:effectRef>
-          <a:fontRef idx="minor"/>
+          <a:fontRef idx="minor">
+            <a:schemeClr val="lt1"/>
+          </a:fontRef>
         </p:style>
         <p:txBody>
-          <a:bodyPr lIns="0" tIns="0" rIns="0" bIns="0"/>
+          <a:bodyPr rtlCol="0" anchor="ctr"/>
           <a:lstStyle/>
           <a:p>
-            <a:pPr algn="r">
-              <a:lnSpc>
-                <a:spcPct val="100000"/>
-              </a:lnSpc>
-            </a:pPr>
-            <a:fld id="{057B226F-AE21-48F5-95C0-A8FDEB7B91DB}" type="slidenum">
-              <a:rPr lang="en-US" sz="600" spc="-1">
+            <a:pPr algn="ctr"/>
+            <a:endParaRPr lang="en-US"/>
+          </a:p>
+        </p:txBody>
+      </p:sp>
+      <p:pic>
+        <p:nvPicPr>
+          <p:cNvPr id="5122" name="Picture 2" descr="Image result for docker">
+            <a:extLst>
+              <a:ext uri="{FF2B5EF4-FFF2-40B4-BE49-F238E27FC236}">
+                <a16:creationId xmlns:a16="http://schemas.microsoft.com/office/drawing/2014/main" id="{1AE215B5-46EE-463B-9B40-2116B9391F80}"/>
+              </a:ext>
+            </a:extLst>
+          </p:cNvPr>
+          <p:cNvPicPr>
+            <a:picLocks noChangeAspect="1" noChangeArrowheads="1"/>
+          </p:cNvPicPr>
+          <p:nvPr/>
+        </p:nvPicPr>
+        <p:blipFill>
+          <a:blip r:embed="rId3">
+            <a:clrChange>
+              <a:clrFrom>
+                <a:srgbClr val="FFFFFF"/>
+              </a:clrFrom>
+              <a:clrTo>
+                <a:srgbClr val="FFFFFF">
+                  <a:alpha val="0"/>
+                </a:srgbClr>
+              </a:clrTo>
+            </a:clrChange>
+            <a:extLst>
+              <a:ext uri="{28A0092B-C50C-407E-A947-70E740481C1C}">
+                <a14:useLocalDpi xmlns:a14="http://schemas.microsoft.com/office/drawing/2010/main" val="0"/>
+              </a:ext>
+            </a:extLst>
+          </a:blip>
+          <a:srcRect/>
+          <a:stretch>
+            <a:fillRect/>
+          </a:stretch>
+        </p:blipFill>
+        <p:spPr bwMode="auto">
+          <a:xfrm>
+            <a:off x="5009734" y="2763733"/>
+            <a:ext cx="2052588" cy="1149449"/>
+          </a:xfrm>
+          <a:prstGeom prst="rect">
+            <a:avLst/>
+          </a:prstGeom>
+          <a:noFill/>
+          <a:extLst>
+            <a:ext uri="{909E8E84-426E-40DD-AFC4-6F175D3DCCD1}">
+              <a14:hiddenFill xmlns:a14="http://schemas.microsoft.com/office/drawing/2010/main">
                 <a:solidFill>
                   <a:srgbClr val="FFFFFF"/>
                 </a:solidFill>
-                <a:latin typeface="Arial"/>
-                <a:ea typeface="DejaVu Sans"/>
-              </a:rPr>
-              <a:t>14</a:t>
-            </a:fld>
-            <a:endParaRPr lang="en-US" sz="600" spc="-1">
-              <a:latin typeface="Arial"/>
-            </a:endParaRPr>
-          </a:p>
-        </p:txBody>
-      </p:sp>
+              </a14:hiddenFill>
+            </a:ext>
+          </a:extLst>
+        </p:spPr>
+      </p:pic>
+      <p:grpSp>
+        <p:nvGrpSpPr>
+          <p:cNvPr id="6" name="Group 5">
+            <a:extLst>
+              <a:ext uri="{FF2B5EF4-FFF2-40B4-BE49-F238E27FC236}">
+                <a16:creationId xmlns:a16="http://schemas.microsoft.com/office/drawing/2014/main" id="{497ABA41-915C-4B32-9135-EF3D871A6145}"/>
+              </a:ext>
+            </a:extLst>
+          </p:cNvPr>
+          <p:cNvGrpSpPr/>
+          <p:nvPr/>
+        </p:nvGrpSpPr>
+        <p:grpSpPr>
+          <a:xfrm>
+            <a:off x="6316810" y="1691266"/>
+            <a:ext cx="2603622" cy="1188733"/>
+            <a:chOff x="6316810" y="1691266"/>
+            <a:chExt cx="2603622" cy="1188733"/>
+          </a:xfrm>
+        </p:grpSpPr>
+        <p:pic>
+          <p:nvPicPr>
+            <p:cNvPr id="12" name="Picture 11">
+              <a:extLst>
+                <a:ext uri="{FF2B5EF4-FFF2-40B4-BE49-F238E27FC236}">
+                  <a16:creationId xmlns:a16="http://schemas.microsoft.com/office/drawing/2014/main" id="{ED12AAC5-3AB0-4BB3-AB8D-77446142185D}"/>
+                </a:ext>
+              </a:extLst>
+            </p:cNvPr>
+            <p:cNvPicPr>
+              <a:picLocks noChangeAspect="1"/>
+            </p:cNvPicPr>
+            <p:nvPr/>
+          </p:nvPicPr>
+          <p:blipFill>
+            <a:blip r:embed="rId4">
+              <a:clrChange>
+                <a:clrFrom>
+                  <a:srgbClr val="FFFFFF"/>
+                </a:clrFrom>
+                <a:clrTo>
+                  <a:srgbClr val="FFFFFF">
+                    <a:alpha val="0"/>
+                  </a:srgbClr>
+                </a:clrTo>
+              </a:clrChange>
+            </a:blip>
+            <a:stretch>
+              <a:fillRect/>
+            </a:stretch>
+          </p:blipFill>
+          <p:spPr>
+            <a:xfrm>
+              <a:off x="6316810" y="1868180"/>
+              <a:ext cx="1213578" cy="715553"/>
+            </a:xfrm>
+            <a:prstGeom prst="rect">
+              <a:avLst/>
+            </a:prstGeom>
+          </p:spPr>
+        </p:pic>
+        <p:pic>
+          <p:nvPicPr>
+            <p:cNvPr id="5124" name="Picture 4" descr="Image result for kubernetes api">
+              <a:extLst>
+                <a:ext uri="{FF2B5EF4-FFF2-40B4-BE49-F238E27FC236}">
+                  <a16:creationId xmlns:a16="http://schemas.microsoft.com/office/drawing/2014/main" id="{4B5A4277-7059-43CC-B979-95ED3CC4B137}"/>
+                </a:ext>
+              </a:extLst>
+            </p:cNvPr>
+            <p:cNvPicPr>
+              <a:picLocks noChangeAspect="1" noChangeArrowheads="1"/>
+            </p:cNvPicPr>
+            <p:nvPr/>
+          </p:nvPicPr>
+          <p:blipFill rotWithShape="1">
+            <a:blip r:embed="rId5">
+              <a:clrChange>
+                <a:clrFrom>
+                  <a:srgbClr val="FFFFFF"/>
+                </a:clrFrom>
+                <a:clrTo>
+                  <a:srgbClr val="FFFFFF">
+                    <a:alpha val="0"/>
+                  </a:srgbClr>
+                </a:clrTo>
+              </a:clrChange>
+              <a:extLst>
+                <a:ext uri="{28A0092B-C50C-407E-A947-70E740481C1C}">
+                  <a14:useLocalDpi xmlns:a14="http://schemas.microsoft.com/office/drawing/2010/main" val="0"/>
+                </a:ext>
+              </a:extLst>
+            </a:blip>
+            <a:srcRect l="25296"/>
+            <a:stretch/>
+          </p:blipFill>
+          <p:spPr bwMode="auto">
+            <a:xfrm>
+              <a:off x="7495567" y="1691266"/>
+              <a:ext cx="1424865" cy="1188733"/>
+            </a:xfrm>
+            <a:prstGeom prst="rect">
+              <a:avLst/>
+            </a:prstGeom>
+            <a:noFill/>
+            <a:extLst>
+              <a:ext uri="{909E8E84-426E-40DD-AFC4-6F175D3DCCD1}">
+                <a14:hiddenFill xmlns:a14="http://schemas.microsoft.com/office/drawing/2010/main">
+                  <a:solidFill>
+                    <a:srgbClr val="FFFFFF"/>
+                  </a:solidFill>
+                </a14:hiddenFill>
+              </a:ext>
+            </a:extLst>
+          </p:spPr>
+        </p:pic>
+      </p:grpSp>
+      <p:sp>
+        <p:nvSpPr>
+          <p:cNvPr id="10" name="Rectangle 9">
+            <a:extLst>
+              <a:ext uri="{FF2B5EF4-FFF2-40B4-BE49-F238E27FC236}">
+                <a16:creationId xmlns:a16="http://schemas.microsoft.com/office/drawing/2014/main" id="{39F94D47-F540-4B2F-85C5-EAFA62D73595}"/>
+              </a:ext>
+            </a:extLst>
+          </p:cNvPr>
+          <p:cNvSpPr/>
+          <p:nvPr/>
+        </p:nvSpPr>
+        <p:spPr>
+          <a:xfrm>
+            <a:off x="7696508" y="2264161"/>
+            <a:ext cx="192517" cy="60325"/>
+          </a:xfrm>
+          <a:prstGeom prst="rect">
+            <a:avLst/>
+          </a:prstGeom>
+          <a:solidFill>
+            <a:schemeClr val="bg1"/>
+          </a:solidFill>
+          <a:ln>
+            <a:noFill/>
+          </a:ln>
+        </p:spPr>
+        <p:style>
+          <a:lnRef idx="2">
+            <a:schemeClr val="accent1">
+              <a:shade val="50000"/>
+            </a:schemeClr>
+          </a:lnRef>
+          <a:fillRef idx="1">
+            <a:schemeClr val="accent1"/>
+          </a:fillRef>
+          <a:effectRef idx="0">
+            <a:schemeClr val="accent1"/>
+          </a:effectRef>
+          <a:fontRef idx="minor">
+            <a:schemeClr val="lt1"/>
+          </a:fontRef>
+        </p:style>
+        <p:txBody>
+          <a:bodyPr rtlCol="0" anchor="ctr"/>
+          <a:lstStyle/>
+          <a:p>
+            <a:pPr algn="ctr"/>
+            <a:endParaRPr lang="en-US"/>
+          </a:p>
+        </p:txBody>
+      </p:sp>
+      <p:pic>
+        <p:nvPicPr>
+          <p:cNvPr id="14" name="Picture 8" descr="Image result for knative">
+            <a:extLst>
+              <a:ext uri="{FF2B5EF4-FFF2-40B4-BE49-F238E27FC236}">
+                <a16:creationId xmlns:a16="http://schemas.microsoft.com/office/drawing/2014/main" id="{8B0C4F80-E4E4-48C8-88A6-6690E197958B}"/>
+              </a:ext>
+            </a:extLst>
+          </p:cNvPr>
+          <p:cNvPicPr>
+            <a:picLocks noChangeAspect="1" noChangeArrowheads="1"/>
+          </p:cNvPicPr>
+          <p:nvPr/>
+        </p:nvPicPr>
+        <p:blipFill>
+          <a:blip r:embed="rId6">
+            <a:extLst>
+              <a:ext uri="{28A0092B-C50C-407E-A947-70E740481C1C}">
+                <a14:useLocalDpi xmlns:a14="http://schemas.microsoft.com/office/drawing/2010/main" val="0"/>
+              </a:ext>
+            </a:extLst>
+          </a:blip>
+          <a:srcRect/>
+          <a:stretch>
+            <a:fillRect/>
+          </a:stretch>
+        </p:blipFill>
+        <p:spPr bwMode="auto">
+          <a:xfrm>
+            <a:off x="7696826" y="3817217"/>
+            <a:ext cx="1299328" cy="1050093"/>
+          </a:xfrm>
+          <a:prstGeom prst="rect">
+            <a:avLst/>
+          </a:prstGeom>
+          <a:noFill/>
+          <a:extLst>
+            <a:ext uri="{909E8E84-426E-40DD-AFC4-6F175D3DCCD1}">
+              <a14:hiddenFill xmlns:a14="http://schemas.microsoft.com/office/drawing/2010/main">
+                <a:solidFill>
+                  <a:srgbClr val="FFFFFF"/>
+                </a:solidFill>
+              </a14:hiddenFill>
+            </a:ext>
+          </a:extLst>
+        </p:spPr>
+      </p:pic>
     </p:spTree>
     <p:extLst>
       <p:ext uri="{BB962C8B-B14F-4D97-AF65-F5344CB8AC3E}">
-        <p14:creationId xmlns:p14="http://schemas.microsoft.com/office/powerpoint/2010/main" val="2206085251"/>
+        <p14:creationId xmlns:p14="http://schemas.microsoft.com/office/powerpoint/2010/main" val="1644636787"/>
+      </p:ext>
+    </p:extLst>
+  </p:cSld>
+  <p:clrMapOvr>
+    <a:masterClrMapping/>
+  </p:clrMapOvr>
+  <p:timing>
+    <p:tnLst>
+      <p:par>
+        <p:cTn id="1" dur="indefinite" restart="never" nodeType="tmRoot">
+          <p:childTnLst>
+            <p:seq concurrent="1" nextAc="seek">
+              <p:cTn id="2" dur="indefinite" nodeType="mainSeq">
+                <p:childTnLst>
+                  <p:par>
+                    <p:cTn id="3" fill="hold">
+                      <p:stCondLst>
+                        <p:cond delay="indefinite"/>
+                      </p:stCondLst>
+                      <p:childTnLst>
+                        <p:par>
+                          <p:cTn id="4" fill="hold">
+                            <p:stCondLst>
+                              <p:cond delay="0"/>
+                            </p:stCondLst>
+                            <p:childTnLst>
+                              <p:par>
+                                <p:cTn id="5" presetID="1" presetClass="entr" presetSubtype="0" fill="hold" grpId="0" nodeType="clickEffect">
+                                  <p:stCondLst>
+                                    <p:cond delay="0"/>
+                                  </p:stCondLst>
+                                  <p:childTnLst>
+                                    <p:set>
+                                      <p:cBhvr>
+                                        <p:cTn id="6" dur="1" fill="hold">
+                                          <p:stCondLst>
+                                            <p:cond delay="0"/>
+                                          </p:stCondLst>
+                                        </p:cTn>
+                                        <p:tgtEl>
+                                          <p:spTgt spid="3">
+                                            <p:txEl>
+                                              <p:pRg st="1" end="1"/>
+                                            </p:txEl>
+                                          </p:spTgt>
+                                        </p:tgtEl>
+                                        <p:attrNameLst>
+                                          <p:attrName>style.visibility</p:attrName>
+                                        </p:attrNameLst>
+                                      </p:cBhvr>
+                                      <p:to>
+                                        <p:strVal val="visible"/>
+                                      </p:to>
+                                    </p:set>
+                                  </p:childTnLst>
+                                </p:cTn>
+                              </p:par>
+                              <p:par>
+                                <p:cTn id="7" presetID="1" presetClass="entr" presetSubtype="0" fill="hold" nodeType="withEffect">
+                                  <p:stCondLst>
+                                    <p:cond delay="0"/>
+                                  </p:stCondLst>
+                                  <p:childTnLst>
+                                    <p:set>
+                                      <p:cBhvr>
+                                        <p:cTn id="8" dur="1" fill="hold">
+                                          <p:stCondLst>
+                                            <p:cond delay="0"/>
+                                          </p:stCondLst>
+                                        </p:cTn>
+                                        <p:tgtEl>
+                                          <p:spTgt spid="8"/>
+                                        </p:tgtEl>
+                                        <p:attrNameLst>
+                                          <p:attrName>style.visibility</p:attrName>
+                                        </p:attrNameLst>
+                                      </p:cBhvr>
+                                      <p:to>
+                                        <p:strVal val="visible"/>
+                                      </p:to>
+                                    </p:set>
+                                  </p:childTnLst>
+                                </p:cTn>
+                              </p:par>
+                            </p:childTnLst>
+                          </p:cTn>
+                        </p:par>
+                      </p:childTnLst>
+                    </p:cTn>
+                  </p:par>
+                  <p:par>
+                    <p:cTn id="9" fill="hold">
+                      <p:stCondLst>
+                        <p:cond delay="indefinite"/>
+                      </p:stCondLst>
+                      <p:childTnLst>
+                        <p:par>
+                          <p:cTn id="10" fill="hold">
+                            <p:stCondLst>
+                              <p:cond delay="0"/>
+                            </p:stCondLst>
+                            <p:childTnLst>
+                              <p:par>
+                                <p:cTn id="11" presetID="1" presetClass="entr" presetSubtype="0" fill="hold" grpId="0" nodeType="clickEffect">
+                                  <p:stCondLst>
+                                    <p:cond delay="0"/>
+                                  </p:stCondLst>
+                                  <p:childTnLst>
+                                    <p:set>
+                                      <p:cBhvr>
+                                        <p:cTn id="12" dur="1" fill="hold">
+                                          <p:stCondLst>
+                                            <p:cond delay="0"/>
+                                          </p:stCondLst>
+                                        </p:cTn>
+                                        <p:tgtEl>
+                                          <p:spTgt spid="3">
+                                            <p:txEl>
+                                              <p:pRg st="4" end="4"/>
+                                            </p:txEl>
+                                          </p:spTgt>
+                                        </p:tgtEl>
+                                        <p:attrNameLst>
+                                          <p:attrName>style.visibility</p:attrName>
+                                        </p:attrNameLst>
+                                      </p:cBhvr>
+                                      <p:to>
+                                        <p:strVal val="visible"/>
+                                      </p:to>
+                                    </p:set>
+                                  </p:childTnLst>
+                                </p:cTn>
+                              </p:par>
+                              <p:par>
+                                <p:cTn id="13" presetID="1" presetClass="entr" presetSubtype="0" fill="hold" nodeType="withEffect">
+                                  <p:stCondLst>
+                                    <p:cond delay="0"/>
+                                  </p:stCondLst>
+                                  <p:childTnLst>
+                                    <p:set>
+                                      <p:cBhvr>
+                                        <p:cTn id="14" dur="1" fill="hold">
+                                          <p:stCondLst>
+                                            <p:cond delay="0"/>
+                                          </p:stCondLst>
+                                        </p:cTn>
+                                        <p:tgtEl>
+                                          <p:spTgt spid="6"/>
+                                        </p:tgtEl>
+                                        <p:attrNameLst>
+                                          <p:attrName>style.visibility</p:attrName>
+                                        </p:attrNameLst>
+                                      </p:cBhvr>
+                                      <p:to>
+                                        <p:strVal val="visible"/>
+                                      </p:to>
+                                    </p:set>
+                                  </p:childTnLst>
+                                </p:cTn>
+                              </p:par>
+                            </p:childTnLst>
+                          </p:cTn>
+                        </p:par>
+                      </p:childTnLst>
+                    </p:cTn>
+                  </p:par>
+                  <p:par>
+                    <p:cTn id="15" fill="hold">
+                      <p:stCondLst>
+                        <p:cond delay="indefinite"/>
+                      </p:stCondLst>
+                      <p:childTnLst>
+                        <p:par>
+                          <p:cTn id="16" fill="hold">
+                            <p:stCondLst>
+                              <p:cond delay="0"/>
+                            </p:stCondLst>
+                            <p:childTnLst>
+                              <p:par>
+                                <p:cTn id="17" presetID="1" presetClass="entr" presetSubtype="0" fill="hold" grpId="0" nodeType="clickEffect">
+                                  <p:stCondLst>
+                                    <p:cond delay="0"/>
+                                  </p:stCondLst>
+                                  <p:childTnLst>
+                                    <p:set>
+                                      <p:cBhvr>
+                                        <p:cTn id="18" dur="1" fill="hold">
+                                          <p:stCondLst>
+                                            <p:cond delay="0"/>
+                                          </p:stCondLst>
+                                        </p:cTn>
+                                        <p:tgtEl>
+                                          <p:spTgt spid="3">
+                                            <p:txEl>
+                                              <p:pRg st="7" end="7"/>
+                                            </p:txEl>
+                                          </p:spTgt>
+                                        </p:tgtEl>
+                                        <p:attrNameLst>
+                                          <p:attrName>style.visibility</p:attrName>
+                                        </p:attrNameLst>
+                                      </p:cBhvr>
+                                      <p:to>
+                                        <p:strVal val="visible"/>
+                                      </p:to>
+                                    </p:set>
+                                  </p:childTnLst>
+                                </p:cTn>
+                              </p:par>
+                              <p:par>
+                                <p:cTn id="19" presetID="1" presetClass="entr" presetSubtype="0" fill="hold" nodeType="withEffect">
+                                  <p:stCondLst>
+                                    <p:cond delay="0"/>
+                                  </p:stCondLst>
+                                  <p:childTnLst>
+                                    <p:set>
+                                      <p:cBhvr>
+                                        <p:cTn id="20" dur="1" fill="hold">
+                                          <p:stCondLst>
+                                            <p:cond delay="0"/>
+                                          </p:stCondLst>
+                                        </p:cTn>
+                                        <p:tgtEl>
+                                          <p:spTgt spid="5122"/>
+                                        </p:tgtEl>
+                                        <p:attrNameLst>
+                                          <p:attrName>style.visibility</p:attrName>
+                                        </p:attrNameLst>
+                                      </p:cBhvr>
+                                      <p:to>
+                                        <p:strVal val="visible"/>
+                                      </p:to>
+                                    </p:set>
+                                  </p:childTnLst>
+                                </p:cTn>
+                              </p:par>
+                            </p:childTnLst>
+                          </p:cTn>
+                        </p:par>
+                      </p:childTnLst>
+                    </p:cTn>
+                  </p:par>
+                  <p:par>
+                    <p:cTn id="21" fill="hold">
+                      <p:stCondLst>
+                        <p:cond delay="indefinite"/>
+                      </p:stCondLst>
+                      <p:childTnLst>
+                        <p:par>
+                          <p:cTn id="22" fill="hold">
+                            <p:stCondLst>
+                              <p:cond delay="0"/>
+                            </p:stCondLst>
+                            <p:childTnLst>
+                              <p:par>
+                                <p:cTn id="23" presetID="1" presetClass="entr" presetSubtype="0" fill="hold" grpId="0" nodeType="clickEffect">
+                                  <p:stCondLst>
+                                    <p:cond delay="0"/>
+                                  </p:stCondLst>
+                                  <p:childTnLst>
+                                    <p:set>
+                                      <p:cBhvr>
+                                        <p:cTn id="24" dur="1" fill="hold">
+                                          <p:stCondLst>
+                                            <p:cond delay="0"/>
+                                          </p:stCondLst>
+                                        </p:cTn>
+                                        <p:tgtEl>
+                                          <p:spTgt spid="3">
+                                            <p:txEl>
+                                              <p:pRg st="10" end="10"/>
+                                            </p:txEl>
+                                          </p:spTgt>
+                                        </p:tgtEl>
+                                        <p:attrNameLst>
+                                          <p:attrName>style.visibility</p:attrName>
+                                        </p:attrNameLst>
+                                      </p:cBhvr>
+                                      <p:to>
+                                        <p:strVal val="visible"/>
+                                      </p:to>
+                                    </p:set>
+                                  </p:childTnLst>
+                                </p:cTn>
+                              </p:par>
+                              <p:par>
+                                <p:cTn id="25" presetID="1" presetClass="entr" presetSubtype="0" fill="hold" nodeType="withEffect">
+                                  <p:stCondLst>
+                                    <p:cond delay="0"/>
+                                  </p:stCondLst>
+                                  <p:childTnLst>
+                                    <p:set>
+                                      <p:cBhvr>
+                                        <p:cTn id="26" dur="1" fill="hold">
+                                          <p:stCondLst>
+                                            <p:cond delay="0"/>
+                                          </p:stCondLst>
+                                        </p:cTn>
+                                        <p:tgtEl>
+                                          <p:spTgt spid="14"/>
+                                        </p:tgtEl>
+                                        <p:attrNameLst>
+                                          <p:attrName>style.visibility</p:attrName>
+                                        </p:attrNameLst>
+                                      </p:cBhvr>
+                                      <p:to>
+                                        <p:strVal val="visible"/>
+                                      </p:to>
+                                    </p:set>
+                                  </p:childTnLst>
+                                </p:cTn>
+                              </p:par>
+                            </p:childTnLst>
+                          </p:cTn>
+                        </p:par>
+                      </p:childTnLst>
+                    </p:cTn>
+                  </p:par>
+                </p:childTnLst>
+              </p:cTn>
+              <p:prevCondLst>
+                <p:cond evt="onPrev" delay="0">
+                  <p:tgtEl>
+                    <p:sldTgt/>
+                  </p:tgtEl>
+                </p:cond>
+              </p:prevCondLst>
+              <p:nextCondLst>
+                <p:cond evt="onNext" delay="0">
+                  <p:tgtEl>
+                    <p:sldTgt/>
+                  </p:tgtEl>
+                </p:cond>
+              </p:nextCondLst>
+            </p:seq>
+          </p:childTnLst>
+        </p:cTn>
+      </p:par>
+    </p:tnLst>
+    <p:bldLst>
+      <p:bldP spid="3" grpId="0" uiExpand="1" build="p"/>
+    </p:bldLst>
+  </p:timing>
+</p:sld>
+</file>
+
+<file path=ppt/slides/slide17.xml><?xml version="1.0" encoding="utf-8"?>
+<p:sld xmlns:a="http://schemas.openxmlformats.org/drawingml/2006/main" xmlns:r="http://schemas.openxmlformats.org/officeDocument/2006/relationships" xmlns:p="http://schemas.openxmlformats.org/presentationml/2006/main">
+  <p:cSld>
+    <p:spTree>
+      <p:nvGrpSpPr>
+        <p:cNvPr id="1" name=""/>
+        <p:cNvGrpSpPr/>
+        <p:nvPr/>
+      </p:nvGrpSpPr>
+      <p:grpSpPr>
+        <a:xfrm>
+          <a:off x="0" y="0"/>
+          <a:ext cx="0" cy="0"/>
+          <a:chOff x="0" y="0"/>
+          <a:chExt cx="0" cy="0"/>
+        </a:xfrm>
+      </p:grpSpPr>
+      <p:sp>
+        <p:nvSpPr>
+          <p:cNvPr id="2" name="Title 1">
+            <a:extLst>
+              <a:ext uri="{FF2B5EF4-FFF2-40B4-BE49-F238E27FC236}">
+                <a16:creationId xmlns:a16="http://schemas.microsoft.com/office/drawing/2014/main" id="{40F2AE42-80FD-423E-8180-56B0AF3F23D6}"/>
+              </a:ext>
+            </a:extLst>
+          </p:cNvPr>
+          <p:cNvSpPr>
+            <a:spLocks noGrp="1"/>
+          </p:cNvSpPr>
+          <p:nvPr>
+            <p:ph type="title"/>
+          </p:nvPr>
+        </p:nvSpPr>
+        <p:spPr/>
+        <p:txBody>
+          <a:bodyPr/>
+          <a:lstStyle/>
+          <a:p>
+            <a:r>
+              <a:rPr lang="en-US" dirty="0" err="1"/>
+              <a:t>Quarkus</a:t>
+            </a:r>
+            <a:r>
+              <a:rPr lang="en-US" dirty="0"/>
+              <a:t> and Kubernetes</a:t>
+            </a:r>
+          </a:p>
+        </p:txBody>
+      </p:sp>
+      <p:sp>
+        <p:nvSpPr>
+          <p:cNvPr id="3" name="Content Placeholder 2">
+            <a:extLst>
+              <a:ext uri="{FF2B5EF4-FFF2-40B4-BE49-F238E27FC236}">
+                <a16:creationId xmlns:a16="http://schemas.microsoft.com/office/drawing/2014/main" id="{106A6E72-261D-457A-A69E-5B4CE5BF3225}"/>
+              </a:ext>
+            </a:extLst>
+          </p:cNvPr>
+          <p:cNvSpPr>
+            <a:spLocks noGrp="1"/>
+          </p:cNvSpPr>
+          <p:nvPr>
+            <p:ph idx="1"/>
+          </p:nvPr>
+        </p:nvSpPr>
+        <p:spPr/>
+        <p:txBody>
+          <a:bodyPr/>
+          <a:lstStyle/>
+          <a:p>
+            <a:r>
+              <a:rPr lang="en-US" dirty="0"/>
+              <a:t>Add the dependency:</a:t>
+            </a:r>
+            <a:br>
+              <a:rPr lang="en-US" dirty="0"/>
+            </a:br>
+            <a:r>
+              <a:rPr lang="en-US" dirty="0"/>
+              <a:t> </a:t>
+            </a:r>
+            <a:r>
+              <a:rPr lang="en-US" sz="1200" dirty="0"/>
+              <a:t>&lt;dependency&gt;</a:t>
+            </a:r>
+            <a:br>
+              <a:rPr lang="en-US" sz="1200" dirty="0"/>
+            </a:br>
+            <a:r>
+              <a:rPr lang="en-US" sz="1200" dirty="0"/>
+              <a:t>      &lt;</a:t>
+            </a:r>
+            <a:r>
+              <a:rPr lang="en-US" sz="1200" dirty="0" err="1"/>
+              <a:t>groupId</a:t>
+            </a:r>
+            <a:r>
+              <a:rPr lang="en-US" sz="1200" dirty="0"/>
+              <a:t>&gt;</a:t>
+            </a:r>
+            <a:r>
+              <a:rPr lang="en-US" sz="1200" dirty="0" err="1"/>
+              <a:t>io.quarkus</a:t>
+            </a:r>
+            <a:r>
+              <a:rPr lang="en-US" sz="1200" dirty="0"/>
+              <a:t>&lt;/</a:t>
+            </a:r>
+            <a:r>
+              <a:rPr lang="en-US" sz="1200" dirty="0" err="1"/>
+              <a:t>groupId</a:t>
+            </a:r>
+            <a:r>
+              <a:rPr lang="en-US" sz="1200" dirty="0"/>
+              <a:t>&gt;</a:t>
+            </a:r>
+            <a:br>
+              <a:rPr lang="en-US" sz="1200" dirty="0"/>
+            </a:br>
+            <a:r>
+              <a:rPr lang="en-US" sz="1200" dirty="0"/>
+              <a:t>      &lt;</a:t>
+            </a:r>
+            <a:r>
+              <a:rPr lang="en-US" sz="1200" dirty="0" err="1"/>
+              <a:t>artifactId</a:t>
+            </a:r>
+            <a:r>
+              <a:rPr lang="en-US" sz="1200" dirty="0"/>
+              <a:t>&gt;</a:t>
+            </a:r>
+            <a:r>
+              <a:rPr lang="en-US" sz="1200" dirty="0" err="1"/>
+              <a:t>quarkus-kubernetes</a:t>
+            </a:r>
+            <a:r>
+              <a:rPr lang="en-US" sz="1200" dirty="0"/>
+              <a:t>&lt;/</a:t>
+            </a:r>
+            <a:r>
+              <a:rPr lang="en-US" sz="1200" dirty="0" err="1"/>
+              <a:t>artifactId</a:t>
+            </a:r>
+            <a:r>
+              <a:rPr lang="en-US" sz="1200" dirty="0"/>
+              <a:t>&gt;</a:t>
+            </a:r>
+            <a:br>
+              <a:rPr lang="en-US" sz="1200" dirty="0"/>
+            </a:br>
+            <a:r>
+              <a:rPr lang="en-US" sz="1200" dirty="0"/>
+              <a:t> &lt;/dependency&gt;</a:t>
+            </a:r>
+          </a:p>
+          <a:p>
+            <a:endParaRPr lang="en-US" dirty="0"/>
+          </a:p>
+          <a:p>
+            <a:r>
+              <a:rPr lang="en-US" dirty="0" err="1"/>
+              <a:t>mvn</a:t>
+            </a:r>
+            <a:r>
+              <a:rPr lang="en-US" dirty="0"/>
+              <a:t> package</a:t>
+            </a:r>
+            <a:br>
+              <a:rPr lang="en-US" dirty="0"/>
+            </a:br>
+            <a:r>
+              <a:rPr lang="en-US" sz="1200" dirty="0"/>
+              <a:t>Generates </a:t>
+            </a:r>
+            <a:r>
+              <a:rPr lang="en-US" sz="1200" dirty="0" err="1"/>
+              <a:t>kubernetes.json</a:t>
+            </a:r>
+            <a:r>
+              <a:rPr lang="en-US" sz="1200" dirty="0"/>
+              <a:t> and </a:t>
+            </a:r>
+            <a:r>
+              <a:rPr lang="en-US" sz="1200" dirty="0" err="1"/>
+              <a:t>kubernetes.yaml</a:t>
+            </a:r>
+            <a:br>
+              <a:rPr lang="en-US" sz="1200" dirty="0"/>
+            </a:br>
+            <a:r>
+              <a:rPr lang="en-US" sz="1200" dirty="0"/>
+              <a:t>Contains the Service and the Deployment</a:t>
+            </a:r>
+          </a:p>
+          <a:p>
+            <a:endParaRPr lang="en-US" dirty="0"/>
+          </a:p>
+          <a:p>
+            <a:r>
+              <a:rPr lang="en-US" dirty="0"/>
+              <a:t>Details can be configured with properties</a:t>
+            </a:r>
+            <a:br>
+              <a:rPr lang="en-US" dirty="0"/>
+            </a:br>
+            <a:r>
+              <a:rPr lang="en-GB" sz="1200" dirty="0" err="1"/>
+              <a:t>quarkus.kubernetes.group</a:t>
+            </a:r>
+            <a:r>
+              <a:rPr lang="en-GB" sz="1200" dirty="0"/>
+              <a:t>=</a:t>
+            </a:r>
+            <a:r>
+              <a:rPr lang="en-GB" sz="1200" dirty="0" err="1"/>
+              <a:t>yourDockerUsername</a:t>
+            </a:r>
+            <a:br>
+              <a:rPr lang="en-GB" sz="1200" dirty="0"/>
+            </a:br>
+            <a:r>
+              <a:rPr lang="en-GB" sz="1200" dirty="0"/>
+              <a:t>quarkus.application.name=test-</a:t>
+            </a:r>
+            <a:r>
+              <a:rPr lang="en-GB" sz="1200" dirty="0" err="1"/>
+              <a:t>quarkus</a:t>
+            </a:r>
+            <a:r>
+              <a:rPr lang="en-GB" sz="1200" dirty="0"/>
+              <a:t>-app</a:t>
+            </a:r>
+            <a:endParaRPr lang="en-US" sz="1200" dirty="0"/>
+          </a:p>
+        </p:txBody>
+      </p:sp>
+      <p:sp>
+        <p:nvSpPr>
+          <p:cNvPr id="4" name="Footer Placeholder 3">
+            <a:extLst>
+              <a:ext uri="{FF2B5EF4-FFF2-40B4-BE49-F238E27FC236}">
+                <a16:creationId xmlns:a16="http://schemas.microsoft.com/office/drawing/2014/main" id="{E8A5E2D5-79FF-469F-93B0-88B922013D83}"/>
+              </a:ext>
+            </a:extLst>
+          </p:cNvPr>
+          <p:cNvSpPr>
+            <a:spLocks noGrp="1"/>
+          </p:cNvSpPr>
+          <p:nvPr>
+            <p:ph type="ftr" sz="quarter" idx="11"/>
+          </p:nvPr>
+        </p:nvSpPr>
+        <p:spPr/>
+        <p:txBody>
+          <a:bodyPr/>
+          <a:lstStyle/>
+          <a:p>
+            <a:r>
+              <a:rPr lang="nl-NL"/>
+              <a:t>Titel van de presentatie</a:t>
+            </a:r>
+          </a:p>
+        </p:txBody>
+      </p:sp>
+      <p:sp>
+        <p:nvSpPr>
+          <p:cNvPr id="5" name="Slide Number Placeholder 4">
+            <a:extLst>
+              <a:ext uri="{FF2B5EF4-FFF2-40B4-BE49-F238E27FC236}">
+                <a16:creationId xmlns:a16="http://schemas.microsoft.com/office/drawing/2014/main" id="{DE6D4E6F-B5CE-41BA-9CA2-6AE4EE45A5E2}"/>
+              </a:ext>
+            </a:extLst>
+          </p:cNvPr>
+          <p:cNvSpPr>
+            <a:spLocks noGrp="1"/>
+          </p:cNvSpPr>
+          <p:nvPr>
+            <p:ph type="sldNum" sz="quarter" idx="12"/>
+          </p:nvPr>
+        </p:nvSpPr>
+        <p:spPr/>
+        <p:txBody>
+          <a:bodyPr/>
+          <a:lstStyle/>
+          <a:p>
+            <a:fld id="{14F1411D-0280-154F-AEAC-4C20B7AA46B2}" type="slidenum">
+              <a:rPr lang="nl-NL" smtClean="0"/>
+              <a:t>17</a:t>
+            </a:fld>
+            <a:endParaRPr lang="nl-NL"/>
+          </a:p>
+        </p:txBody>
+      </p:sp>
+      <p:pic>
+        <p:nvPicPr>
+          <p:cNvPr id="6" name="Picture 5">
+            <a:extLst>
+              <a:ext uri="{FF2B5EF4-FFF2-40B4-BE49-F238E27FC236}">
+                <a16:creationId xmlns:a16="http://schemas.microsoft.com/office/drawing/2014/main" id="{17A82362-6475-429C-A5F8-25E932FF03B3}"/>
+              </a:ext>
+            </a:extLst>
+          </p:cNvPr>
+          <p:cNvPicPr>
+            <a:picLocks noChangeAspect="1"/>
+          </p:cNvPicPr>
+          <p:nvPr/>
+        </p:nvPicPr>
+        <p:blipFill rotWithShape="1">
+          <a:blip r:embed="rId2"/>
+          <a:srcRect r="65167"/>
+          <a:stretch/>
+        </p:blipFill>
+        <p:spPr>
+          <a:xfrm>
+            <a:off x="5638797" y="76583"/>
+            <a:ext cx="3185160" cy="4778917"/>
+          </a:xfrm>
+          <a:prstGeom prst="rect">
+            <a:avLst/>
+          </a:prstGeom>
+        </p:spPr>
+      </p:pic>
+      <p:pic>
+        <p:nvPicPr>
+          <p:cNvPr id="7" name="Picture 6">
+            <a:extLst>
+              <a:ext uri="{FF2B5EF4-FFF2-40B4-BE49-F238E27FC236}">
+                <a16:creationId xmlns:a16="http://schemas.microsoft.com/office/drawing/2014/main" id="{4BCA8C08-610E-4461-9A86-C1085015A71A}"/>
+              </a:ext>
+            </a:extLst>
+          </p:cNvPr>
+          <p:cNvPicPr>
+            <a:picLocks noChangeAspect="1"/>
+          </p:cNvPicPr>
+          <p:nvPr/>
+        </p:nvPicPr>
+        <p:blipFill rotWithShape="1">
+          <a:blip r:embed="rId2"/>
+          <a:srcRect l="98250" r="1"/>
+          <a:stretch/>
+        </p:blipFill>
+        <p:spPr>
+          <a:xfrm>
+            <a:off x="8823960" y="73462"/>
+            <a:ext cx="160020" cy="4778917"/>
+          </a:xfrm>
+          <a:prstGeom prst="rect">
+            <a:avLst/>
+          </a:prstGeom>
+        </p:spPr>
+      </p:pic>
+      <p:pic>
+        <p:nvPicPr>
+          <p:cNvPr id="8" name="Picture 7">
+            <a:extLst>
+              <a:ext uri="{FF2B5EF4-FFF2-40B4-BE49-F238E27FC236}">
+                <a16:creationId xmlns:a16="http://schemas.microsoft.com/office/drawing/2014/main" id="{5EABC2BC-0E9B-4C94-B1C8-E1C001A64CB6}"/>
+              </a:ext>
+            </a:extLst>
+          </p:cNvPr>
+          <p:cNvPicPr>
+            <a:picLocks noChangeAspect="1"/>
+          </p:cNvPicPr>
+          <p:nvPr/>
+        </p:nvPicPr>
+        <p:blipFill>
+          <a:blip r:embed="rId3"/>
+          <a:stretch>
+            <a:fillRect/>
+          </a:stretch>
+        </p:blipFill>
+        <p:spPr>
+          <a:xfrm>
+            <a:off x="4481679" y="97784"/>
+            <a:ext cx="972642" cy="884431"/>
+          </a:xfrm>
+          <a:prstGeom prst="rect">
+            <a:avLst/>
+          </a:prstGeom>
+        </p:spPr>
+      </p:pic>
+    </p:spTree>
+    <p:extLst>
+      <p:ext uri="{BB962C8B-B14F-4D97-AF65-F5344CB8AC3E}">
+        <p14:creationId xmlns:p14="http://schemas.microsoft.com/office/powerpoint/2010/main" val="2012079827"/>
+      </p:ext>
+    </p:extLst>
+  </p:cSld>
+  <p:clrMapOvr>
+    <a:masterClrMapping/>
+  </p:clrMapOvr>
+</p:sld>
+</file>
+
+<file path=ppt/slides/slide18.xml><?xml version="1.0" encoding="utf-8"?>
+<p:sld xmlns:a="http://schemas.openxmlformats.org/drawingml/2006/main" xmlns:r="http://schemas.openxmlformats.org/officeDocument/2006/relationships" xmlns:p="http://schemas.openxmlformats.org/presentationml/2006/main">
+  <p:cSld>
+    <p:spTree>
+      <p:nvGrpSpPr>
+        <p:cNvPr id="1" name=""/>
+        <p:cNvGrpSpPr/>
+        <p:nvPr/>
+      </p:nvGrpSpPr>
+      <p:grpSpPr>
+        <a:xfrm>
+          <a:off x="0" y="0"/>
+          <a:ext cx="0" cy="0"/>
+          <a:chOff x="0" y="0"/>
+          <a:chExt cx="0" cy="0"/>
+        </a:xfrm>
+      </p:grpSpPr>
+      <p:sp>
+        <p:nvSpPr>
+          <p:cNvPr id="2" name="Title 1">
+            <a:extLst>
+              <a:ext uri="{FF2B5EF4-FFF2-40B4-BE49-F238E27FC236}">
+                <a16:creationId xmlns:a16="http://schemas.microsoft.com/office/drawing/2014/main" id="{CA19AF46-E6A5-4671-9C30-2733AA2AABAB}"/>
+              </a:ext>
+            </a:extLst>
+          </p:cNvPr>
+          <p:cNvSpPr>
+            <a:spLocks noGrp="1"/>
+          </p:cNvSpPr>
+          <p:nvPr>
+            <p:ph type="title"/>
+          </p:nvPr>
+        </p:nvSpPr>
+        <p:spPr/>
+        <p:txBody>
+          <a:bodyPr/>
+          <a:lstStyle/>
+          <a:p>
+            <a:r>
+              <a:rPr lang="en-US" dirty="0" err="1"/>
+              <a:t>Quarkus</a:t>
+            </a:r>
+            <a:r>
+              <a:rPr lang="en-US" dirty="0"/>
+              <a:t> Serverless options</a:t>
+            </a:r>
+          </a:p>
+        </p:txBody>
+      </p:sp>
+      <p:sp>
+        <p:nvSpPr>
+          <p:cNvPr id="3" name="Content Placeholder 2">
+            <a:extLst>
+              <a:ext uri="{FF2B5EF4-FFF2-40B4-BE49-F238E27FC236}">
+                <a16:creationId xmlns:a16="http://schemas.microsoft.com/office/drawing/2014/main" id="{459DC577-3FAA-4DF6-856C-5555DCD89BFC}"/>
+              </a:ext>
+            </a:extLst>
+          </p:cNvPr>
+          <p:cNvSpPr>
+            <a:spLocks noGrp="1"/>
+          </p:cNvSpPr>
+          <p:nvPr>
+            <p:ph idx="1"/>
+          </p:nvPr>
+        </p:nvSpPr>
+        <p:spPr/>
+        <p:txBody>
+          <a:bodyPr/>
+          <a:lstStyle/>
+          <a:p>
+            <a:r>
+              <a:rPr lang="en-US" dirty="0"/>
+              <a:t>AWS lambda (wrapped by Python)</a:t>
+            </a:r>
+            <a:br>
+              <a:rPr lang="en-US" dirty="0"/>
+            </a:br>
+            <a:r>
+              <a:rPr lang="en-GB" sz="1200" dirty="0">
+                <a:hlinkClick r:id="rId2"/>
+              </a:rPr>
+              <a:t>https://medium.com/@biancanhinojosa/running-executables-in-aws-lambda-dc79b8f33ec7</a:t>
+            </a:r>
+            <a:endParaRPr lang="en-GB" sz="1200" dirty="0"/>
+          </a:p>
+          <a:p>
+            <a:endParaRPr lang="en-GB" dirty="0"/>
+          </a:p>
+          <a:p>
+            <a:r>
+              <a:rPr lang="en-GB" dirty="0"/>
+              <a:t>Google </a:t>
+            </a:r>
+            <a:r>
+              <a:rPr lang="en-GB" dirty="0" err="1"/>
+              <a:t>Knative</a:t>
+            </a:r>
+            <a:r>
+              <a:rPr lang="en-GB" dirty="0"/>
+              <a:t> framework</a:t>
+            </a:r>
+          </a:p>
+          <a:p>
+            <a:endParaRPr lang="en-GB" dirty="0"/>
+          </a:p>
+          <a:p>
+            <a:r>
+              <a:rPr lang="en-GB" dirty="0"/>
+              <a:t>Oracle </a:t>
+            </a:r>
+            <a:r>
+              <a:rPr lang="en-GB" dirty="0" err="1"/>
+              <a:t>FnProject</a:t>
+            </a:r>
+            <a:br>
+              <a:rPr lang="en-GB" dirty="0"/>
+            </a:br>
+            <a:r>
+              <a:rPr lang="en-GB" sz="1200" dirty="0">
+                <a:hlinkClick r:id="rId3"/>
+              </a:rPr>
+              <a:t>https://medium.com/criciumadev/serverless-native-java-functions-using-graalvm-and-fn-project-c9b10a4a4859</a:t>
+            </a:r>
+            <a:endParaRPr lang="en-GB" sz="1200" dirty="0"/>
+          </a:p>
+          <a:p>
+            <a:endParaRPr lang="en-GB" dirty="0"/>
+          </a:p>
+          <a:p>
+            <a:r>
+              <a:rPr lang="en-GB" dirty="0"/>
+              <a:t>Microsoft Azure Functions</a:t>
+            </a:r>
+            <a:br>
+              <a:rPr lang="en-GB" dirty="0"/>
+            </a:br>
+            <a:r>
+              <a:rPr lang="en-GB" dirty="0"/>
+              <a:t>Run native (Windows) executables directly</a:t>
+            </a:r>
+            <a:br>
+              <a:rPr lang="en-GB" dirty="0"/>
+            </a:br>
+            <a:r>
+              <a:rPr lang="en-GB" sz="1200" dirty="0">
+                <a:hlinkClick r:id="rId4"/>
+              </a:rPr>
+              <a:t>https://azure.microsoft.com/nl-nl/resources/samples/functions-dotnet-migrating-console-apps/</a:t>
+            </a:r>
+            <a:endParaRPr lang="en-US" dirty="0"/>
+          </a:p>
+        </p:txBody>
+      </p:sp>
+      <p:sp>
+        <p:nvSpPr>
+          <p:cNvPr id="4" name="Footer Placeholder 3">
+            <a:extLst>
+              <a:ext uri="{FF2B5EF4-FFF2-40B4-BE49-F238E27FC236}">
+                <a16:creationId xmlns:a16="http://schemas.microsoft.com/office/drawing/2014/main" id="{ECA947C1-E8F3-43E7-809B-844E3CE88DC7}"/>
+              </a:ext>
+            </a:extLst>
+          </p:cNvPr>
+          <p:cNvSpPr>
+            <a:spLocks noGrp="1"/>
+          </p:cNvSpPr>
+          <p:nvPr>
+            <p:ph type="ftr" sz="quarter" idx="11"/>
+          </p:nvPr>
+        </p:nvSpPr>
+        <p:spPr/>
+        <p:txBody>
+          <a:bodyPr/>
+          <a:lstStyle/>
+          <a:p>
+            <a:r>
+              <a:rPr lang="nl-NL"/>
+              <a:t>Titel van de presentatie</a:t>
+            </a:r>
+          </a:p>
+        </p:txBody>
+      </p:sp>
+      <p:sp>
+        <p:nvSpPr>
+          <p:cNvPr id="5" name="Slide Number Placeholder 4">
+            <a:extLst>
+              <a:ext uri="{FF2B5EF4-FFF2-40B4-BE49-F238E27FC236}">
+                <a16:creationId xmlns:a16="http://schemas.microsoft.com/office/drawing/2014/main" id="{6473271C-EC7C-4EE6-BA96-2C9433A1DF29}"/>
+              </a:ext>
+            </a:extLst>
+          </p:cNvPr>
+          <p:cNvSpPr>
+            <a:spLocks noGrp="1"/>
+          </p:cNvSpPr>
+          <p:nvPr>
+            <p:ph type="sldNum" sz="quarter" idx="12"/>
+          </p:nvPr>
+        </p:nvSpPr>
+        <p:spPr/>
+        <p:txBody>
+          <a:bodyPr/>
+          <a:lstStyle/>
+          <a:p>
+            <a:fld id="{14F1411D-0280-154F-AEAC-4C20B7AA46B2}" type="slidenum">
+              <a:rPr lang="nl-NL" smtClean="0"/>
+              <a:t>18</a:t>
+            </a:fld>
+            <a:endParaRPr lang="nl-NL"/>
+          </a:p>
+        </p:txBody>
+      </p:sp>
+    </p:spTree>
+    <p:extLst>
+      <p:ext uri="{BB962C8B-B14F-4D97-AF65-F5344CB8AC3E}">
+        <p14:creationId xmlns:p14="http://schemas.microsoft.com/office/powerpoint/2010/main" val="1800175040"/>
+      </p:ext>
+    </p:extLst>
+  </p:cSld>
+  <p:clrMapOvr>
+    <a:masterClrMapping/>
+  </p:clrMapOvr>
+</p:sld>
+</file>
+
+<file path=ppt/slides/slide19.xml><?xml version="1.0" encoding="utf-8"?>
+<p:sld xmlns:a="http://schemas.openxmlformats.org/drawingml/2006/main" xmlns:r="http://schemas.openxmlformats.org/officeDocument/2006/relationships" xmlns:p="http://schemas.openxmlformats.org/presentationml/2006/main">
+  <p:cSld>
+    <p:spTree>
+      <p:nvGrpSpPr>
+        <p:cNvPr id="1" name=""/>
+        <p:cNvGrpSpPr/>
+        <p:nvPr/>
+      </p:nvGrpSpPr>
+      <p:grpSpPr>
+        <a:xfrm>
+          <a:off x="0" y="0"/>
+          <a:ext cx="0" cy="0"/>
+          <a:chOff x="0" y="0"/>
+          <a:chExt cx="0" cy="0"/>
+        </a:xfrm>
+      </p:grpSpPr>
+      <p:sp>
+        <p:nvSpPr>
+          <p:cNvPr id="2" name="Title 1">
+            <a:extLst>
+              <a:ext uri="{FF2B5EF4-FFF2-40B4-BE49-F238E27FC236}">
+                <a16:creationId xmlns:a16="http://schemas.microsoft.com/office/drawing/2014/main" id="{237D6A48-50D0-437D-96FD-9C3F5FA514B8}"/>
+              </a:ext>
+            </a:extLst>
+          </p:cNvPr>
+          <p:cNvSpPr>
+            <a:spLocks noGrp="1"/>
+          </p:cNvSpPr>
+          <p:nvPr>
+            <p:ph type="title"/>
+          </p:nvPr>
+        </p:nvSpPr>
+        <p:spPr/>
+        <p:txBody>
+          <a:bodyPr/>
+          <a:lstStyle/>
+          <a:p>
+            <a:r>
+              <a:rPr lang="en-US" dirty="0" err="1"/>
+              <a:t>Quarkus</a:t>
+            </a:r>
+            <a:r>
+              <a:rPr lang="en-US" dirty="0"/>
+              <a:t> limitations</a:t>
+            </a:r>
+          </a:p>
+        </p:txBody>
+      </p:sp>
+      <p:sp>
+        <p:nvSpPr>
+          <p:cNvPr id="3" name="Content Placeholder 2">
+            <a:extLst>
+              <a:ext uri="{FF2B5EF4-FFF2-40B4-BE49-F238E27FC236}">
+                <a16:creationId xmlns:a16="http://schemas.microsoft.com/office/drawing/2014/main" id="{92BB2915-888D-460B-9CC5-F8B5342B15A4}"/>
+              </a:ext>
+            </a:extLst>
+          </p:cNvPr>
+          <p:cNvSpPr>
+            <a:spLocks noGrp="1"/>
+          </p:cNvSpPr>
+          <p:nvPr>
+            <p:ph idx="1"/>
+          </p:nvPr>
+        </p:nvSpPr>
+        <p:spPr>
+          <a:xfrm>
+            <a:off x="720003" y="936000"/>
+            <a:ext cx="7799157" cy="3780000"/>
+          </a:xfrm>
+        </p:spPr>
+        <p:txBody>
+          <a:bodyPr/>
+          <a:lstStyle/>
+          <a:p>
+            <a:endParaRPr lang="en-US" dirty="0"/>
+          </a:p>
+          <a:p>
+            <a:r>
+              <a:rPr lang="en-US" dirty="0"/>
+              <a:t>No full set of EE standards support</a:t>
+            </a:r>
+            <a:br>
+              <a:rPr lang="en-US" dirty="0"/>
+            </a:br>
+            <a:r>
+              <a:rPr lang="en-US" sz="1200" dirty="0"/>
+              <a:t>E.g. limited CDI, no EJBs</a:t>
+            </a:r>
+            <a:endParaRPr lang="en-US" dirty="0"/>
+          </a:p>
+          <a:p>
+            <a:endParaRPr lang="en-GB" dirty="0"/>
+          </a:p>
+          <a:p>
+            <a:r>
+              <a:rPr lang="en-GB" dirty="0"/>
+              <a:t>Caching in very early stages</a:t>
+            </a:r>
+            <a:br>
+              <a:rPr lang="en-GB" dirty="0"/>
+            </a:br>
+            <a:r>
+              <a:rPr lang="en-GB" sz="1200" dirty="0"/>
+              <a:t>https://github.com/hibernate/quarkus-local-cache</a:t>
+            </a:r>
+            <a:endParaRPr lang="en-GB" dirty="0"/>
+          </a:p>
+          <a:p>
+            <a:endParaRPr lang="en-GB" dirty="0"/>
+          </a:p>
+          <a:p>
+            <a:r>
+              <a:rPr lang="en-GB" dirty="0"/>
+              <a:t>‘smells like Red Hat’</a:t>
+            </a:r>
+            <a:br>
+              <a:rPr lang="en-GB" dirty="0"/>
+            </a:br>
+            <a:r>
+              <a:rPr lang="en-GB" sz="1200" dirty="0"/>
+              <a:t>Fedora Docker files, OpenShift</a:t>
+            </a:r>
+            <a:br>
+              <a:rPr lang="en-GB" sz="1200" dirty="0"/>
+            </a:br>
+            <a:r>
+              <a:rPr lang="en-GB" sz="1200" dirty="0"/>
+              <a:t>JBoss/</a:t>
+            </a:r>
+            <a:r>
+              <a:rPr lang="en-GB" sz="1200" dirty="0" err="1"/>
+              <a:t>WildFly</a:t>
+            </a:r>
+            <a:r>
+              <a:rPr lang="en-GB" sz="1200" dirty="0"/>
+              <a:t> libraries: </a:t>
+            </a:r>
+            <a:r>
+              <a:rPr lang="en-GB" sz="1200" dirty="0" err="1"/>
+              <a:t>RESTEasy</a:t>
+            </a:r>
+            <a:r>
+              <a:rPr lang="en-GB" sz="1200" dirty="0"/>
+              <a:t>, </a:t>
+            </a:r>
+            <a:r>
+              <a:rPr lang="en-GB" sz="1200" dirty="0" err="1"/>
+              <a:t>Infinispan</a:t>
+            </a:r>
+            <a:r>
+              <a:rPr lang="en-GB" sz="1200" dirty="0"/>
+              <a:t>, Elytron security</a:t>
+            </a:r>
+          </a:p>
+          <a:p>
+            <a:endParaRPr lang="en-GB" dirty="0"/>
+          </a:p>
+          <a:p>
+            <a:r>
+              <a:rPr lang="en-GB" dirty="0"/>
+              <a:t>No Oracle JDBC driver, no JMS support</a:t>
+            </a:r>
+            <a:br>
+              <a:rPr lang="en-GB" dirty="0"/>
+            </a:br>
+            <a:endParaRPr lang="en-US" dirty="0"/>
+          </a:p>
+        </p:txBody>
+      </p:sp>
+      <p:sp>
+        <p:nvSpPr>
+          <p:cNvPr id="4" name="Footer Placeholder 3">
+            <a:extLst>
+              <a:ext uri="{FF2B5EF4-FFF2-40B4-BE49-F238E27FC236}">
+                <a16:creationId xmlns:a16="http://schemas.microsoft.com/office/drawing/2014/main" id="{B84E6452-0A38-4CEA-8B7E-F02E1F6D9975}"/>
+              </a:ext>
+            </a:extLst>
+          </p:cNvPr>
+          <p:cNvSpPr>
+            <a:spLocks noGrp="1"/>
+          </p:cNvSpPr>
+          <p:nvPr>
+            <p:ph type="ftr" sz="quarter" idx="11"/>
+          </p:nvPr>
+        </p:nvSpPr>
+        <p:spPr/>
+        <p:txBody>
+          <a:bodyPr/>
+          <a:lstStyle/>
+          <a:p>
+            <a:r>
+              <a:rPr lang="nl-NL"/>
+              <a:t>Titel van de presentatie</a:t>
+            </a:r>
+          </a:p>
+        </p:txBody>
+      </p:sp>
+      <p:sp>
+        <p:nvSpPr>
+          <p:cNvPr id="5" name="Slide Number Placeholder 4">
+            <a:extLst>
+              <a:ext uri="{FF2B5EF4-FFF2-40B4-BE49-F238E27FC236}">
+                <a16:creationId xmlns:a16="http://schemas.microsoft.com/office/drawing/2014/main" id="{B3D312AE-165A-4472-B93B-7EA46EF6CA3D}"/>
+              </a:ext>
+            </a:extLst>
+          </p:cNvPr>
+          <p:cNvSpPr>
+            <a:spLocks noGrp="1"/>
+          </p:cNvSpPr>
+          <p:nvPr>
+            <p:ph type="sldNum" sz="quarter" idx="12"/>
+          </p:nvPr>
+        </p:nvSpPr>
+        <p:spPr/>
+        <p:txBody>
+          <a:bodyPr/>
+          <a:lstStyle/>
+          <a:p>
+            <a:fld id="{14F1411D-0280-154F-AEAC-4C20B7AA46B2}" type="slidenum">
+              <a:rPr lang="nl-NL" smtClean="0"/>
+              <a:t>19</a:t>
+            </a:fld>
+            <a:endParaRPr lang="nl-NL"/>
+          </a:p>
+        </p:txBody>
+      </p:sp>
+    </p:spTree>
+    <p:extLst>
+      <p:ext uri="{BB962C8B-B14F-4D97-AF65-F5344CB8AC3E}">
+        <p14:creationId xmlns:p14="http://schemas.microsoft.com/office/powerpoint/2010/main" val="198335208"/>
       </p:ext>
     </p:extLst>
   </p:cSld>
@@ -8279,6 +10366,337 @@
 </file>
 
 <file path=ppt/slides/slide2.xml><?xml version="1.0" encoding="utf-8"?>
+<p:sld xmlns:a="http://schemas.openxmlformats.org/drawingml/2006/main" xmlns:r="http://schemas.openxmlformats.org/officeDocument/2006/relationships" xmlns:p="http://schemas.openxmlformats.org/presentationml/2006/main" show="0">
+  <p:cSld>
+    <p:spTree>
+      <p:nvGrpSpPr>
+        <p:cNvPr id="1" name=""/>
+        <p:cNvGrpSpPr/>
+        <p:nvPr/>
+      </p:nvGrpSpPr>
+      <p:grpSpPr>
+        <a:xfrm>
+          <a:off x="0" y="0"/>
+          <a:ext cx="0" cy="0"/>
+          <a:chOff x="0" y="0"/>
+          <a:chExt cx="0" cy="0"/>
+        </a:xfrm>
+      </p:grpSpPr>
+      <p:pic>
+        <p:nvPicPr>
+          <p:cNvPr id="2" name="Picture 1">
+            <a:extLst>
+              <a:ext uri="{FF2B5EF4-FFF2-40B4-BE49-F238E27FC236}">
+                <a16:creationId xmlns:a16="http://schemas.microsoft.com/office/drawing/2014/main" id="{0C9EC309-AE3C-4B78-972E-1D11F18FD269}"/>
+              </a:ext>
+            </a:extLst>
+          </p:cNvPr>
+          <p:cNvPicPr>
+            <a:picLocks noChangeAspect="1"/>
+          </p:cNvPicPr>
+          <p:nvPr/>
+        </p:nvPicPr>
+        <p:blipFill>
+          <a:blip r:embed="rId2"/>
+          <a:stretch>
+            <a:fillRect/>
+          </a:stretch>
+        </p:blipFill>
+        <p:spPr>
+          <a:xfrm>
+            <a:off x="130372" y="163552"/>
+            <a:ext cx="3205101" cy="1889800"/>
+          </a:xfrm>
+          <a:prstGeom prst="rect">
+            <a:avLst/>
+          </a:prstGeom>
+        </p:spPr>
+      </p:pic>
+      <p:pic>
+        <p:nvPicPr>
+          <p:cNvPr id="3" name="Picture 2">
+            <a:extLst>
+              <a:ext uri="{FF2B5EF4-FFF2-40B4-BE49-F238E27FC236}">
+                <a16:creationId xmlns:a16="http://schemas.microsoft.com/office/drawing/2014/main" id="{68613B9E-47BC-4FCC-9CF3-C9BAA85632DD}"/>
+              </a:ext>
+            </a:extLst>
+          </p:cNvPr>
+          <p:cNvPicPr>
+            <a:picLocks noChangeAspect="1"/>
+          </p:cNvPicPr>
+          <p:nvPr/>
+        </p:nvPicPr>
+        <p:blipFill>
+          <a:blip r:embed="rId3"/>
+          <a:stretch>
+            <a:fillRect/>
+          </a:stretch>
+        </p:blipFill>
+        <p:spPr>
+          <a:xfrm>
+            <a:off x="596478" y="3044334"/>
+            <a:ext cx="1717284" cy="1561540"/>
+          </a:xfrm>
+          <a:prstGeom prst="rect">
+            <a:avLst/>
+          </a:prstGeom>
+        </p:spPr>
+      </p:pic>
+      <p:pic>
+        <p:nvPicPr>
+          <p:cNvPr id="1026" name="Picture 2" descr="Image result for graalvm">
+            <a:extLst>
+              <a:ext uri="{FF2B5EF4-FFF2-40B4-BE49-F238E27FC236}">
+                <a16:creationId xmlns:a16="http://schemas.microsoft.com/office/drawing/2014/main" id="{8BC31669-E222-498B-9DD6-1E78A97F4E2D}"/>
+              </a:ext>
+            </a:extLst>
+          </p:cNvPr>
+          <p:cNvPicPr>
+            <a:picLocks noChangeAspect="1" noChangeArrowheads="1"/>
+          </p:cNvPicPr>
+          <p:nvPr/>
+        </p:nvPicPr>
+        <p:blipFill>
+          <a:blip r:embed="rId4">
+            <a:extLst>
+              <a:ext uri="{28A0092B-C50C-407E-A947-70E740481C1C}">
+                <a14:useLocalDpi xmlns:a14="http://schemas.microsoft.com/office/drawing/2010/main" val="0"/>
+              </a:ext>
+            </a:extLst>
+          </a:blip>
+          <a:srcRect/>
+          <a:stretch>
+            <a:fillRect/>
+          </a:stretch>
+        </p:blipFill>
+        <p:spPr bwMode="auto">
+          <a:xfrm>
+            <a:off x="2459962" y="2213610"/>
+            <a:ext cx="2792336" cy="1253354"/>
+          </a:xfrm>
+          <a:prstGeom prst="rect">
+            <a:avLst/>
+          </a:prstGeom>
+          <a:noFill/>
+          <a:extLst>
+            <a:ext uri="{909E8E84-426E-40DD-AFC4-6F175D3DCCD1}">
+              <a14:hiddenFill xmlns:a14="http://schemas.microsoft.com/office/drawing/2010/main">
+                <a:solidFill>
+                  <a:srgbClr val="FFFFFF"/>
+                </a:solidFill>
+              </a14:hiddenFill>
+            </a:ext>
+          </a:extLst>
+        </p:spPr>
+      </p:pic>
+      <p:pic>
+        <p:nvPicPr>
+          <p:cNvPr id="5" name="Picture 4">
+            <a:extLst>
+              <a:ext uri="{FF2B5EF4-FFF2-40B4-BE49-F238E27FC236}">
+                <a16:creationId xmlns:a16="http://schemas.microsoft.com/office/drawing/2014/main" id="{7C40E8C5-8EF0-4212-8FC7-91D6E2CEE47E}"/>
+              </a:ext>
+            </a:extLst>
+          </p:cNvPr>
+          <p:cNvPicPr>
+            <a:picLocks noChangeAspect="1"/>
+          </p:cNvPicPr>
+          <p:nvPr/>
+        </p:nvPicPr>
+        <p:blipFill>
+          <a:blip r:embed="rId5"/>
+          <a:stretch>
+            <a:fillRect/>
+          </a:stretch>
+        </p:blipFill>
+        <p:spPr>
+          <a:xfrm>
+            <a:off x="4053840" y="381556"/>
+            <a:ext cx="1387960" cy="1453792"/>
+          </a:xfrm>
+          <a:prstGeom prst="rect">
+            <a:avLst/>
+          </a:prstGeom>
+        </p:spPr>
+      </p:pic>
+      <p:pic>
+        <p:nvPicPr>
+          <p:cNvPr id="1028" name="Picture 4" descr="IBM">
+            <a:extLst>
+              <a:ext uri="{FF2B5EF4-FFF2-40B4-BE49-F238E27FC236}">
+                <a16:creationId xmlns:a16="http://schemas.microsoft.com/office/drawing/2014/main" id="{01349DBA-B315-4B4B-96B8-02707B28598D}"/>
+              </a:ext>
+            </a:extLst>
+          </p:cNvPr>
+          <p:cNvPicPr>
+            <a:picLocks noChangeAspect="1" noChangeArrowheads="1"/>
+          </p:cNvPicPr>
+          <p:nvPr/>
+        </p:nvPicPr>
+        <p:blipFill>
+          <a:blip r:embed="rId6">
+            <a:extLst>
+              <a:ext uri="{28A0092B-C50C-407E-A947-70E740481C1C}">
+                <a14:useLocalDpi xmlns:a14="http://schemas.microsoft.com/office/drawing/2010/main" val="0"/>
+              </a:ext>
+            </a:extLst>
+          </a:blip>
+          <a:srcRect/>
+          <a:stretch>
+            <a:fillRect/>
+          </a:stretch>
+        </p:blipFill>
+        <p:spPr bwMode="auto">
+          <a:xfrm>
+            <a:off x="7048500" y="295372"/>
+            <a:ext cx="1310640" cy="595704"/>
+          </a:xfrm>
+          <a:prstGeom prst="rect">
+            <a:avLst/>
+          </a:prstGeom>
+          <a:solidFill>
+            <a:schemeClr val="bg1"/>
+          </a:solidFill>
+        </p:spPr>
+      </p:pic>
+      <p:pic>
+        <p:nvPicPr>
+          <p:cNvPr id="7" name="Picture 6">
+            <a:extLst>
+              <a:ext uri="{FF2B5EF4-FFF2-40B4-BE49-F238E27FC236}">
+                <a16:creationId xmlns:a16="http://schemas.microsoft.com/office/drawing/2014/main" id="{4D5289EE-B661-48D6-891C-48674C4BD4F0}"/>
+              </a:ext>
+            </a:extLst>
+          </p:cNvPr>
+          <p:cNvPicPr>
+            <a:picLocks noChangeAspect="1"/>
+          </p:cNvPicPr>
+          <p:nvPr/>
+        </p:nvPicPr>
+        <p:blipFill>
+          <a:blip r:embed="rId7"/>
+          <a:stretch>
+            <a:fillRect/>
+          </a:stretch>
+        </p:blipFill>
+        <p:spPr>
+          <a:xfrm>
+            <a:off x="3075177" y="3488853"/>
+            <a:ext cx="3318003" cy="672501"/>
+          </a:xfrm>
+          <a:prstGeom prst="rect">
+            <a:avLst/>
+          </a:prstGeom>
+        </p:spPr>
+      </p:pic>
+      <p:pic>
+        <p:nvPicPr>
+          <p:cNvPr id="1030" name="Picture 6" descr="Image result for openshift">
+            <a:extLst>
+              <a:ext uri="{FF2B5EF4-FFF2-40B4-BE49-F238E27FC236}">
+                <a16:creationId xmlns:a16="http://schemas.microsoft.com/office/drawing/2014/main" id="{0FD628F5-9912-4FC7-AF12-934EC4FE8909}"/>
+              </a:ext>
+            </a:extLst>
+          </p:cNvPr>
+          <p:cNvPicPr>
+            <a:picLocks noChangeAspect="1" noChangeArrowheads="1"/>
+          </p:cNvPicPr>
+          <p:nvPr/>
+        </p:nvPicPr>
+        <p:blipFill>
+          <a:blip r:embed="rId8">
+            <a:extLst>
+              <a:ext uri="{28A0092B-C50C-407E-A947-70E740481C1C}">
+                <a14:useLocalDpi xmlns:a14="http://schemas.microsoft.com/office/drawing/2010/main" val="0"/>
+              </a:ext>
+            </a:extLst>
+          </a:blip>
+          <a:srcRect/>
+          <a:stretch>
+            <a:fillRect/>
+          </a:stretch>
+        </p:blipFill>
+        <p:spPr bwMode="auto">
+          <a:xfrm>
+            <a:off x="6300999" y="1392487"/>
+            <a:ext cx="1355302" cy="1447800"/>
+          </a:xfrm>
+          <a:prstGeom prst="rect">
+            <a:avLst/>
+          </a:prstGeom>
+          <a:noFill/>
+          <a:extLst>
+            <a:ext uri="{909E8E84-426E-40DD-AFC4-6F175D3DCCD1}">
+              <a14:hiddenFill xmlns:a14="http://schemas.microsoft.com/office/drawing/2010/main">
+                <a:solidFill>
+                  <a:srgbClr val="FFFFFF"/>
+                </a:solidFill>
+              </a14:hiddenFill>
+            </a:ext>
+          </a:extLst>
+        </p:spPr>
+      </p:pic>
+      <p:pic>
+        <p:nvPicPr>
+          <p:cNvPr id="1032" name="Picture 8" descr="Image result for knative">
+            <a:extLst>
+              <a:ext uri="{FF2B5EF4-FFF2-40B4-BE49-F238E27FC236}">
+                <a16:creationId xmlns:a16="http://schemas.microsoft.com/office/drawing/2014/main" id="{42CC7413-A746-4D17-B9FA-EC120C8B78FD}"/>
+              </a:ext>
+            </a:extLst>
+          </p:cNvPr>
+          <p:cNvPicPr>
+            <a:picLocks noChangeAspect="1" noChangeArrowheads="1"/>
+          </p:cNvPicPr>
+          <p:nvPr/>
+        </p:nvPicPr>
+        <p:blipFill>
+          <a:blip r:embed="rId9">
+            <a:extLst>
+              <a:ext uri="{28A0092B-C50C-407E-A947-70E740481C1C}">
+                <a14:useLocalDpi xmlns:a14="http://schemas.microsoft.com/office/drawing/2010/main" val="0"/>
+              </a:ext>
+            </a:extLst>
+          </a:blip>
+          <a:srcRect/>
+          <a:stretch>
+            <a:fillRect/>
+          </a:stretch>
+        </p:blipFill>
+        <p:spPr bwMode="auto">
+          <a:xfrm>
+            <a:off x="7223760" y="3474158"/>
+            <a:ext cx="1520190" cy="1228590"/>
+          </a:xfrm>
+          <a:prstGeom prst="rect">
+            <a:avLst/>
+          </a:prstGeom>
+          <a:noFill/>
+          <a:extLst>
+            <a:ext uri="{909E8E84-426E-40DD-AFC4-6F175D3DCCD1}">
+              <a14:hiddenFill xmlns:a14="http://schemas.microsoft.com/office/drawing/2010/main">
+                <a:solidFill>
+                  <a:srgbClr val="FFFFFF"/>
+                </a:solidFill>
+              </a14:hiddenFill>
+            </a:ext>
+          </a:extLst>
+        </p:spPr>
+      </p:pic>
+    </p:spTree>
+    <p:extLst>
+      <p:ext uri="{BB962C8B-B14F-4D97-AF65-F5344CB8AC3E}">
+        <p14:creationId xmlns:p14="http://schemas.microsoft.com/office/powerpoint/2010/main" val="1302816571"/>
+      </p:ext>
+    </p:extLst>
+  </p:cSld>
+  <p:clrMapOvr>
+    <a:masterClrMapping/>
+  </p:clrMapOvr>
+</p:sld>
+</file>
+
+<file path=ppt/slides/slide20.xml><?xml version="1.0" encoding="utf-8"?>
 <p:sld xmlns:a="http://schemas.openxmlformats.org/drawingml/2006/main" xmlns:r="http://schemas.openxmlformats.org/officeDocument/2006/relationships" xmlns:p="http://schemas.openxmlformats.org/presentationml/2006/main">
   <p:cSld>
     <p:spTree>
@@ -8297,309 +10715,256 @@
       </p:grpSpPr>
       <p:pic>
         <p:nvPicPr>
-          <p:cNvPr id="2" name="Picture 1">
+          <p:cNvPr id="2" name="Picture Placeholder 6">
             <a:extLst>
               <a:ext uri="{FF2B5EF4-FFF2-40B4-BE49-F238E27FC236}">
-                <a16:creationId xmlns:a16="http://schemas.microsoft.com/office/drawing/2014/main" id="{0C9EC309-AE3C-4B78-972E-1D11F18FD269}"/>
+                <a16:creationId xmlns:a16="http://schemas.microsoft.com/office/drawing/2014/main" id="{523AF2E7-F04C-4FDF-BC0D-08056D3DC6FC}"/>
               </a:ext>
             </a:extLst>
           </p:cNvPr>
-          <p:cNvPicPr>
-            <a:picLocks noChangeAspect="1"/>
-          </p:cNvPicPr>
+          <p:cNvPicPr/>
           <p:nvPr/>
         </p:nvPicPr>
         <p:blipFill>
           <a:blip r:embed="rId2"/>
-          <a:stretch>
-            <a:fillRect/>
-          </a:stretch>
+          <a:stretch/>
         </p:blipFill>
         <p:spPr>
           <a:xfrm>
-            <a:off x="130372" y="163552"/>
-            <a:ext cx="3205101" cy="1889800"/>
+            <a:off x="6850930" y="816068"/>
+            <a:ext cx="2293070" cy="3499760"/>
           </a:xfrm>
           <a:prstGeom prst="rect">
             <a:avLst/>
           </a:prstGeom>
+          <a:ln w="9360">
+            <a:solidFill>
+              <a:schemeClr val="bg1"/>
+            </a:solidFill>
+            <a:round/>
+          </a:ln>
         </p:spPr>
       </p:pic>
-      <p:pic>
-        <p:nvPicPr>
-          <p:cNvPr id="3" name="Picture 2">
+      <p:sp>
+        <p:nvSpPr>
+          <p:cNvPr id="3" name="CustomShape 2">
             <a:extLst>
               <a:ext uri="{FF2B5EF4-FFF2-40B4-BE49-F238E27FC236}">
-                <a16:creationId xmlns:a16="http://schemas.microsoft.com/office/drawing/2014/main" id="{68613B9E-47BC-4FCC-9CF3-C9BAA85632DD}"/>
+                <a16:creationId xmlns:a16="http://schemas.microsoft.com/office/drawing/2014/main" id="{FDFAB5C5-6731-42FB-BCB9-350B21D4E848}"/>
               </a:ext>
             </a:extLst>
           </p:cNvPr>
-          <p:cNvPicPr>
-            <a:picLocks noChangeAspect="1"/>
-          </p:cNvPicPr>
+          <p:cNvSpPr/>
           <p:nvPr/>
-        </p:nvPicPr>
-        <p:blipFill>
-          <a:blip r:embed="rId3"/>
-          <a:stretch>
-            <a:fillRect/>
-          </a:stretch>
-        </p:blipFill>
+        </p:nvSpPr>
         <p:spPr>
           <a:xfrm>
-            <a:off x="596478" y="3044334"/>
-            <a:ext cx="1717284" cy="1561540"/>
-          </a:xfrm>
-          <a:prstGeom prst="rect">
-            <a:avLst/>
-          </a:prstGeom>
-        </p:spPr>
-      </p:pic>
-      <p:pic>
-        <p:nvPicPr>
-          <p:cNvPr id="1026" name="Picture 2" descr="Image result for graalvm">
-            <a:extLst>
-              <a:ext uri="{FF2B5EF4-FFF2-40B4-BE49-F238E27FC236}">
-                <a16:creationId xmlns:a16="http://schemas.microsoft.com/office/drawing/2014/main" id="{8BC31669-E222-498B-9DD6-1E78A97F4E2D}"/>
-              </a:ext>
-            </a:extLst>
-          </p:cNvPr>
-          <p:cNvPicPr>
-            <a:picLocks noChangeAspect="1" noChangeArrowheads="1"/>
-          </p:cNvPicPr>
-          <p:nvPr/>
-        </p:nvPicPr>
-        <p:blipFill>
-          <a:blip r:embed="rId4">
-            <a:extLst>
-              <a:ext uri="{28A0092B-C50C-407E-A947-70E740481C1C}">
-                <a14:useLocalDpi xmlns:a14="http://schemas.microsoft.com/office/drawing/2010/main" val="0"/>
-              </a:ext>
-            </a:extLst>
-          </a:blip>
-          <a:srcRect/>
-          <a:stretch>
-            <a:fillRect/>
-          </a:stretch>
-        </p:blipFill>
-        <p:spPr bwMode="auto">
-          <a:xfrm>
-            <a:off x="2459962" y="2213610"/>
-            <a:ext cx="2792336" cy="1253354"/>
+            <a:off x="2478389" y="2352335"/>
+            <a:ext cx="2734290" cy="438830"/>
           </a:xfrm>
           <a:prstGeom prst="rect">
             <a:avLst/>
           </a:prstGeom>
           <a:noFill/>
-          <a:extLst>
-            <a:ext uri="{909E8E84-426E-40DD-AFC4-6F175D3DCCD1}">
-              <a14:hiddenFill xmlns:a14="http://schemas.microsoft.com/office/drawing/2010/main">
+          <a:ln>
+            <a:noFill/>
+          </a:ln>
+        </p:spPr>
+        <p:style>
+          <a:lnRef idx="0">
+            <a:scrgbClr r="0" g="0" b="0"/>
+          </a:lnRef>
+          <a:fillRef idx="0">
+            <a:scrgbClr r="0" g="0" b="0"/>
+          </a:fillRef>
+          <a:effectRef idx="0">
+            <a:scrgbClr r="0" g="0" b="0"/>
+          </a:effectRef>
+          <a:fontRef idx="minor"/>
+        </p:style>
+        <p:txBody>
+          <a:bodyPr lIns="0" tIns="0" rIns="0" bIns="0"/>
+          <a:lstStyle/>
+          <a:p>
+            <a:pPr>
+              <a:lnSpc>
+                <a:spcPct val="120000"/>
+              </a:lnSpc>
+            </a:pPr>
+            <a:r>
+              <a:rPr lang="en-US" sz="2400" spc="-1" dirty="0">
                 <a:solidFill>
                   <a:srgbClr val="FFFFFF"/>
                 </a:solidFill>
-              </a14:hiddenFill>
-            </a:ext>
-          </a:extLst>
-        </p:spPr>
-      </p:pic>
-      <p:pic>
-        <p:nvPicPr>
-          <p:cNvPr id="5" name="Picture 4">
+                <a:latin typeface="Arial"/>
+                <a:ea typeface="DejaVu Sans"/>
+              </a:rPr>
+              <a:t>Hands-on</a:t>
+            </a:r>
+            <a:endParaRPr lang="en-US" sz="2400" spc="-1" dirty="0">
+              <a:latin typeface="Arial"/>
+            </a:endParaRPr>
+          </a:p>
+        </p:txBody>
+      </p:sp>
+      <p:sp>
+        <p:nvSpPr>
+          <p:cNvPr id="4" name="CustomShape 2">
             <a:extLst>
               <a:ext uri="{FF2B5EF4-FFF2-40B4-BE49-F238E27FC236}">
-                <a16:creationId xmlns:a16="http://schemas.microsoft.com/office/drawing/2014/main" id="{7C40E8C5-8EF0-4212-8FC7-91D6E2CEE47E}"/>
+                <a16:creationId xmlns:a16="http://schemas.microsoft.com/office/drawing/2014/main" id="{18D08DDF-914D-407C-A188-1C78A87DC0B1}"/>
               </a:ext>
             </a:extLst>
           </p:cNvPr>
-          <p:cNvPicPr>
-            <a:picLocks noChangeAspect="1"/>
-          </p:cNvPicPr>
+          <p:cNvSpPr/>
           <p:nvPr/>
-        </p:nvPicPr>
-        <p:blipFill>
-          <a:blip r:embed="rId5"/>
-          <a:stretch>
-            <a:fillRect/>
-          </a:stretch>
-        </p:blipFill>
+        </p:nvSpPr>
         <p:spPr>
           <a:xfrm>
-            <a:off x="4053840" y="381556"/>
-            <a:ext cx="1387960" cy="1453792"/>
-          </a:xfrm>
-          <a:prstGeom prst="rect">
-            <a:avLst/>
-          </a:prstGeom>
-        </p:spPr>
-      </p:pic>
-      <p:pic>
-        <p:nvPicPr>
-          <p:cNvPr id="1028" name="Picture 4" descr="IBM">
-            <a:extLst>
-              <a:ext uri="{FF2B5EF4-FFF2-40B4-BE49-F238E27FC236}">
-                <a16:creationId xmlns:a16="http://schemas.microsoft.com/office/drawing/2014/main" id="{01349DBA-B315-4B4B-96B8-02707B28598D}"/>
-              </a:ext>
-            </a:extLst>
-          </p:cNvPr>
-          <p:cNvPicPr>
-            <a:picLocks noChangeAspect="1" noChangeArrowheads="1"/>
-          </p:cNvPicPr>
-          <p:nvPr/>
-        </p:nvPicPr>
-        <p:blipFill>
-          <a:blip r:embed="rId6">
-            <a:extLst>
-              <a:ext uri="{28A0092B-C50C-407E-A947-70E740481C1C}">
-                <a14:useLocalDpi xmlns:a14="http://schemas.microsoft.com/office/drawing/2010/main" val="0"/>
-              </a:ext>
-            </a:extLst>
-          </a:blip>
-          <a:srcRect/>
-          <a:stretch>
-            <a:fillRect/>
-          </a:stretch>
-        </p:blipFill>
-        <p:spPr bwMode="auto">
-          <a:xfrm>
-            <a:off x="7048500" y="295372"/>
-            <a:ext cx="1310640" cy="595704"/>
-          </a:xfrm>
-          <a:prstGeom prst="rect">
-            <a:avLst/>
-          </a:prstGeom>
-          <a:solidFill>
-            <a:schemeClr val="bg1"/>
-          </a:solidFill>
-        </p:spPr>
-      </p:pic>
-      <p:pic>
-        <p:nvPicPr>
-          <p:cNvPr id="7" name="Picture 6">
-            <a:extLst>
-              <a:ext uri="{FF2B5EF4-FFF2-40B4-BE49-F238E27FC236}">
-                <a16:creationId xmlns:a16="http://schemas.microsoft.com/office/drawing/2014/main" id="{4D5289EE-B661-48D6-891C-48674C4BD4F0}"/>
-              </a:ext>
-            </a:extLst>
-          </p:cNvPr>
-          <p:cNvPicPr>
-            <a:picLocks noChangeAspect="1"/>
-          </p:cNvPicPr>
-          <p:nvPr/>
-        </p:nvPicPr>
-        <p:blipFill>
-          <a:blip r:embed="rId7"/>
-          <a:stretch>
-            <a:fillRect/>
-          </a:stretch>
-        </p:blipFill>
-        <p:spPr>
-          <a:xfrm>
-            <a:off x="3075177" y="3488853"/>
-            <a:ext cx="3318003" cy="672501"/>
-          </a:xfrm>
-          <a:prstGeom prst="rect">
-            <a:avLst/>
-          </a:prstGeom>
-        </p:spPr>
-      </p:pic>
-      <p:pic>
-        <p:nvPicPr>
-          <p:cNvPr id="1030" name="Picture 6" descr="Image result for openshift">
-            <a:extLst>
-              <a:ext uri="{FF2B5EF4-FFF2-40B4-BE49-F238E27FC236}">
-                <a16:creationId xmlns:a16="http://schemas.microsoft.com/office/drawing/2014/main" id="{0FD628F5-9912-4FC7-AF12-934EC4FE8909}"/>
-              </a:ext>
-            </a:extLst>
-          </p:cNvPr>
-          <p:cNvPicPr>
-            <a:picLocks noChangeAspect="1" noChangeArrowheads="1"/>
-          </p:cNvPicPr>
-          <p:nvPr/>
-        </p:nvPicPr>
-        <p:blipFill>
-          <a:blip r:embed="rId8">
-            <a:extLst>
-              <a:ext uri="{28A0092B-C50C-407E-A947-70E740481C1C}">
-                <a14:useLocalDpi xmlns:a14="http://schemas.microsoft.com/office/drawing/2010/main" val="0"/>
-              </a:ext>
-            </a:extLst>
-          </a:blip>
-          <a:srcRect/>
-          <a:stretch>
-            <a:fillRect/>
-          </a:stretch>
-        </p:blipFill>
-        <p:spPr bwMode="auto">
-          <a:xfrm>
-            <a:off x="6300999" y="1392487"/>
-            <a:ext cx="1355302" cy="1447800"/>
+            <a:off x="4968000" y="5004000"/>
+            <a:ext cx="3227760" cy="95760"/>
           </a:xfrm>
           <a:prstGeom prst="rect">
             <a:avLst/>
           </a:prstGeom>
           <a:noFill/>
-          <a:extLst>
-            <a:ext uri="{909E8E84-426E-40DD-AFC4-6F175D3DCCD1}">
-              <a14:hiddenFill xmlns:a14="http://schemas.microsoft.com/office/drawing/2010/main">
+          <a:ln>
+            <a:noFill/>
+          </a:ln>
+        </p:spPr>
+        <p:style>
+          <a:lnRef idx="0">
+            <a:scrgbClr r="0" g="0" b="0"/>
+          </a:lnRef>
+          <a:fillRef idx="0">
+            <a:scrgbClr r="0" g="0" b="0"/>
+          </a:fillRef>
+          <a:effectRef idx="0">
+            <a:scrgbClr r="0" g="0" b="0"/>
+          </a:effectRef>
+          <a:fontRef idx="minor"/>
+        </p:style>
+        <p:txBody>
+          <a:bodyPr lIns="0" tIns="0" rIns="0" bIns="0"/>
+          <a:lstStyle/>
+          <a:p>
+            <a:pPr algn="r"/>
+            <a:r>
+              <a:rPr lang="en-US" sz="600" spc="-1" dirty="0">
                 <a:solidFill>
                   <a:srgbClr val="FFFFFF"/>
                 </a:solidFill>
-              </a14:hiddenFill>
-            </a:ext>
-          </a:extLst>
-        </p:spPr>
-      </p:pic>
-      <p:pic>
-        <p:nvPicPr>
-          <p:cNvPr id="1032" name="Picture 8" descr="Image result for knative">
+                <a:ea typeface="DejaVu Sans"/>
+              </a:rPr>
+              <a:t>Microservices with </a:t>
+            </a:r>
+            <a:r>
+              <a:rPr lang="en-US" sz="600" spc="-1" dirty="0" err="1">
+                <a:solidFill>
+                  <a:srgbClr val="FFFFFF"/>
+                </a:solidFill>
+                <a:ea typeface="DejaVu Sans"/>
+              </a:rPr>
+              <a:t>GraalVM</a:t>
+            </a:r>
+            <a:r>
+              <a:rPr lang="en-US" sz="600" spc="-1" dirty="0">
+                <a:solidFill>
+                  <a:srgbClr val="FFFFFF"/>
+                </a:solidFill>
+                <a:ea typeface="DejaVu Sans"/>
+              </a:rPr>
+              <a:t> &amp; </a:t>
+            </a:r>
+            <a:r>
+              <a:rPr lang="en-US" sz="600" spc="-1" dirty="0" err="1">
+                <a:solidFill>
+                  <a:srgbClr val="FFFFFF"/>
+                </a:solidFill>
+                <a:ea typeface="DejaVu Sans"/>
+              </a:rPr>
+              <a:t>Quarkus</a:t>
+            </a:r>
+            <a:endParaRPr lang="en-US" sz="600" spc="-1" dirty="0"/>
+          </a:p>
+          <a:p>
+            <a:pPr algn="r">
+              <a:lnSpc>
+                <a:spcPct val="100000"/>
+              </a:lnSpc>
+            </a:pPr>
+            <a:endParaRPr lang="en-US" sz="600" spc="-1" dirty="0">
+              <a:latin typeface="Arial"/>
+            </a:endParaRPr>
+          </a:p>
+        </p:txBody>
+      </p:sp>
+      <p:sp>
+        <p:nvSpPr>
+          <p:cNvPr id="5" name="CustomShape 3">
             <a:extLst>
               <a:ext uri="{FF2B5EF4-FFF2-40B4-BE49-F238E27FC236}">
-                <a16:creationId xmlns:a16="http://schemas.microsoft.com/office/drawing/2014/main" id="{42CC7413-A746-4D17-B9FA-EC120C8B78FD}"/>
+                <a16:creationId xmlns:a16="http://schemas.microsoft.com/office/drawing/2014/main" id="{34694A8F-3DF8-4121-8C33-527DBF03A5EA}"/>
               </a:ext>
             </a:extLst>
           </p:cNvPr>
-          <p:cNvPicPr>
-            <a:picLocks noChangeAspect="1" noChangeArrowheads="1"/>
-          </p:cNvPicPr>
+          <p:cNvSpPr/>
           <p:nvPr/>
-        </p:nvPicPr>
-        <p:blipFill>
-          <a:blip r:embed="rId9">
-            <a:extLst>
-              <a:ext uri="{28A0092B-C50C-407E-A947-70E740481C1C}">
-                <a14:useLocalDpi xmlns:a14="http://schemas.microsoft.com/office/drawing/2010/main" val="0"/>
-              </a:ext>
-            </a:extLst>
-          </a:blip>
-          <a:srcRect/>
-          <a:stretch>
-            <a:fillRect/>
-          </a:stretch>
-        </p:blipFill>
-        <p:spPr bwMode="auto">
-          <a:xfrm>
-            <a:off x="7223760" y="3474158"/>
-            <a:ext cx="1520190" cy="1228590"/>
+        </p:nvSpPr>
+        <p:spPr>
+          <a:xfrm>
+            <a:off x="8280000" y="5004000"/>
+            <a:ext cx="131760" cy="95760"/>
           </a:xfrm>
           <a:prstGeom prst="rect">
             <a:avLst/>
           </a:prstGeom>
           <a:noFill/>
-          <a:extLst>
-            <a:ext uri="{909E8E84-426E-40DD-AFC4-6F175D3DCCD1}">
-              <a14:hiddenFill xmlns:a14="http://schemas.microsoft.com/office/drawing/2010/main">
+          <a:ln>
+            <a:noFill/>
+          </a:ln>
+        </p:spPr>
+        <p:style>
+          <a:lnRef idx="0">
+            <a:scrgbClr r="0" g="0" b="0"/>
+          </a:lnRef>
+          <a:fillRef idx="0">
+            <a:scrgbClr r="0" g="0" b="0"/>
+          </a:fillRef>
+          <a:effectRef idx="0">
+            <a:scrgbClr r="0" g="0" b="0"/>
+          </a:effectRef>
+          <a:fontRef idx="minor"/>
+        </p:style>
+        <p:txBody>
+          <a:bodyPr lIns="0" tIns="0" rIns="0" bIns="0"/>
+          <a:lstStyle/>
+          <a:p>
+            <a:pPr algn="r">
+              <a:lnSpc>
+                <a:spcPct val="100000"/>
+              </a:lnSpc>
+            </a:pPr>
+            <a:fld id="{057B226F-AE21-48F5-95C0-A8FDEB7B91DB}" type="slidenum">
+              <a:rPr lang="en-US" sz="600" spc="-1">
                 <a:solidFill>
                   <a:srgbClr val="FFFFFF"/>
                 </a:solidFill>
-              </a14:hiddenFill>
-            </a:ext>
-          </a:extLst>
-        </p:spPr>
-      </p:pic>
+                <a:latin typeface="Arial"/>
+                <a:ea typeface="DejaVu Sans"/>
+              </a:rPr>
+              <a:t>20</a:t>
+            </a:fld>
+            <a:endParaRPr lang="en-US" sz="600" spc="-1">
+              <a:latin typeface="Arial"/>
+            </a:endParaRPr>
+          </a:p>
+        </p:txBody>
+      </p:sp>
     </p:spTree>
     <p:extLst>
       <p:ext uri="{BB962C8B-B14F-4D97-AF65-F5344CB8AC3E}">
-        <p14:creationId xmlns:p14="http://schemas.microsoft.com/office/powerpoint/2010/main" val="1302816571"/>
+        <p14:creationId xmlns:p14="http://schemas.microsoft.com/office/powerpoint/2010/main" val="2206085251"/>
       </p:ext>
     </p:extLst>
   </p:cSld>
@@ -8631,7 +10996,7 @@
           <p:cNvPr id="2" name="Title 1">
             <a:extLst>
               <a:ext uri="{FF2B5EF4-FFF2-40B4-BE49-F238E27FC236}">
-                <a16:creationId xmlns:a16="http://schemas.microsoft.com/office/drawing/2014/main" id="{AB576CAE-E961-4C96-94A7-615F962FBABE}"/>
+                <a16:creationId xmlns:a16="http://schemas.microsoft.com/office/drawing/2014/main" id="{3684E250-0611-4BDC-A2F9-CBDBE5F9F2B9}"/>
               </a:ext>
             </a:extLst>
           </p:cNvPr>
@@ -8642,14 +11007,219 @@
             <p:ph type="title"/>
           </p:nvPr>
         </p:nvSpPr>
-        <p:spPr/>
+        <p:spPr>
+          <a:xfrm>
+            <a:off x="719999" y="427500"/>
+            <a:ext cx="6624000" cy="504000"/>
+          </a:xfrm>
+        </p:spPr>
         <p:txBody>
           <a:bodyPr/>
           <a:lstStyle/>
           <a:p>
             <a:r>
+              <a:rPr lang="en-US" dirty="0" err="1"/>
+              <a:t>Quarkus</a:t>
+            </a:r>
+            <a:br>
+              <a:rPr lang="en-US" sz="1600" dirty="0"/>
+            </a:br>
+            <a:endParaRPr lang="en-US" dirty="0"/>
+          </a:p>
+        </p:txBody>
+      </p:sp>
+      <p:sp>
+        <p:nvSpPr>
+          <p:cNvPr id="3" name="Content Placeholder 2">
+            <a:extLst>
+              <a:ext uri="{FF2B5EF4-FFF2-40B4-BE49-F238E27FC236}">
+                <a16:creationId xmlns:a16="http://schemas.microsoft.com/office/drawing/2014/main" id="{3DF0DD48-EE91-4768-BE1B-61954B476184}"/>
+              </a:ext>
+            </a:extLst>
+          </p:cNvPr>
+          <p:cNvSpPr>
+            <a:spLocks noGrp="1"/>
+          </p:cNvSpPr>
+          <p:nvPr>
+            <p:ph idx="1"/>
+          </p:nvPr>
+        </p:nvSpPr>
+        <p:spPr>
+          <a:xfrm>
+            <a:off x="720003" y="2013949"/>
+            <a:ext cx="6623999" cy="2476273"/>
+          </a:xfrm>
+        </p:spPr>
+        <p:txBody>
+          <a:bodyPr numCol="2"/>
+          <a:lstStyle/>
+          <a:p>
+            <a:r>
+              <a:rPr lang="en-US" b="1" dirty="0"/>
+              <a:t>Full stack</a:t>
+            </a:r>
+            <a:br>
               <a:rPr lang="en-US" dirty="0"/>
-              <a:t>Full stack best of breed</a:t>
+            </a:br>
+            <a:r>
+              <a:rPr lang="en-US" sz="1200" dirty="0"/>
+              <a:t>Though focus on backend</a:t>
+            </a:r>
+          </a:p>
+          <a:p>
+            <a:endParaRPr lang="en-US" dirty="0"/>
+          </a:p>
+          <a:p>
+            <a:r>
+              <a:rPr lang="en-US" b="1" dirty="0"/>
+              <a:t>Using familiar APIs </a:t>
+            </a:r>
+            <a:br>
+              <a:rPr lang="en-US" b="1" dirty="0"/>
+            </a:br>
+            <a:r>
+              <a:rPr lang="en-US" sz="1200" dirty="0"/>
+              <a:t>like JAX-RS, JPA, </a:t>
+            </a:r>
+            <a:r>
+              <a:rPr lang="en-US" sz="1200" dirty="0" err="1"/>
+              <a:t>Microprofile</a:t>
+            </a:r>
+            <a:r>
+              <a:rPr lang="en-US" sz="1200" dirty="0"/>
+              <a:t> metrics</a:t>
+            </a:r>
+            <a:br>
+              <a:rPr lang="en-US" sz="1200" dirty="0"/>
+            </a:br>
+            <a:endParaRPr lang="en-US" dirty="0"/>
+          </a:p>
+          <a:p>
+            <a:r>
+              <a:rPr lang="en-US" b="1" dirty="0"/>
+              <a:t>Container first</a:t>
+            </a:r>
+            <a:br>
+              <a:rPr lang="en-US" dirty="0"/>
+            </a:br>
+            <a:r>
+              <a:rPr lang="en-US" sz="1200" dirty="0"/>
+              <a:t>Easy containerization</a:t>
+            </a:r>
+            <a:br>
+              <a:rPr lang="en-US" sz="1200" dirty="0"/>
+            </a:br>
+            <a:r>
+              <a:rPr lang="en-US" sz="1200" dirty="0"/>
+              <a:t>Kubernetes API, resource generation</a:t>
+            </a:r>
+            <a:br>
+              <a:rPr lang="en-US" sz="1200" dirty="0"/>
+            </a:br>
+            <a:r>
+              <a:rPr lang="en-US" sz="1200" dirty="0" err="1"/>
+              <a:t>Quickstarts</a:t>
+            </a:r>
+            <a:r>
+              <a:rPr lang="en-US" sz="1200" dirty="0"/>
+              <a:t> for </a:t>
+            </a:r>
+            <a:r>
+              <a:rPr lang="en-US" sz="1200" dirty="0" err="1"/>
+              <a:t>Knative</a:t>
+            </a:r>
+            <a:r>
+              <a:rPr lang="en-US" sz="1200" dirty="0"/>
+              <a:t>, </a:t>
+            </a:r>
+            <a:r>
+              <a:rPr lang="en-US" sz="1200" dirty="0" err="1"/>
+              <a:t>Openshift</a:t>
+            </a:r>
+            <a:endParaRPr lang="en-US" sz="1200" dirty="0"/>
+          </a:p>
+          <a:p>
+            <a:endParaRPr lang="en-US" b="1" dirty="0"/>
+          </a:p>
+          <a:p>
+            <a:r>
+              <a:rPr lang="en-US" b="1" dirty="0"/>
+              <a:t>Fast</a:t>
+            </a:r>
+            <a:br>
+              <a:rPr lang="en-US" dirty="0"/>
+            </a:br>
+            <a:r>
+              <a:rPr lang="en-US" sz="1200" dirty="0" err="1"/>
+              <a:t>Fast</a:t>
+            </a:r>
+            <a:r>
+              <a:rPr lang="en-US" sz="1200" dirty="0"/>
+              <a:t> to start, fast to respond to requests</a:t>
+            </a:r>
+            <a:br>
+              <a:rPr lang="en-US" sz="1200" dirty="0"/>
+            </a:br>
+            <a:endParaRPr lang="en-US" sz="1200" dirty="0"/>
+          </a:p>
+          <a:p>
+            <a:r>
+              <a:rPr lang="en-US" b="1" dirty="0"/>
+              <a:t>Ready for native compilation</a:t>
+            </a:r>
+            <a:br>
+              <a:rPr lang="en-US" b="1" dirty="0"/>
+            </a:br>
+            <a:endParaRPr lang="en-US" sz="1200" b="1" dirty="0"/>
+          </a:p>
+          <a:p>
+            <a:endParaRPr lang="en-US" dirty="0"/>
+          </a:p>
+          <a:p>
+            <a:r>
+              <a:rPr lang="en-US" b="1" dirty="0"/>
+              <a:t>Focus on developer experience</a:t>
+            </a:r>
+            <a:br>
+              <a:rPr lang="en-US" dirty="0"/>
+            </a:br>
+            <a:r>
+              <a:rPr lang="en-US" dirty="0"/>
+              <a:t>Live reload, a lot OOTB features</a:t>
+            </a:r>
+          </a:p>
+          <a:p>
+            <a:endParaRPr lang="en-US" dirty="0"/>
+          </a:p>
+          <a:p>
+            <a:endParaRPr lang="en-US" dirty="0"/>
+          </a:p>
+        </p:txBody>
+      </p:sp>
+      <p:sp>
+        <p:nvSpPr>
+          <p:cNvPr id="4" name="Footer Placeholder 3">
+            <a:extLst>
+              <a:ext uri="{FF2B5EF4-FFF2-40B4-BE49-F238E27FC236}">
+                <a16:creationId xmlns:a16="http://schemas.microsoft.com/office/drawing/2014/main" id="{DB7314F5-75E1-4AFD-A6CD-AD3243792D3E}"/>
+              </a:ext>
+            </a:extLst>
+          </p:cNvPr>
+          <p:cNvSpPr>
+            <a:spLocks noGrp="1"/>
+          </p:cNvSpPr>
+          <p:nvPr>
+            <p:ph type="ftr" sz="quarter" idx="11"/>
+          </p:nvPr>
+        </p:nvSpPr>
+        <p:spPr/>
+        <p:txBody>
+          <a:bodyPr/>
+          <a:lstStyle/>
+          <a:p>
+            <a:r>
+              <a:rPr lang="nl-NL"/>
+              <a:t>Titel van de presentatie</a:t>
             </a:r>
           </a:p>
         </p:txBody>
@@ -8659,7 +11229,7 @@
           <p:cNvPr id="5" name="Slide Number Placeholder 4">
             <a:extLst>
               <a:ext uri="{FF2B5EF4-FFF2-40B4-BE49-F238E27FC236}">
-                <a16:creationId xmlns:a16="http://schemas.microsoft.com/office/drawing/2014/main" id="{BE6A3620-BD36-4594-B273-35B536CFEDF9}"/>
+                <a16:creationId xmlns:a16="http://schemas.microsoft.com/office/drawing/2014/main" id="{4B1117AD-7198-42BE-AAEC-55150F37DE14}"/>
               </a:ext>
             </a:extLst>
           </p:cNvPr>
@@ -8685,10 +11255,10 @@
       </p:sp>
       <p:pic>
         <p:nvPicPr>
-          <p:cNvPr id="7" name="Picture 6">
+          <p:cNvPr id="6" name="Picture 5">
             <a:extLst>
               <a:ext uri="{FF2B5EF4-FFF2-40B4-BE49-F238E27FC236}">
-                <a16:creationId xmlns:a16="http://schemas.microsoft.com/office/drawing/2014/main" id="{2AF55260-5700-4AD1-8596-BF6AC410268D}"/>
+                <a16:creationId xmlns:a16="http://schemas.microsoft.com/office/drawing/2014/main" id="{51DA60A8-4327-4831-BEB7-746D2EE4FBC7}"/>
               </a:ext>
             </a:extLst>
           </p:cNvPr>
@@ -8705,8 +11275,8 @@
         </p:blipFill>
         <p:spPr>
           <a:xfrm>
-            <a:off x="-14234" y="906967"/>
-            <a:ext cx="9172468" cy="3561776"/>
+            <a:off x="7263161" y="101139"/>
+            <a:ext cx="1822412" cy="1074536"/>
           </a:xfrm>
           <a:prstGeom prst="rect">
             <a:avLst/>
@@ -8715,60 +11285,63 @@
       </p:pic>
       <p:sp>
         <p:nvSpPr>
-          <p:cNvPr id="8" name="Rectangle 7">
+          <p:cNvPr id="7" name="TextBox 6">
             <a:extLst>
               <a:ext uri="{FF2B5EF4-FFF2-40B4-BE49-F238E27FC236}">
-                <a16:creationId xmlns:a16="http://schemas.microsoft.com/office/drawing/2014/main" id="{3E4875A6-A386-42EE-9CBC-21A0790CEDF4}"/>
+                <a16:creationId xmlns:a16="http://schemas.microsoft.com/office/drawing/2014/main" id="{6E37DC63-E0E0-4C9E-978E-25306EC2EBD5}"/>
               </a:ext>
             </a:extLst>
           </p:cNvPr>
-          <p:cNvSpPr/>
+          <p:cNvSpPr txBox="1"/>
           <p:nvPr/>
         </p:nvSpPr>
         <p:spPr>
           <a:xfrm>
-            <a:off x="-14234" y="4408448"/>
-            <a:ext cx="9172468" cy="557561"/>
+            <a:off x="720003" y="1199127"/>
+            <a:ext cx="7554139" cy="430887"/>
           </a:xfrm>
           <a:prstGeom prst="rect">
             <a:avLst/>
           </a:prstGeom>
-          <a:solidFill>
-            <a:schemeClr val="tx1"/>
-          </a:solidFill>
-          <a:ln>
-            <a:noFill/>
-          </a:ln>
-        </p:spPr>
-        <p:style>
-          <a:lnRef idx="2">
-            <a:schemeClr val="accent1">
-              <a:shade val="50000"/>
-            </a:schemeClr>
-          </a:lnRef>
-          <a:fillRef idx="1">
-            <a:schemeClr val="accent1"/>
-          </a:fillRef>
-          <a:effectRef idx="0">
-            <a:schemeClr val="accent1"/>
-          </a:effectRef>
-          <a:fontRef idx="minor">
-            <a:schemeClr val="lt1"/>
-          </a:fontRef>
-        </p:style>
-        <p:txBody>
-          <a:bodyPr rtlCol="0" anchor="ctr"/>
+          <a:noFill/>
+        </p:spPr>
+        <p:txBody>
+          <a:bodyPr wrap="square" lIns="0" tIns="0" rIns="0" bIns="0" rtlCol="0">
+            <a:spAutoFit/>
+          </a:bodyPr>
           <a:lstStyle/>
           <a:p>
-            <a:pPr algn="ctr"/>
-            <a:endParaRPr lang="en-US"/>
+            <a:r>
+              <a:rPr lang="en-GB" sz="1400" dirty="0"/>
+              <a:t>A Kubernetes Native Java stack tailored for </a:t>
+            </a:r>
+            <a:r>
+              <a:rPr lang="en-GB" sz="1400" dirty="0" err="1"/>
+              <a:t>GraalVM</a:t>
+            </a:r>
+            <a:r>
+              <a:rPr lang="en-GB" sz="1400" dirty="0"/>
+              <a:t> &amp; OpenJDK </a:t>
+            </a:r>
+            <a:r>
+              <a:rPr lang="en-GB" sz="1400" dirty="0" err="1"/>
+              <a:t>HotSpot</a:t>
+            </a:r>
+            <a:br>
+              <a:rPr lang="en-GB" sz="1400" dirty="0"/>
+            </a:br>
+            <a:r>
+              <a:rPr lang="en-GB" sz="1400" dirty="0"/>
+              <a:t>crafted from the best of breed Java libraries and standards</a:t>
+            </a:r>
+            <a:endParaRPr lang="en-US" sz="1300" dirty="0" err="1"/>
           </a:p>
         </p:txBody>
       </p:sp>
     </p:spTree>
     <p:extLst>
       <p:ext uri="{BB962C8B-B14F-4D97-AF65-F5344CB8AC3E}">
-        <p14:creationId xmlns:p14="http://schemas.microsoft.com/office/powerpoint/2010/main" val="1635974221"/>
+        <p14:creationId xmlns:p14="http://schemas.microsoft.com/office/powerpoint/2010/main" val="3259939140"/>
       </p:ext>
     </p:extLst>
   </p:cSld>
@@ -8800,7 +11373,7 @@
           <p:cNvPr id="2" name="Title 1">
             <a:extLst>
               <a:ext uri="{FF2B5EF4-FFF2-40B4-BE49-F238E27FC236}">
-                <a16:creationId xmlns:a16="http://schemas.microsoft.com/office/drawing/2014/main" id="{B1773871-3518-41E9-9ED1-73CE975A07F9}"/>
+                <a16:creationId xmlns:a16="http://schemas.microsoft.com/office/drawing/2014/main" id="{AB576CAE-E961-4C96-94A7-615F962FBABE}"/>
               </a:ext>
             </a:extLst>
           </p:cNvPr>
@@ -8811,38 +11384,15 @@
             <p:ph type="title"/>
           </p:nvPr>
         </p:nvSpPr>
-        <p:spPr>
-          <a:xfrm>
-            <a:off x="719998" y="288000"/>
-            <a:ext cx="8073481" cy="504000"/>
-          </a:xfrm>
-          <a:solidFill>
-            <a:schemeClr val="bg1"/>
-          </a:solidFill>
-        </p:spPr>
+        <p:spPr/>
         <p:txBody>
           <a:bodyPr/>
           <a:lstStyle/>
           <a:p>
             <a:r>
               <a:rPr lang="en-US" dirty="0"/>
-              <a:t>Container first</a:t>
-            </a:r>
-            <a:br>
-              <a:rPr lang="en-US" dirty="0"/>
-            </a:br>
-            <a:r>
-              <a:rPr lang="en-US" sz="1400" dirty="0"/>
-              <a:t>Allows for native compilation </a:t>
-            </a:r>
-            <a:br>
-              <a:rPr lang="en-US" sz="1400" dirty="0"/>
-            </a:br>
-            <a:r>
-              <a:rPr lang="en-US" sz="1400" dirty="0"/>
-              <a:t>Fast startup and small memory footprint</a:t>
-            </a:r>
-            <a:endParaRPr lang="en-US" dirty="0"/>
+              <a:t>Full stack best of breed</a:t>
+            </a:r>
           </a:p>
         </p:txBody>
       </p:sp>
@@ -8851,7 +11401,7 @@
           <p:cNvPr id="5" name="Slide Number Placeholder 4">
             <a:extLst>
               <a:ext uri="{FF2B5EF4-FFF2-40B4-BE49-F238E27FC236}">
-                <a16:creationId xmlns:a16="http://schemas.microsoft.com/office/drawing/2014/main" id="{2438E762-1584-4CA9-B87B-DE9C2D001AD9}"/>
+                <a16:creationId xmlns:a16="http://schemas.microsoft.com/office/drawing/2014/main" id="{BE6A3620-BD36-4594-B273-35B536CFEDF9}"/>
               </a:ext>
             </a:extLst>
           </p:cNvPr>
@@ -8877,10 +11427,10 @@
       </p:sp>
       <p:pic>
         <p:nvPicPr>
-          <p:cNvPr id="6" name="Picture 5">
+          <p:cNvPr id="7" name="Picture 6">
             <a:extLst>
               <a:ext uri="{FF2B5EF4-FFF2-40B4-BE49-F238E27FC236}">
-                <a16:creationId xmlns:a16="http://schemas.microsoft.com/office/drawing/2014/main" id="{5D7F6801-36B9-4674-B414-782BAA1C55EB}"/>
+                <a16:creationId xmlns:a16="http://schemas.microsoft.com/office/drawing/2014/main" id="{2AF55260-5700-4AD1-8596-BF6AC410268D}"/>
               </a:ext>
             </a:extLst>
           </p:cNvPr>
@@ -8889,25 +11439,78 @@
           </p:cNvPicPr>
           <p:nvPr/>
         </p:nvPicPr>
-        <p:blipFill rotWithShape="1">
+        <p:blipFill>
           <a:blip r:embed="rId2"/>
-          <a:srcRect t="12798"/>
-          <a:stretch/>
+          <a:stretch>
+            <a:fillRect/>
+          </a:stretch>
         </p:blipFill>
         <p:spPr>
           <a:xfrm>
-            <a:off x="38771" y="1222657"/>
-            <a:ext cx="9066457" cy="2914185"/>
+            <a:off x="-14234" y="906967"/>
+            <a:ext cx="9172468" cy="3561776"/>
           </a:xfrm>
           <a:prstGeom prst="rect">
             <a:avLst/>
           </a:prstGeom>
         </p:spPr>
       </p:pic>
+      <p:sp>
+        <p:nvSpPr>
+          <p:cNvPr id="8" name="Rectangle 7">
+            <a:extLst>
+              <a:ext uri="{FF2B5EF4-FFF2-40B4-BE49-F238E27FC236}">
+                <a16:creationId xmlns:a16="http://schemas.microsoft.com/office/drawing/2014/main" id="{3E4875A6-A386-42EE-9CBC-21A0790CEDF4}"/>
+              </a:ext>
+            </a:extLst>
+          </p:cNvPr>
+          <p:cNvSpPr/>
+          <p:nvPr/>
+        </p:nvSpPr>
+        <p:spPr>
+          <a:xfrm>
+            <a:off x="-14234" y="4408448"/>
+            <a:ext cx="9172468" cy="557561"/>
+          </a:xfrm>
+          <a:prstGeom prst="rect">
+            <a:avLst/>
+          </a:prstGeom>
+          <a:solidFill>
+            <a:schemeClr val="tx1"/>
+          </a:solidFill>
+          <a:ln>
+            <a:noFill/>
+          </a:ln>
+        </p:spPr>
+        <p:style>
+          <a:lnRef idx="2">
+            <a:schemeClr val="accent1">
+              <a:shade val="50000"/>
+            </a:schemeClr>
+          </a:lnRef>
+          <a:fillRef idx="1">
+            <a:schemeClr val="accent1"/>
+          </a:fillRef>
+          <a:effectRef idx="0">
+            <a:schemeClr val="accent1"/>
+          </a:effectRef>
+          <a:fontRef idx="minor">
+            <a:schemeClr val="lt1"/>
+          </a:fontRef>
+        </p:style>
+        <p:txBody>
+          <a:bodyPr rtlCol="0" anchor="ctr"/>
+          <a:lstStyle/>
+          <a:p>
+            <a:pPr algn="ctr"/>
+            <a:endParaRPr lang="en-US"/>
+          </a:p>
+        </p:txBody>
+      </p:sp>
     </p:spTree>
     <p:extLst>
       <p:ext uri="{BB962C8B-B14F-4D97-AF65-F5344CB8AC3E}">
-        <p14:creationId xmlns:p14="http://schemas.microsoft.com/office/powerpoint/2010/main" val="3062052632"/>
+        <p14:creationId xmlns:p14="http://schemas.microsoft.com/office/powerpoint/2010/main" val="1635974221"/>
       </p:ext>
     </p:extLst>
   </p:cSld>
@@ -8934,12 +11537,92 @@
           <a:chExt cx="0" cy="0"/>
         </a:xfrm>
       </p:grpSpPr>
+      <p:sp>
+        <p:nvSpPr>
+          <p:cNvPr id="2" name="Title 1">
+            <a:extLst>
+              <a:ext uri="{FF2B5EF4-FFF2-40B4-BE49-F238E27FC236}">
+                <a16:creationId xmlns:a16="http://schemas.microsoft.com/office/drawing/2014/main" id="{B1773871-3518-41E9-9ED1-73CE975A07F9}"/>
+              </a:ext>
+            </a:extLst>
+          </p:cNvPr>
+          <p:cNvSpPr>
+            <a:spLocks noGrp="1"/>
+          </p:cNvSpPr>
+          <p:nvPr>
+            <p:ph type="title"/>
+          </p:nvPr>
+        </p:nvSpPr>
+        <p:spPr>
+          <a:xfrm>
+            <a:off x="719998" y="288000"/>
+            <a:ext cx="8073481" cy="504000"/>
+          </a:xfrm>
+          <a:solidFill>
+            <a:schemeClr val="bg1"/>
+          </a:solidFill>
+        </p:spPr>
+        <p:txBody>
+          <a:bodyPr/>
+          <a:lstStyle/>
+          <a:p>
+            <a:r>
+              <a:rPr lang="en-US" dirty="0"/>
+              <a:t>Container first</a:t>
+            </a:r>
+            <a:br>
+              <a:rPr lang="en-US" dirty="0"/>
+            </a:br>
+            <a:r>
+              <a:rPr lang="en-US" sz="1400" dirty="0"/>
+              <a:t>Allows for native compilation </a:t>
+            </a:r>
+            <a:br>
+              <a:rPr lang="en-US" sz="1400" dirty="0"/>
+            </a:br>
+            <a:r>
+              <a:rPr lang="en-US" sz="1400" dirty="0"/>
+              <a:t>Fast startup and small memory footprint</a:t>
+            </a:r>
+            <a:endParaRPr lang="en-US" dirty="0"/>
+          </a:p>
+        </p:txBody>
+      </p:sp>
+      <p:sp>
+        <p:nvSpPr>
+          <p:cNvPr id="5" name="Slide Number Placeholder 4">
+            <a:extLst>
+              <a:ext uri="{FF2B5EF4-FFF2-40B4-BE49-F238E27FC236}">
+                <a16:creationId xmlns:a16="http://schemas.microsoft.com/office/drawing/2014/main" id="{2438E762-1584-4CA9-B87B-DE9C2D001AD9}"/>
+              </a:ext>
+            </a:extLst>
+          </p:cNvPr>
+          <p:cNvSpPr>
+            <a:spLocks noGrp="1"/>
+          </p:cNvSpPr>
+          <p:nvPr>
+            <p:ph type="sldNum" sz="quarter" idx="12"/>
+          </p:nvPr>
+        </p:nvSpPr>
+        <p:spPr/>
+        <p:txBody>
+          <a:bodyPr/>
+          <a:lstStyle/>
+          <a:p>
+            <a:fld id="{14F1411D-0280-154F-AEAC-4C20B7AA46B2}" type="slidenum">
+              <a:rPr lang="nl-NL" smtClean="0"/>
+              <a:t>5</a:t>
+            </a:fld>
+            <a:endParaRPr lang="nl-NL"/>
+          </a:p>
+        </p:txBody>
+      </p:sp>
       <p:pic>
         <p:nvPicPr>
-          <p:cNvPr id="3" name="Picture 2" descr="A picture containing writing implement, stationary, pencil&#10;&#10;Description automatically generated">
+          <p:cNvPr id="6" name="Picture 5">
             <a:extLst>
               <a:ext uri="{FF2B5EF4-FFF2-40B4-BE49-F238E27FC236}">
-                <a16:creationId xmlns:a16="http://schemas.microsoft.com/office/drawing/2014/main" id="{DB6EA8A8-C8FA-4306-BF6A-B582907BB908}"/>
+                <a16:creationId xmlns:a16="http://schemas.microsoft.com/office/drawing/2014/main" id="{5D7F6801-36B9-4674-B414-782BAA1C55EB}"/>
               </a:ext>
             </a:extLst>
           </p:cNvPr>
@@ -8949,87 +11632,24 @@
           <p:nvPr/>
         </p:nvPicPr>
         <p:blipFill rotWithShape="1">
-          <a:blip r:embed="rId2">
-            <a:clrChange>
-              <a:clrFrom>
-                <a:srgbClr val="FFFFFF"/>
-              </a:clrFrom>
-              <a:clrTo>
-                <a:srgbClr val="FFFFFF">
-                  <a:alpha val="0"/>
-                </a:srgbClr>
-              </a:clrTo>
-            </a:clrChange>
-          </a:blip>
-          <a:srcRect b="4823"/>
+          <a:blip r:embed="rId2"/>
+          <a:srcRect t="12798"/>
           <a:stretch/>
         </p:blipFill>
         <p:spPr>
           <a:xfrm>
-            <a:off x="0" y="631980"/>
-            <a:ext cx="9144000" cy="4351500"/>
+            <a:off x="38771" y="1222657"/>
+            <a:ext cx="9066457" cy="2914185"/>
           </a:xfrm>
           <a:prstGeom prst="rect">
             <a:avLst/>
           </a:prstGeom>
         </p:spPr>
       </p:pic>
-      <p:sp>
-        <p:nvSpPr>
-          <p:cNvPr id="4" name="Title 1">
-            <a:extLst>
-              <a:ext uri="{FF2B5EF4-FFF2-40B4-BE49-F238E27FC236}">
-                <a16:creationId xmlns:a16="http://schemas.microsoft.com/office/drawing/2014/main" id="{3E6EADD2-573F-4509-82D0-34AE6D80F930}"/>
-              </a:ext>
-            </a:extLst>
-          </p:cNvPr>
-          <p:cNvSpPr txBox="1">
-            <a:spLocks/>
-          </p:cNvSpPr>
-          <p:nvPr/>
-        </p:nvSpPr>
-        <p:spPr>
-          <a:xfrm>
-            <a:off x="719999" y="288000"/>
-            <a:ext cx="6624000" cy="504000"/>
-          </a:xfrm>
-          <a:prstGeom prst="rect">
-            <a:avLst/>
-          </a:prstGeom>
-        </p:spPr>
-        <p:txBody>
-          <a:bodyPr/>
-          <a:lstStyle>
-            <a:lvl1pPr algn="l" defTabSz="685800" rtl="0" eaLnBrk="1" latinLnBrk="0" hangingPunct="1">
-              <a:lnSpc>
-                <a:spcPct val="85000"/>
-              </a:lnSpc>
-              <a:spcBef>
-                <a:spcPct val="0"/>
-              </a:spcBef>
-              <a:buNone/>
-              <a:defRPr sz="1800" b="1" kern="1200">
-                <a:solidFill>
-                  <a:schemeClr val="tx2"/>
-                </a:solidFill>
-                <a:latin typeface="+mj-lt"/>
-                <a:ea typeface="+mj-ea"/>
-                <a:cs typeface="+mj-cs"/>
-              </a:defRPr>
-            </a:lvl1pPr>
-          </a:lstStyle>
-          <a:p>
-            <a:r>
-              <a:rPr lang="en-US" dirty="0"/>
-              <a:t>Short response times</a:t>
-            </a:r>
-          </a:p>
-        </p:txBody>
-      </p:sp>
     </p:spTree>
     <p:extLst>
       <p:ext uri="{BB962C8B-B14F-4D97-AF65-F5344CB8AC3E}">
-        <p14:creationId xmlns:p14="http://schemas.microsoft.com/office/powerpoint/2010/main" val="325429332"/>
+        <p14:creationId xmlns:p14="http://schemas.microsoft.com/office/powerpoint/2010/main" val="3062052632"/>
       </p:ext>
     </p:extLst>
   </p:cSld>
@@ -9056,175 +11676,12 @@
           <a:chExt cx="0" cy="0"/>
         </a:xfrm>
       </p:grpSpPr>
-      <p:sp>
-        <p:nvSpPr>
-          <p:cNvPr id="2" name="Title 1">
-            <a:extLst>
-              <a:ext uri="{FF2B5EF4-FFF2-40B4-BE49-F238E27FC236}">
-                <a16:creationId xmlns:a16="http://schemas.microsoft.com/office/drawing/2014/main" id="{9D724EF6-23A4-470D-A735-B1D87CB4E68D}"/>
-              </a:ext>
-            </a:extLst>
-          </p:cNvPr>
-          <p:cNvSpPr>
-            <a:spLocks noGrp="1"/>
-          </p:cNvSpPr>
-          <p:nvPr>
-            <p:ph type="title"/>
-          </p:nvPr>
-        </p:nvSpPr>
-        <p:spPr/>
-        <p:txBody>
-          <a:bodyPr/>
-          <a:lstStyle/>
-          <a:p>
-            <a:r>
-              <a:rPr lang="en-US" dirty="0"/>
-              <a:t>Focus on developer experience</a:t>
-            </a:r>
-          </a:p>
-        </p:txBody>
-      </p:sp>
-      <p:sp>
-        <p:nvSpPr>
-          <p:cNvPr id="3" name="Content Placeholder 2">
-            <a:extLst>
-              <a:ext uri="{FF2B5EF4-FFF2-40B4-BE49-F238E27FC236}">
-                <a16:creationId xmlns:a16="http://schemas.microsoft.com/office/drawing/2014/main" id="{2142E7C6-2C6D-4798-B258-4FFAC8992BFB}"/>
-              </a:ext>
-            </a:extLst>
-          </p:cNvPr>
-          <p:cNvSpPr>
-            <a:spLocks noGrp="1"/>
-          </p:cNvSpPr>
-          <p:nvPr>
-            <p:ph idx="1"/>
-          </p:nvPr>
-        </p:nvSpPr>
-        <p:spPr>
-          <a:xfrm>
-            <a:off x="243840" y="900001"/>
-            <a:ext cx="4220160" cy="3401999"/>
-          </a:xfrm>
-        </p:spPr>
-        <p:txBody>
-          <a:bodyPr/>
-          <a:lstStyle/>
-          <a:p>
-            <a:endParaRPr lang="en-GB" dirty="0"/>
-          </a:p>
-          <a:p>
-            <a:r>
-              <a:rPr lang="en-GB" dirty="0"/>
-              <a:t>Unified configuration</a:t>
-            </a:r>
-          </a:p>
-          <a:p>
-            <a:endParaRPr lang="en-GB" dirty="0"/>
-          </a:p>
-          <a:p>
-            <a:r>
-              <a:rPr lang="en-GB" dirty="0"/>
-              <a:t>Zero config Live reload in the blink of an eye</a:t>
-            </a:r>
-          </a:p>
-          <a:p>
-            <a:endParaRPr lang="en-GB" dirty="0"/>
-          </a:p>
-          <a:p>
-            <a:r>
-              <a:rPr lang="en-GB" dirty="0"/>
-              <a:t>Streamlined code </a:t>
-            </a:r>
-            <a:br>
-              <a:rPr lang="en-GB" dirty="0"/>
-            </a:br>
-            <a:r>
-              <a:rPr lang="en-GB" dirty="0"/>
-              <a:t>for the 80% common usages</a:t>
-            </a:r>
-            <a:br>
-              <a:rPr lang="en-GB" dirty="0"/>
-            </a:br>
-            <a:r>
-              <a:rPr lang="en-GB" dirty="0"/>
-              <a:t>flexible for the 20%</a:t>
-            </a:r>
-          </a:p>
-          <a:p>
-            <a:endParaRPr lang="en-GB" dirty="0"/>
-          </a:p>
-          <a:p>
-            <a:r>
-              <a:rPr lang="en-GB" dirty="0"/>
-              <a:t>No hassle native executable generation</a:t>
-            </a:r>
-            <a:endParaRPr lang="en-US" dirty="0"/>
-          </a:p>
-        </p:txBody>
-      </p:sp>
-      <p:sp>
-        <p:nvSpPr>
-          <p:cNvPr id="4" name="Footer Placeholder 3">
-            <a:extLst>
-              <a:ext uri="{FF2B5EF4-FFF2-40B4-BE49-F238E27FC236}">
-                <a16:creationId xmlns:a16="http://schemas.microsoft.com/office/drawing/2014/main" id="{1079345D-38C6-4239-AED0-E59E0D9A6183}"/>
-              </a:ext>
-            </a:extLst>
-          </p:cNvPr>
-          <p:cNvSpPr>
-            <a:spLocks noGrp="1"/>
-          </p:cNvSpPr>
-          <p:nvPr>
-            <p:ph type="ftr" sz="quarter" idx="11"/>
-          </p:nvPr>
-        </p:nvSpPr>
-        <p:spPr/>
-        <p:txBody>
-          <a:bodyPr/>
-          <a:lstStyle/>
-          <a:p>
-            <a:r>
-              <a:rPr lang="nl-NL"/>
-              <a:t>Titel van de presentatie</a:t>
-            </a:r>
-          </a:p>
-        </p:txBody>
-      </p:sp>
-      <p:sp>
-        <p:nvSpPr>
-          <p:cNvPr id="5" name="Slide Number Placeholder 4">
-            <a:extLst>
-              <a:ext uri="{FF2B5EF4-FFF2-40B4-BE49-F238E27FC236}">
-                <a16:creationId xmlns:a16="http://schemas.microsoft.com/office/drawing/2014/main" id="{48B5A39D-DC10-4CD2-9873-D7EC000A285E}"/>
-              </a:ext>
-            </a:extLst>
-          </p:cNvPr>
-          <p:cNvSpPr>
-            <a:spLocks noGrp="1"/>
-          </p:cNvSpPr>
-          <p:nvPr>
-            <p:ph type="sldNum" sz="quarter" idx="12"/>
-          </p:nvPr>
-        </p:nvSpPr>
-        <p:spPr/>
-        <p:txBody>
-          <a:bodyPr/>
-          <a:lstStyle/>
-          <a:p>
-            <a:fld id="{14F1411D-0280-154F-AEAC-4C20B7AA46B2}" type="slidenum">
-              <a:rPr lang="nl-NL" smtClean="0"/>
-              <a:t>6</a:t>
-            </a:fld>
-            <a:endParaRPr lang="nl-NL"/>
-          </a:p>
-        </p:txBody>
-      </p:sp>
       <p:pic>
         <p:nvPicPr>
-          <p:cNvPr id="16" name="Picture 15" descr="A screenshot of a cell phone&#10;&#10;Description automatically generated">
+          <p:cNvPr id="3" name="Picture 2" descr="A picture containing writing implement, stationary, pencil&#10;&#10;Description automatically generated">
             <a:extLst>
               <a:ext uri="{FF2B5EF4-FFF2-40B4-BE49-F238E27FC236}">
-                <a16:creationId xmlns:a16="http://schemas.microsoft.com/office/drawing/2014/main" id="{1CD327D8-F0F8-49D2-8CFD-91FB77432665}"/>
+                <a16:creationId xmlns:a16="http://schemas.microsoft.com/office/drawing/2014/main" id="{DB6EA8A8-C8FA-4306-BF6A-B582907BB908}"/>
               </a:ext>
             </a:extLst>
           </p:cNvPr>
@@ -9233,26 +11690,88 @@
           </p:cNvPicPr>
           <p:nvPr/>
         </p:nvPicPr>
-        <p:blipFill>
-          <a:blip r:embed="rId2"/>
-          <a:stretch>
-            <a:fillRect/>
-          </a:stretch>
+        <p:blipFill rotWithShape="1">
+          <a:blip r:embed="rId2">
+            <a:clrChange>
+              <a:clrFrom>
+                <a:srgbClr val="FFFFFF"/>
+              </a:clrFrom>
+              <a:clrTo>
+                <a:srgbClr val="FFFFFF">
+                  <a:alpha val="0"/>
+                </a:srgbClr>
+              </a:clrTo>
+            </a:clrChange>
+          </a:blip>
+          <a:srcRect b="4823"/>
+          <a:stretch/>
         </p:blipFill>
         <p:spPr>
           <a:xfrm>
-            <a:off x="5200650" y="838275"/>
-            <a:ext cx="3466950" cy="3466950"/>
+            <a:off x="0" y="631980"/>
+            <a:ext cx="9144000" cy="4351500"/>
           </a:xfrm>
           <a:prstGeom prst="rect">
             <a:avLst/>
           </a:prstGeom>
         </p:spPr>
       </p:pic>
+      <p:sp>
+        <p:nvSpPr>
+          <p:cNvPr id="4" name="Title 1">
+            <a:extLst>
+              <a:ext uri="{FF2B5EF4-FFF2-40B4-BE49-F238E27FC236}">
+                <a16:creationId xmlns:a16="http://schemas.microsoft.com/office/drawing/2014/main" id="{3E6EADD2-573F-4509-82D0-34AE6D80F930}"/>
+              </a:ext>
+            </a:extLst>
+          </p:cNvPr>
+          <p:cNvSpPr txBox="1">
+            <a:spLocks/>
+          </p:cNvSpPr>
+          <p:nvPr/>
+        </p:nvSpPr>
+        <p:spPr>
+          <a:xfrm>
+            <a:off x="719999" y="288000"/>
+            <a:ext cx="6624000" cy="504000"/>
+          </a:xfrm>
+          <a:prstGeom prst="rect">
+            <a:avLst/>
+          </a:prstGeom>
+        </p:spPr>
+        <p:txBody>
+          <a:bodyPr/>
+          <a:lstStyle>
+            <a:lvl1pPr algn="l" defTabSz="685800" rtl="0" eaLnBrk="1" latinLnBrk="0" hangingPunct="1">
+              <a:lnSpc>
+                <a:spcPct val="85000"/>
+              </a:lnSpc>
+              <a:spcBef>
+                <a:spcPct val="0"/>
+              </a:spcBef>
+              <a:buNone/>
+              <a:defRPr sz="1800" b="1" kern="1200">
+                <a:solidFill>
+                  <a:schemeClr val="tx2"/>
+                </a:solidFill>
+                <a:latin typeface="+mj-lt"/>
+                <a:ea typeface="+mj-ea"/>
+                <a:cs typeface="+mj-cs"/>
+              </a:defRPr>
+            </a:lvl1pPr>
+          </a:lstStyle>
+          <a:p>
+            <a:r>
+              <a:rPr lang="en-US" dirty="0"/>
+              <a:t>Short response times</a:t>
+            </a:r>
+          </a:p>
+        </p:txBody>
+      </p:sp>
     </p:spTree>
     <p:extLst>
       <p:ext uri="{BB962C8B-B14F-4D97-AF65-F5344CB8AC3E}">
-        <p14:creationId xmlns:p14="http://schemas.microsoft.com/office/powerpoint/2010/main" val="29232791"/>
+        <p14:creationId xmlns:p14="http://schemas.microsoft.com/office/powerpoint/2010/main" val="325429332"/>
       </p:ext>
     </p:extLst>
   </p:cSld>
@@ -9284,7 +11803,7 @@
           <p:cNvPr id="2" name="Title 1">
             <a:extLst>
               <a:ext uri="{FF2B5EF4-FFF2-40B4-BE49-F238E27FC236}">
-                <a16:creationId xmlns:a16="http://schemas.microsoft.com/office/drawing/2014/main" id="{70AC0C97-A9BC-4DDB-BD93-B6A67570B9EF}"/>
+                <a16:creationId xmlns:a16="http://schemas.microsoft.com/office/drawing/2014/main" id="{9D724EF6-23A4-470D-A735-B1D87CB4E68D}"/>
               </a:ext>
             </a:extLst>
           </p:cNvPr>
@@ -9302,25 +11821,152 @@
           <a:p>
             <a:r>
               <a:rPr lang="en-US" dirty="0"/>
-              <a:t>Unifies Imperative and Reactive</a:t>
+              <a:t>Focus on developer experience</a:t>
+            </a:r>
+          </a:p>
+        </p:txBody>
+      </p:sp>
+      <p:sp>
+        <p:nvSpPr>
+          <p:cNvPr id="3" name="Content Placeholder 2">
+            <a:extLst>
+              <a:ext uri="{FF2B5EF4-FFF2-40B4-BE49-F238E27FC236}">
+                <a16:creationId xmlns:a16="http://schemas.microsoft.com/office/drawing/2014/main" id="{2142E7C6-2C6D-4798-B258-4FFAC8992BFB}"/>
+              </a:ext>
+            </a:extLst>
+          </p:cNvPr>
+          <p:cNvSpPr>
+            <a:spLocks noGrp="1"/>
+          </p:cNvSpPr>
+          <p:nvPr>
+            <p:ph idx="1"/>
+          </p:nvPr>
+        </p:nvSpPr>
+        <p:spPr>
+          <a:xfrm>
+            <a:off x="243840" y="900001"/>
+            <a:ext cx="4220160" cy="3401999"/>
+          </a:xfrm>
+        </p:spPr>
+        <p:txBody>
+          <a:bodyPr/>
+          <a:lstStyle/>
+          <a:p>
+            <a:endParaRPr lang="en-GB" dirty="0"/>
+          </a:p>
+          <a:p>
+            <a:r>
+              <a:rPr lang="en-GB" dirty="0"/>
+              <a:t>Unified configuration</a:t>
+            </a:r>
+          </a:p>
+          <a:p>
+            <a:endParaRPr lang="en-GB" dirty="0"/>
+          </a:p>
+          <a:p>
+            <a:r>
+              <a:rPr lang="en-GB" dirty="0"/>
+              <a:t>Zero config Live reload in the blink of an eye</a:t>
+            </a:r>
+          </a:p>
+          <a:p>
+            <a:endParaRPr lang="en-GB" dirty="0"/>
+          </a:p>
+          <a:p>
+            <a:r>
+              <a:rPr lang="en-GB" dirty="0"/>
+              <a:t>Streamlined code </a:t>
             </a:r>
             <a:br>
-              <a:rPr lang="en-US" dirty="0"/>
+              <a:rPr lang="en-GB" dirty="0"/>
             </a:br>
             <a:r>
-              <a:rPr lang="en-US" sz="1400" dirty="0"/>
-              <a:t>Similar syntax. Easy to migrate</a:t>
+              <a:rPr lang="en-GB" dirty="0"/>
+              <a:t>for the 80% common usages</a:t>
+            </a:r>
+            <a:br>
+              <a:rPr lang="en-GB" dirty="0"/>
+            </a:br>
+            <a:r>
+              <a:rPr lang="en-GB" dirty="0"/>
+              <a:t>flexible for the 20%</a:t>
+            </a:r>
+          </a:p>
+          <a:p>
+            <a:endParaRPr lang="en-GB" dirty="0"/>
+          </a:p>
+          <a:p>
+            <a:r>
+              <a:rPr lang="en-GB" dirty="0"/>
+              <a:t>No hassle native executable generation</a:t>
             </a:r>
             <a:endParaRPr lang="en-US" dirty="0"/>
+          </a:p>
+        </p:txBody>
+      </p:sp>
+      <p:sp>
+        <p:nvSpPr>
+          <p:cNvPr id="4" name="Footer Placeholder 3">
+            <a:extLst>
+              <a:ext uri="{FF2B5EF4-FFF2-40B4-BE49-F238E27FC236}">
+                <a16:creationId xmlns:a16="http://schemas.microsoft.com/office/drawing/2014/main" id="{1079345D-38C6-4239-AED0-E59E0D9A6183}"/>
+              </a:ext>
+            </a:extLst>
+          </p:cNvPr>
+          <p:cNvSpPr>
+            <a:spLocks noGrp="1"/>
+          </p:cNvSpPr>
+          <p:nvPr>
+            <p:ph type="ftr" sz="quarter" idx="11"/>
+          </p:nvPr>
+        </p:nvSpPr>
+        <p:spPr/>
+        <p:txBody>
+          <a:bodyPr/>
+          <a:lstStyle/>
+          <a:p>
+            <a:r>
+              <a:rPr lang="nl-NL"/>
+              <a:t>Titel van de presentatie</a:t>
+            </a:r>
+          </a:p>
+        </p:txBody>
+      </p:sp>
+      <p:sp>
+        <p:nvSpPr>
+          <p:cNvPr id="5" name="Slide Number Placeholder 4">
+            <a:extLst>
+              <a:ext uri="{FF2B5EF4-FFF2-40B4-BE49-F238E27FC236}">
+                <a16:creationId xmlns:a16="http://schemas.microsoft.com/office/drawing/2014/main" id="{48B5A39D-DC10-4CD2-9873-D7EC000A285E}"/>
+              </a:ext>
+            </a:extLst>
+          </p:cNvPr>
+          <p:cNvSpPr>
+            <a:spLocks noGrp="1"/>
+          </p:cNvSpPr>
+          <p:nvPr>
+            <p:ph type="sldNum" sz="quarter" idx="12"/>
+          </p:nvPr>
+        </p:nvSpPr>
+        <p:spPr/>
+        <p:txBody>
+          <a:bodyPr/>
+          <a:lstStyle/>
+          <a:p>
+            <a:fld id="{14F1411D-0280-154F-AEAC-4C20B7AA46B2}" type="slidenum">
+              <a:rPr lang="nl-NL" smtClean="0"/>
+              <a:t>7</a:t>
+            </a:fld>
+            <a:endParaRPr lang="nl-NL"/>
           </a:p>
         </p:txBody>
       </p:sp>
       <p:pic>
         <p:nvPicPr>
-          <p:cNvPr id="7" name="Picture 6">
+          <p:cNvPr id="16" name="Picture 15" descr="A screenshot of a cell phone&#10;&#10;Description automatically generated">
             <a:extLst>
               <a:ext uri="{FF2B5EF4-FFF2-40B4-BE49-F238E27FC236}">
-                <a16:creationId xmlns:a16="http://schemas.microsoft.com/office/drawing/2014/main" id="{6FDCC87A-DE75-41C5-89F3-B073BC3F9CDF}"/>
+                <a16:creationId xmlns:a16="http://schemas.microsoft.com/office/drawing/2014/main" id="{1CD327D8-F0F8-49D2-8CFD-91FB77432665}"/>
               </a:ext>
             </a:extLst>
           </p:cNvPr>
@@ -9337,118 +11983,18 @@
         </p:blipFill>
         <p:spPr>
           <a:xfrm>
-            <a:off x="719999" y="2231955"/>
-            <a:ext cx="3138323" cy="1506728"/>
+            <a:off x="5200650" y="838275"/>
+            <a:ext cx="3466950" cy="3466950"/>
           </a:xfrm>
           <a:prstGeom prst="rect">
             <a:avLst/>
           </a:prstGeom>
         </p:spPr>
       </p:pic>
-      <p:pic>
-        <p:nvPicPr>
-          <p:cNvPr id="9" name="Picture 8">
-            <a:extLst>
-              <a:ext uri="{FF2B5EF4-FFF2-40B4-BE49-F238E27FC236}">
-                <a16:creationId xmlns:a16="http://schemas.microsoft.com/office/drawing/2014/main" id="{98D501E5-90C4-4C5B-BF8E-5AC556196845}"/>
-              </a:ext>
-            </a:extLst>
-          </p:cNvPr>
-          <p:cNvPicPr>
-            <a:picLocks noChangeAspect="1"/>
-          </p:cNvPicPr>
-          <p:nvPr/>
-        </p:nvPicPr>
-        <p:blipFill>
-          <a:blip r:embed="rId3"/>
-          <a:stretch>
-            <a:fillRect/>
-          </a:stretch>
-        </p:blipFill>
-        <p:spPr>
-          <a:xfrm>
-            <a:off x="5099824" y="2231341"/>
-            <a:ext cx="3884304" cy="1507342"/>
-          </a:xfrm>
-          <a:prstGeom prst="rect">
-            <a:avLst/>
-          </a:prstGeom>
-        </p:spPr>
-      </p:pic>
-      <p:sp>
-        <p:nvSpPr>
-          <p:cNvPr id="10" name="TextBox 9">
-            <a:extLst>
-              <a:ext uri="{FF2B5EF4-FFF2-40B4-BE49-F238E27FC236}">
-                <a16:creationId xmlns:a16="http://schemas.microsoft.com/office/drawing/2014/main" id="{D73276B4-1A47-456A-BC71-75C186011367}"/>
-              </a:ext>
-            </a:extLst>
-          </p:cNvPr>
-          <p:cNvSpPr txBox="1"/>
-          <p:nvPr/>
-        </p:nvSpPr>
-        <p:spPr>
-          <a:xfrm>
-            <a:off x="719999" y="1628745"/>
-            <a:ext cx="780663" cy="200055"/>
-          </a:xfrm>
-          <a:prstGeom prst="rect">
-            <a:avLst/>
-          </a:prstGeom>
-          <a:noFill/>
-        </p:spPr>
-        <p:txBody>
-          <a:bodyPr wrap="none" lIns="0" tIns="0" rIns="0" bIns="0" rtlCol="0">
-            <a:spAutoFit/>
-          </a:bodyPr>
-          <a:lstStyle/>
-          <a:p>
-            <a:r>
-              <a:rPr lang="en-US" sz="1300" dirty="0"/>
-              <a:t>Imperative</a:t>
-            </a:r>
-          </a:p>
-        </p:txBody>
-      </p:sp>
-      <p:sp>
-        <p:nvSpPr>
-          <p:cNvPr id="11" name="TextBox 10">
-            <a:extLst>
-              <a:ext uri="{FF2B5EF4-FFF2-40B4-BE49-F238E27FC236}">
-                <a16:creationId xmlns:a16="http://schemas.microsoft.com/office/drawing/2014/main" id="{AB1F5A97-D843-4D6F-A711-96D08733A495}"/>
-              </a:ext>
-            </a:extLst>
-          </p:cNvPr>
-          <p:cNvSpPr txBox="1"/>
-          <p:nvPr/>
-        </p:nvSpPr>
-        <p:spPr>
-          <a:xfrm>
-            <a:off x="5099824" y="1628744"/>
-            <a:ext cx="649217" cy="200055"/>
-          </a:xfrm>
-          <a:prstGeom prst="rect">
-            <a:avLst/>
-          </a:prstGeom>
-          <a:noFill/>
-        </p:spPr>
-        <p:txBody>
-          <a:bodyPr wrap="none" lIns="0" tIns="0" rIns="0" bIns="0" rtlCol="0">
-            <a:spAutoFit/>
-          </a:bodyPr>
-          <a:lstStyle/>
-          <a:p>
-            <a:r>
-              <a:rPr lang="en-US" sz="1300" dirty="0"/>
-              <a:t>Reactive</a:t>
-            </a:r>
-          </a:p>
-        </p:txBody>
-      </p:sp>
     </p:spTree>
     <p:extLst>
       <p:ext uri="{BB962C8B-B14F-4D97-AF65-F5344CB8AC3E}">
-        <p14:creationId xmlns:p14="http://schemas.microsoft.com/office/powerpoint/2010/main" val="1953247589"/>
+        <p14:creationId xmlns:p14="http://schemas.microsoft.com/office/powerpoint/2010/main" val="29232791"/>
       </p:ext>
     </p:extLst>
   </p:cSld>
@@ -9480,7 +12026,7 @@
           <p:cNvPr id="2" name="Title 1">
             <a:extLst>
               <a:ext uri="{FF2B5EF4-FFF2-40B4-BE49-F238E27FC236}">
-                <a16:creationId xmlns:a16="http://schemas.microsoft.com/office/drawing/2014/main" id="{92E75CB8-A884-4292-9E63-7C6C99FD0FC9}"/>
+                <a16:creationId xmlns:a16="http://schemas.microsoft.com/office/drawing/2014/main" id="{167EF44A-CE5F-46F0-9840-8DC347AF849B}"/>
               </a:ext>
             </a:extLst>
           </p:cNvPr>
@@ -9497,22 +12043,26 @@
           <a:lstStyle/>
           <a:p>
             <a:r>
-              <a:rPr lang="en-US" dirty="0" err="1"/>
-              <a:t>Quarkus</a:t>
-            </a:r>
-            <a:r>
               <a:rPr lang="en-US" dirty="0"/>
-              <a:t> extensions</a:t>
-            </a:r>
-          </a:p>
-        </p:txBody>
-      </p:sp>
-      <p:sp>
-        <p:nvSpPr>
-          <p:cNvPr id="3" name="Content Placeholder 2">
+              <a:t>Spring Boot</a:t>
+            </a:r>
+            <a:br>
+              <a:rPr lang="en-US" dirty="0"/>
+            </a:br>
+            <a:r>
+              <a:rPr lang="en-US" sz="1400" dirty="0"/>
+              <a:t>Synchronous and asynchronous</a:t>
+            </a:r>
+            <a:endParaRPr lang="en-US" dirty="0"/>
+          </a:p>
+        </p:txBody>
+      </p:sp>
+      <p:sp>
+        <p:nvSpPr>
+          <p:cNvPr id="4" name="Footer Placeholder 3">
             <a:extLst>
               <a:ext uri="{FF2B5EF4-FFF2-40B4-BE49-F238E27FC236}">
-                <a16:creationId xmlns:a16="http://schemas.microsoft.com/office/drawing/2014/main" id="{B91F3E17-38CF-4B2B-8BFB-B5F0CB010BC5}"/>
+                <a16:creationId xmlns:a16="http://schemas.microsoft.com/office/drawing/2014/main" id="{44C1B2F8-D3DE-4F78-B59E-81FAD4D4726F}"/>
               </a:ext>
             </a:extLst>
           </p:cNvPr>
@@ -9520,7 +12070,7 @@
             <a:spLocks noGrp="1"/>
           </p:cNvSpPr>
           <p:nvPr>
-            <p:ph idx="1"/>
+            <p:ph type="ftr" sz="quarter" idx="11"/>
           </p:nvPr>
         </p:nvSpPr>
         <p:spPr/>
@@ -9528,177 +12078,6 @@
           <a:bodyPr/>
           <a:lstStyle/>
           <a:p>
-            <a:endParaRPr lang="en-GB" dirty="0"/>
-          </a:p>
-          <a:p>
-            <a:r>
-              <a:rPr lang="en-GB" dirty="0"/>
-              <a:t>Extensions are like project dependencies</a:t>
-            </a:r>
-          </a:p>
-          <a:p>
-            <a:endParaRPr lang="en-GB" dirty="0"/>
-          </a:p>
-          <a:p>
-            <a:r>
-              <a:rPr lang="en-GB" dirty="0"/>
-              <a:t>Configure, boot and integrate a framework or technology </a:t>
-            </a:r>
-            <a:br>
-              <a:rPr lang="en-GB" dirty="0"/>
-            </a:br>
-            <a:r>
-              <a:rPr lang="en-GB" sz="1200" dirty="0"/>
-              <a:t>into your </a:t>
-            </a:r>
-            <a:r>
-              <a:rPr lang="en-GB" sz="1200" dirty="0" err="1"/>
-              <a:t>Quarkus</a:t>
-            </a:r>
-            <a:r>
-              <a:rPr lang="en-GB" sz="1200" dirty="0"/>
-              <a:t> application</a:t>
-            </a:r>
-          </a:p>
-          <a:p>
-            <a:endParaRPr lang="en-GB" dirty="0"/>
-          </a:p>
-          <a:p>
-            <a:r>
-              <a:rPr lang="en-GB" dirty="0"/>
-              <a:t>Providing the right information to </a:t>
-            </a:r>
-            <a:r>
-              <a:rPr lang="en-GB" dirty="0" err="1"/>
-              <a:t>GraalVM</a:t>
-            </a:r>
-            <a:r>
-              <a:rPr lang="en-GB" dirty="0"/>
-              <a:t> </a:t>
-            </a:r>
-            <a:br>
-              <a:rPr lang="en-GB" dirty="0"/>
-            </a:br>
-            <a:r>
-              <a:rPr lang="en-GB" sz="1200" dirty="0"/>
-              <a:t>for your application to compile natively</a:t>
-            </a:r>
-          </a:p>
-          <a:p>
-            <a:endParaRPr lang="en-GB" dirty="0"/>
-          </a:p>
-          <a:p>
-            <a:r>
-              <a:rPr lang="fr-FR" dirty="0"/>
-              <a:t>Can </a:t>
-            </a:r>
-            <a:r>
-              <a:rPr lang="fr-FR" dirty="0" err="1"/>
-              <a:t>be</a:t>
-            </a:r>
-            <a:r>
-              <a:rPr lang="fr-FR" dirty="0"/>
-              <a:t> </a:t>
-            </a:r>
-            <a:r>
-              <a:rPr lang="fr-FR" dirty="0" err="1"/>
-              <a:t>configured</a:t>
-            </a:r>
-            <a:r>
-              <a:rPr lang="fr-FR" dirty="0"/>
-              <a:t> </a:t>
-            </a:r>
-            <a:r>
-              <a:rPr lang="fr-FR" dirty="0" err="1"/>
-              <a:t>with</a:t>
-            </a:r>
-            <a:r>
-              <a:rPr lang="fr-FR" dirty="0"/>
-              <a:t> the </a:t>
-            </a:r>
-            <a:r>
-              <a:rPr lang="fr-FR" dirty="0" err="1"/>
-              <a:t>Quarkus</a:t>
-            </a:r>
-            <a:r>
-              <a:rPr lang="fr-FR" dirty="0"/>
-              <a:t> Maven plugin</a:t>
-            </a:r>
-            <a:br>
-              <a:rPr lang="fr-FR" dirty="0"/>
-            </a:br>
-            <a:r>
-              <a:rPr lang="fr-FR" sz="1200" dirty="0" err="1"/>
-              <a:t>mvn</a:t>
-            </a:r>
-            <a:r>
-              <a:rPr lang="fr-FR" sz="1200" dirty="0"/>
-              <a:t> </a:t>
-            </a:r>
-            <a:r>
-              <a:rPr lang="fr-FR" sz="1200" dirty="0" err="1"/>
-              <a:t>quarkus:list-extensions</a:t>
-            </a:r>
-            <a:br>
-              <a:rPr lang="fr-FR" sz="1200" dirty="0"/>
-            </a:br>
-            <a:r>
-              <a:rPr lang="fr-FR" sz="1200" dirty="0" err="1"/>
-              <a:t>mvn</a:t>
-            </a:r>
-            <a:r>
-              <a:rPr lang="fr-FR" sz="1200" dirty="0"/>
-              <a:t> </a:t>
-            </a:r>
-            <a:r>
-              <a:rPr lang="fr-FR" sz="1200" dirty="0" err="1"/>
-              <a:t>quarkus:add-extension</a:t>
-            </a:r>
-            <a:r>
-              <a:rPr lang="fr-FR" sz="1200" dirty="0"/>
-              <a:t> -</a:t>
-            </a:r>
-            <a:r>
-              <a:rPr lang="fr-FR" sz="1200" dirty="0" err="1"/>
-              <a:t>Dextensions</a:t>
-            </a:r>
-            <a:r>
-              <a:rPr lang="fr-FR" sz="1200" dirty="0"/>
-              <a:t>="</a:t>
-            </a:r>
-            <a:r>
-              <a:rPr lang="fr-FR" sz="1200" dirty="0" err="1"/>
-              <a:t>groupId:artifactId</a:t>
-            </a:r>
-            <a:r>
-              <a:rPr lang="fr-FR" sz="1200" dirty="0"/>
-              <a:t>"</a:t>
-            </a:r>
-            <a:endParaRPr lang="en-US" dirty="0"/>
-          </a:p>
-        </p:txBody>
-      </p:sp>
-      <p:sp>
-        <p:nvSpPr>
-          <p:cNvPr id="4" name="Footer Placeholder 3">
-            <a:extLst>
-              <a:ext uri="{FF2B5EF4-FFF2-40B4-BE49-F238E27FC236}">
-                <a16:creationId xmlns:a16="http://schemas.microsoft.com/office/drawing/2014/main" id="{E035EAEA-9C36-4A30-BC65-5570BAA3AFD7}"/>
-              </a:ext>
-            </a:extLst>
-          </p:cNvPr>
-          <p:cNvSpPr>
-            <a:spLocks noGrp="1"/>
-          </p:cNvSpPr>
-          <p:nvPr>
-            <p:ph type="ftr" sz="quarter" idx="11"/>
-          </p:nvPr>
-        </p:nvSpPr>
-        <p:spPr/>
-        <p:txBody>
-          <a:bodyPr/>
-          <a:lstStyle/>
-          <a:p>
             <a:r>
               <a:rPr lang="nl-NL"/>
               <a:t>Titel van de presentatie</a:t>
@@ -9711,7 +12090,7 @@
           <p:cNvPr id="5" name="Slide Number Placeholder 4">
             <a:extLst>
               <a:ext uri="{FF2B5EF4-FFF2-40B4-BE49-F238E27FC236}">
-                <a16:creationId xmlns:a16="http://schemas.microsoft.com/office/drawing/2014/main" id="{E4A35546-D9FC-44E4-870B-A45BAF073ECD}"/>
+                <a16:creationId xmlns:a16="http://schemas.microsoft.com/office/drawing/2014/main" id="{2AFF18BC-6703-4B4B-8203-800E5BF0652A}"/>
               </a:ext>
             </a:extLst>
           </p:cNvPr>
@@ -9735,10 +12114,206 @@
           </a:p>
         </p:txBody>
       </p:sp>
+      <p:pic>
+        <p:nvPicPr>
+          <p:cNvPr id="8" name="Picture 7">
+            <a:extLst>
+              <a:ext uri="{FF2B5EF4-FFF2-40B4-BE49-F238E27FC236}">
+                <a16:creationId xmlns:a16="http://schemas.microsoft.com/office/drawing/2014/main" id="{B5FE1807-1598-41D1-A75E-956B64FEB757}"/>
+              </a:ext>
+            </a:extLst>
+          </p:cNvPr>
+          <p:cNvPicPr>
+            <a:picLocks noChangeAspect="1"/>
+          </p:cNvPicPr>
+          <p:nvPr/>
+        </p:nvPicPr>
+        <p:blipFill>
+          <a:blip r:embed="rId2"/>
+          <a:stretch>
+            <a:fillRect/>
+          </a:stretch>
+        </p:blipFill>
+        <p:spPr>
+          <a:xfrm>
+            <a:off x="520390" y="1418706"/>
+            <a:ext cx="5754757" cy="2849261"/>
+          </a:xfrm>
+          <a:prstGeom prst="rect">
+            <a:avLst/>
+          </a:prstGeom>
+        </p:spPr>
+      </p:pic>
+      <p:sp>
+        <p:nvSpPr>
+          <p:cNvPr id="9" name="Rectangle 8">
+            <a:extLst>
+              <a:ext uri="{FF2B5EF4-FFF2-40B4-BE49-F238E27FC236}">
+                <a16:creationId xmlns:a16="http://schemas.microsoft.com/office/drawing/2014/main" id="{7F3E88BF-5231-49B4-A588-F62AAAC67F4D}"/>
+              </a:ext>
+            </a:extLst>
+          </p:cNvPr>
+          <p:cNvSpPr/>
+          <p:nvPr/>
+        </p:nvSpPr>
+        <p:spPr>
+          <a:xfrm>
+            <a:off x="520390" y="1418706"/>
+            <a:ext cx="5754757" cy="1287323"/>
+          </a:xfrm>
+          <a:prstGeom prst="rect">
+            <a:avLst/>
+          </a:prstGeom>
+          <a:noFill/>
+          <a:ln w="25400"/>
+        </p:spPr>
+        <p:style>
+          <a:lnRef idx="2">
+            <a:schemeClr val="accent1">
+              <a:shade val="50000"/>
+            </a:schemeClr>
+          </a:lnRef>
+          <a:fillRef idx="1">
+            <a:schemeClr val="accent1"/>
+          </a:fillRef>
+          <a:effectRef idx="0">
+            <a:schemeClr val="accent1"/>
+          </a:effectRef>
+          <a:fontRef idx="minor">
+            <a:schemeClr val="lt1"/>
+          </a:fontRef>
+        </p:style>
+        <p:txBody>
+          <a:bodyPr rtlCol="0" anchor="ctr"/>
+          <a:lstStyle/>
+          <a:p>
+            <a:pPr algn="ctr"/>
+            <a:endParaRPr lang="en-US"/>
+          </a:p>
+        </p:txBody>
+      </p:sp>
+      <p:sp>
+        <p:nvSpPr>
+          <p:cNvPr id="10" name="Rectangle 9">
+            <a:extLst>
+              <a:ext uri="{FF2B5EF4-FFF2-40B4-BE49-F238E27FC236}">
+                <a16:creationId xmlns:a16="http://schemas.microsoft.com/office/drawing/2014/main" id="{48BDE897-1AA5-40F0-9E14-D43CEE552471}"/>
+              </a:ext>
+            </a:extLst>
+          </p:cNvPr>
+          <p:cNvSpPr/>
+          <p:nvPr/>
+        </p:nvSpPr>
+        <p:spPr>
+          <a:xfrm>
+            <a:off x="520389" y="2980644"/>
+            <a:ext cx="5754757" cy="1287323"/>
+          </a:xfrm>
+          <a:prstGeom prst="rect">
+            <a:avLst/>
+          </a:prstGeom>
+          <a:noFill/>
+          <a:ln w="25400"/>
+        </p:spPr>
+        <p:style>
+          <a:lnRef idx="2">
+            <a:schemeClr val="accent1">
+              <a:shade val="50000"/>
+            </a:schemeClr>
+          </a:lnRef>
+          <a:fillRef idx="1">
+            <a:schemeClr val="accent1"/>
+          </a:fillRef>
+          <a:effectRef idx="0">
+            <a:schemeClr val="accent1"/>
+          </a:effectRef>
+          <a:fontRef idx="minor">
+            <a:schemeClr val="lt1"/>
+          </a:fontRef>
+        </p:style>
+        <p:txBody>
+          <a:bodyPr rtlCol="0" anchor="ctr"/>
+          <a:lstStyle/>
+          <a:p>
+            <a:pPr algn="ctr"/>
+            <a:endParaRPr lang="en-US"/>
+          </a:p>
+        </p:txBody>
+      </p:sp>
+      <p:sp>
+        <p:nvSpPr>
+          <p:cNvPr id="11" name="TextBox 10">
+            <a:extLst>
+              <a:ext uri="{FF2B5EF4-FFF2-40B4-BE49-F238E27FC236}">
+                <a16:creationId xmlns:a16="http://schemas.microsoft.com/office/drawing/2014/main" id="{869E57D4-72D2-4A6A-AC03-1A837387CDAE}"/>
+              </a:ext>
+            </a:extLst>
+          </p:cNvPr>
+          <p:cNvSpPr txBox="1"/>
+          <p:nvPr/>
+        </p:nvSpPr>
+        <p:spPr>
+          <a:xfrm>
+            <a:off x="6705600" y="1962339"/>
+            <a:ext cx="974626" cy="200055"/>
+          </a:xfrm>
+          <a:prstGeom prst="rect">
+            <a:avLst/>
+          </a:prstGeom>
+          <a:noFill/>
+        </p:spPr>
+        <p:txBody>
+          <a:bodyPr wrap="none" lIns="0" tIns="0" rIns="0" bIns="0" rtlCol="0">
+            <a:spAutoFit/>
+          </a:bodyPr>
+          <a:lstStyle/>
+          <a:p>
+            <a:r>
+              <a:rPr lang="en-US" sz="1300" dirty="0"/>
+              <a:t>Synchronous</a:t>
+            </a:r>
+          </a:p>
+        </p:txBody>
+      </p:sp>
+      <p:sp>
+        <p:nvSpPr>
+          <p:cNvPr id="12" name="TextBox 11">
+            <a:extLst>
+              <a:ext uri="{FF2B5EF4-FFF2-40B4-BE49-F238E27FC236}">
+                <a16:creationId xmlns:a16="http://schemas.microsoft.com/office/drawing/2014/main" id="{67F11110-0BE5-4CEA-B097-8171515D4642}"/>
+              </a:ext>
+            </a:extLst>
+          </p:cNvPr>
+          <p:cNvSpPr txBox="1"/>
+          <p:nvPr/>
+        </p:nvSpPr>
+        <p:spPr>
+          <a:xfrm>
+            <a:off x="6705600" y="3524277"/>
+            <a:ext cx="1057982" cy="200055"/>
+          </a:xfrm>
+          <a:prstGeom prst="rect">
+            <a:avLst/>
+          </a:prstGeom>
+          <a:noFill/>
+        </p:spPr>
+        <p:txBody>
+          <a:bodyPr wrap="none" lIns="0" tIns="0" rIns="0" bIns="0" rtlCol="0">
+            <a:spAutoFit/>
+          </a:bodyPr>
+          <a:lstStyle/>
+          <a:p>
+            <a:r>
+              <a:rPr lang="en-US" sz="1300" dirty="0"/>
+              <a:t>Asynchronous</a:t>
+            </a:r>
+          </a:p>
+        </p:txBody>
+      </p:sp>
     </p:spTree>
     <p:extLst>
       <p:ext uri="{BB962C8B-B14F-4D97-AF65-F5344CB8AC3E}">
-        <p14:creationId xmlns:p14="http://schemas.microsoft.com/office/powerpoint/2010/main" val="2043353700"/>
+        <p14:creationId xmlns:p14="http://schemas.microsoft.com/office/powerpoint/2010/main" val="3537930789"/>
       </p:ext>
     </p:extLst>
   </p:cSld>
@@ -9770,7 +12345,7 @@
           <p:cNvPr id="2" name="Title 1">
             <a:extLst>
               <a:ext uri="{FF2B5EF4-FFF2-40B4-BE49-F238E27FC236}">
-                <a16:creationId xmlns:a16="http://schemas.microsoft.com/office/drawing/2014/main" id="{34E73466-304E-497F-A03C-9A30FD919C17}"/>
+                <a16:creationId xmlns:a16="http://schemas.microsoft.com/office/drawing/2014/main" id="{CBE720E1-277C-4EE2-B4D9-2887914788A3}"/>
               </a:ext>
             </a:extLst>
           </p:cNvPr>
@@ -9781,83 +12356,74 @@
             <p:ph type="title"/>
           </p:nvPr>
         </p:nvSpPr>
-        <p:spPr>
-          <a:xfrm>
-            <a:off x="719999" y="282979"/>
-            <a:ext cx="6624000" cy="504000"/>
-          </a:xfrm>
-        </p:spPr>
+        <p:spPr/>
         <p:txBody>
           <a:bodyPr/>
           <a:lstStyle/>
           <a:p>
             <a:r>
-              <a:rPr lang="en-US" dirty="0" err="1"/>
-              <a:t>Quarkus</a:t>
-            </a:r>
-            <a:r>
               <a:rPr lang="en-US" dirty="0"/>
-              <a:t> available extensions</a:t>
-            </a:r>
-          </a:p>
-        </p:txBody>
-      </p:sp>
-      <p:sp>
-        <p:nvSpPr>
-          <p:cNvPr id="3" name="Content Placeholder 2">
-            <a:extLst>
-              <a:ext uri="{FF2B5EF4-FFF2-40B4-BE49-F238E27FC236}">
-                <a16:creationId xmlns:a16="http://schemas.microsoft.com/office/drawing/2014/main" id="{3F6B7EC7-D3A2-45FA-B11B-C64DAD50AC5F}"/>
-              </a:ext>
-            </a:extLst>
-          </p:cNvPr>
-          <p:cNvSpPr>
-            <a:spLocks noGrp="1"/>
-          </p:cNvSpPr>
-          <p:nvPr>
-            <p:ph idx="1"/>
-          </p:nvPr>
-        </p:nvSpPr>
-        <p:spPr>
-          <a:xfrm>
-            <a:off x="720003" y="996587"/>
-            <a:ext cx="7075257" cy="3674100"/>
-          </a:xfrm>
-        </p:spPr>
-        <p:txBody>
-          <a:bodyPr numCol="2"/>
-          <a:lstStyle/>
-          <a:p>
-            <a:r>
-              <a:rPr lang="en-US" u="sng" dirty="0" err="1"/>
-              <a:t>Netty</a:t>
-            </a:r>
-            <a:r>
-              <a:rPr lang="en-US" u="sng" dirty="0"/>
-              <a:t>, Undertow</a:t>
+              <a:t>Spring Boot</a:t>
             </a:r>
             <a:br>
               <a:rPr lang="en-US" dirty="0"/>
             </a:br>
             <a:r>
-              <a:rPr lang="en-US" sz="1200" dirty="0"/>
-              <a:t>Servlet engines</a:t>
-            </a:r>
-          </a:p>
-          <a:p>
+              <a:rPr lang="en-US" sz="1400" dirty="0"/>
+              <a:t>Challenges</a:t>
+            </a:r>
             <a:endParaRPr lang="en-US" dirty="0"/>
           </a:p>
-          <a:p>
-            <a:r>
-              <a:rPr lang="en-US" u="sng" dirty="0" err="1"/>
-              <a:t>RESTEasy</a:t>
+        </p:txBody>
+      </p:sp>
+      <p:sp>
+        <p:nvSpPr>
+          <p:cNvPr id="3" name="Content Placeholder 2">
+            <a:extLst>
+              <a:ext uri="{FF2B5EF4-FFF2-40B4-BE49-F238E27FC236}">
+                <a16:creationId xmlns:a16="http://schemas.microsoft.com/office/drawing/2014/main" id="{CF7C89ED-6BFA-4D3B-A783-9B241FE0F824}"/>
+              </a:ext>
+            </a:extLst>
+          </p:cNvPr>
+          <p:cNvSpPr>
+            <a:spLocks noGrp="1"/>
+          </p:cNvSpPr>
+          <p:nvPr>
+            <p:ph idx="1"/>
+          </p:nvPr>
+        </p:nvSpPr>
+        <p:spPr/>
+        <p:txBody>
+          <a:bodyPr/>
+          <a:lstStyle/>
+          <a:p>
+            <a:r>
+              <a:rPr lang="en-US" dirty="0"/>
+              <a:t>Mono or Flux?</a:t>
+            </a:r>
+          </a:p>
+          <a:p>
+            <a:endParaRPr lang="en-US" dirty="0"/>
+          </a:p>
+          <a:p>
+            <a:r>
+              <a:rPr lang="en-US" dirty="0"/>
+              <a:t>Not part of </a:t>
+            </a:r>
+            <a:r>
+              <a:rPr lang="en-US" dirty="0" err="1"/>
+              <a:t>Microprofile</a:t>
+            </a:r>
+            <a:r>
+              <a:rPr lang="en-US" dirty="0"/>
+              <a:t> or Jakarta EE standards</a:t>
             </a:r>
             <a:br>
               <a:rPr lang="en-US" dirty="0"/>
             </a:br>
             <a:r>
-              <a:rPr lang="en-US" sz="1200" dirty="0"/>
-              <a:t>REST services</a:t>
+              <a:rPr lang="en-US" dirty="0"/>
+              <a:t>Maintained by Pivotal</a:t>
             </a:r>
           </a:p>
           <a:p>
@@ -9865,179 +12431,16 @@
           </a:p>
           <a:p>
             <a:r>
-              <a:rPr lang="en-US" u="sng" dirty="0" err="1"/>
-              <a:t>SmallRye</a:t>
-            </a:r>
-            <a:br>
               <a:rPr lang="en-US" dirty="0"/>
-            </a:br>
-            <a:r>
-              <a:rPr lang="en-US" sz="1200" dirty="0"/>
-              <a:t>REST client</a:t>
+              <a:t>Cumbersome usage (personal)</a:t>
             </a:r>
           </a:p>
           <a:p>
             <a:endParaRPr lang="en-US" dirty="0"/>
           </a:p>
           <a:p>
-            <a:r>
-              <a:rPr lang="en-US" u="sng" dirty="0"/>
-              <a:t>Database</a:t>
-            </a:r>
-            <a:br>
-              <a:rPr lang="en-US" dirty="0"/>
-            </a:br>
-            <a:r>
-              <a:rPr lang="en-US" sz="1200" dirty="0"/>
-              <a:t>MariaDB, Postgres, Microsoft SQL server, H2, MongoDB, Neo4J, Flyway, </a:t>
-            </a:r>
-            <a:r>
-              <a:rPr lang="en-US" sz="1200" dirty="0" err="1"/>
-              <a:t>Infinispan</a:t>
-            </a:r>
-            <a:br>
-              <a:rPr lang="en-US" sz="1200" dirty="0"/>
-            </a:br>
-            <a:r>
-              <a:rPr lang="en-US" sz="1200" b="1" dirty="0"/>
-              <a:t>No Oracle </a:t>
-            </a:r>
-            <a:r>
-              <a:rPr lang="en-US" sz="1200" dirty="0"/>
-              <a:t>(license/distribution issue?)</a:t>
-            </a:r>
             <a:endParaRPr lang="en-US" dirty="0"/>
           </a:p>
-          <a:p>
-            <a:endParaRPr lang="en-US" dirty="0"/>
-          </a:p>
-          <a:p>
-            <a:endParaRPr lang="en-US" dirty="0"/>
-          </a:p>
-          <a:p>
-            <a:endParaRPr lang="en-US" dirty="0"/>
-          </a:p>
-          <a:p>
-            <a:r>
-              <a:rPr lang="en-US" u="sng" dirty="0"/>
-              <a:t>Messaging</a:t>
-            </a:r>
-            <a:br>
-              <a:rPr lang="en-US" dirty="0"/>
-            </a:br>
-            <a:r>
-              <a:rPr lang="en-US" sz="1200" dirty="0"/>
-              <a:t>Kafka, MQTT, AMQP</a:t>
-            </a:r>
-            <a:br>
-              <a:rPr lang="en-US" sz="1200" dirty="0"/>
-            </a:br>
-            <a:r>
-              <a:rPr lang="en-US" sz="1200" b="1" dirty="0"/>
-              <a:t>No JMS</a:t>
-            </a:r>
-          </a:p>
-          <a:p>
-            <a:endParaRPr lang="en-US" dirty="0"/>
-          </a:p>
-          <a:p>
-            <a:r>
-              <a:rPr lang="en-US" u="sng" dirty="0"/>
-              <a:t>Cloud</a:t>
-            </a:r>
-            <a:br>
-              <a:rPr lang="en-US" dirty="0"/>
-            </a:br>
-            <a:r>
-              <a:rPr lang="en-US" sz="1200" dirty="0"/>
-              <a:t>Kubernetes, K8s client</a:t>
-            </a:r>
-          </a:p>
-          <a:p>
-            <a:endParaRPr lang="en-US" dirty="0"/>
-          </a:p>
-          <a:p>
-            <a:r>
-              <a:rPr lang="en-US" u="sng" dirty="0"/>
-              <a:t>Observability</a:t>
-            </a:r>
-            <a:br>
-              <a:rPr lang="en-US" dirty="0"/>
-            </a:br>
-            <a:r>
-              <a:rPr lang="en-US" sz="1200" dirty="0" err="1"/>
-              <a:t>OpenTracing</a:t>
-            </a:r>
-            <a:r>
-              <a:rPr lang="en-US" sz="1200" dirty="0"/>
-              <a:t>, </a:t>
-            </a:r>
-            <a:r>
-              <a:rPr lang="en-US" sz="1200" dirty="0" err="1"/>
-              <a:t>MicroProfile</a:t>
-            </a:r>
-            <a:r>
-              <a:rPr lang="en-US" sz="1200" dirty="0"/>
-              <a:t> metrics</a:t>
-            </a:r>
-            <a:endParaRPr lang="en-US" dirty="0"/>
-          </a:p>
-          <a:p>
-            <a:endParaRPr lang="en-US" dirty="0"/>
-          </a:p>
-          <a:p>
-            <a:r>
-              <a:rPr lang="en-US" u="sng" dirty="0"/>
-              <a:t>Security</a:t>
-            </a:r>
-            <a:br>
-              <a:rPr lang="en-US" dirty="0"/>
-            </a:br>
-            <a:r>
-              <a:rPr lang="en-US" sz="1200" dirty="0" err="1"/>
-              <a:t>Keycloak</a:t>
-            </a:r>
-            <a:r>
-              <a:rPr lang="en-US" sz="1200" dirty="0"/>
-              <a:t>, Elytron, </a:t>
-            </a:r>
-            <a:r>
-              <a:rPr lang="en-US" sz="1200" dirty="0" err="1"/>
-              <a:t>SmallRye</a:t>
-            </a:r>
-            <a:r>
-              <a:rPr lang="en-US" sz="1200" dirty="0"/>
-              <a:t> JWT</a:t>
-            </a:r>
-          </a:p>
-          <a:p>
-            <a:endParaRPr lang="en-US" dirty="0"/>
-          </a:p>
-          <a:p>
-            <a:r>
-              <a:rPr lang="en-US" u="sng" dirty="0" err="1"/>
-              <a:t>Miscelaneous</a:t>
-            </a:r>
-            <a:br>
-              <a:rPr lang="en-US" dirty="0"/>
-            </a:br>
-            <a:r>
-              <a:rPr lang="en-US" sz="1200" dirty="0"/>
-              <a:t>Scheduler, Mailer, Apache </a:t>
-            </a:r>
-            <a:r>
-              <a:rPr lang="en-US" sz="1200" dirty="0" err="1"/>
-              <a:t>Tika</a:t>
-            </a:r>
-            <a:r>
-              <a:rPr lang="en-US" sz="1200" dirty="0"/>
-              <a:t>, Kotlin</a:t>
-            </a:r>
-            <a:br>
-              <a:rPr lang="en-US" dirty="0"/>
-            </a:br>
-            <a:endParaRPr lang="en-US" dirty="0"/>
-          </a:p>
         </p:txBody>
       </p:sp>
       <p:sp>
@@ -10045,7 +12448,7 @@
           <p:cNvPr id="4" name="Footer Placeholder 3">
             <a:extLst>
               <a:ext uri="{FF2B5EF4-FFF2-40B4-BE49-F238E27FC236}">
-                <a16:creationId xmlns:a16="http://schemas.microsoft.com/office/drawing/2014/main" id="{839D7BF7-2386-486D-92F9-C0417B6B716D}"/>
+                <a16:creationId xmlns:a16="http://schemas.microsoft.com/office/drawing/2014/main" id="{F8A49829-7BF6-424C-AF94-AF5AF044806F}"/>
               </a:ext>
             </a:extLst>
           </p:cNvPr>
@@ -10073,7 +12476,7 @@
           <p:cNvPr id="5" name="Slide Number Placeholder 4">
             <a:extLst>
               <a:ext uri="{FF2B5EF4-FFF2-40B4-BE49-F238E27FC236}">
-                <a16:creationId xmlns:a16="http://schemas.microsoft.com/office/drawing/2014/main" id="{61E9E366-A812-44C4-BC32-6840AB216EAD}"/>
+                <a16:creationId xmlns:a16="http://schemas.microsoft.com/office/drawing/2014/main" id="{525E0780-B44C-4C38-83F6-4D9599B8A471}"/>
               </a:ext>
             </a:extLst>
           </p:cNvPr>
@@ -10100,7 +12503,7 @@
     </p:spTree>
     <p:extLst>
       <p:ext uri="{BB962C8B-B14F-4D97-AF65-F5344CB8AC3E}">
-        <p14:creationId xmlns:p14="http://schemas.microsoft.com/office/powerpoint/2010/main" val="3203901358"/>
+        <p14:creationId xmlns:p14="http://schemas.microsoft.com/office/powerpoint/2010/main" val="2341202609"/>
       </p:ext>
     </p:extLst>
   </p:cSld>
@@ -10647,15 +13050,6 @@
 </file>
 
 <file path=customXml/item1.xml><?xml version="1.0" encoding="utf-8"?>
-<?mso-contentType ?>
-<FormTemplates xmlns="http://schemas.microsoft.com/sharepoint/v3/contenttype/forms">
-  <Display>DocumentLibraryForm</Display>
-  <Edit>DocumentLibraryForm</Edit>
-  <New>DocumentLibraryForm</New>
-</FormTemplates>
-</file>
-
-<file path=customXml/item2.xml><?xml version="1.0" encoding="utf-8"?>
 <ct:contentTypeSchema xmlns:ct="http://schemas.microsoft.com/office/2006/metadata/contentType" xmlns:ma="http://schemas.microsoft.com/office/2006/metadata/properties/metaAttributes" ct:_="" ma:_="" ma:contentTypeName="Document" ma:contentTypeID="0x0101008FE89E73C3FDB0459BD38376ADEE0890" ma:contentTypeVersion="0" ma:contentTypeDescription="Create a new document." ma:contentTypeScope="" ma:versionID="421a6a08894b3b75684f906de57a320d">
   <xsd:schema xmlns:xsd="http://www.w3.org/2001/XMLSchema" xmlns:xs="http://www.w3.org/2001/XMLSchema" xmlns:p="http://schemas.microsoft.com/office/2006/metadata/properties" targetNamespace="http://schemas.microsoft.com/office/2006/metadata/properties" ma:root="true" ma:fieldsID="1b05d82d297216baf5b26c55225140df">
     <xsd:element name="properties">
@@ -10769,6 +13163,15 @@
 </ct:contentTypeSchema>
 </file>
 
+<file path=customXml/item2.xml><?xml version="1.0" encoding="utf-8"?>
+<?mso-contentType ?>
+<FormTemplates xmlns="http://schemas.microsoft.com/sharepoint/v3/contenttype/forms">
+  <Display>DocumentLibraryForm</Display>
+  <Edit>DocumentLibraryForm</Edit>
+  <New>DocumentLibraryForm</New>
+</FormTemplates>
+</file>
+
 <file path=customXml/item3.xml><?xml version="1.0" encoding="utf-8"?>
 <p:properties xmlns:p="http://schemas.microsoft.com/office/2006/metadata/properties" xmlns:xsi="http://www.w3.org/2001/XMLSchema-instance" xmlns:pc="http://schemas.microsoft.com/office/infopath/2007/PartnerControls">
   <documentManagement/>
@@ -10776,14 +13179,6 @@
 </file>
 
 <file path=customXml/itemProps1.xml><?xml version="1.0" encoding="utf-8"?>
-<ds:datastoreItem xmlns:ds="http://schemas.openxmlformats.org/officeDocument/2006/customXml" ds:itemID="{2D98D3BE-EED3-483D-8008-317198627778}">
-  <ds:schemaRefs>
-    <ds:schemaRef ds:uri="http://schemas.microsoft.com/sharepoint/v3/contenttype/forms"/>
-  </ds:schemaRefs>
-</ds:datastoreItem>
-</file>
-
-<file path=customXml/itemProps2.xml><?xml version="1.0" encoding="utf-8"?>
 <ds:datastoreItem xmlns:ds="http://schemas.openxmlformats.org/officeDocument/2006/customXml" ds:itemID="{5E4D90A0-9B82-4F8E-8ADE-39CE56864A4D}">
   <ds:schemaRefs>
     <ds:schemaRef ds:uri="http://schemas.microsoft.com/office/2006/metadata/contentType"/>
@@ -10799,6 +13194,14 @@
 </ds:datastoreItem>
 </file>
 
+<file path=customXml/itemProps2.xml><?xml version="1.0" encoding="utf-8"?>
+<ds:datastoreItem xmlns:ds="http://schemas.openxmlformats.org/officeDocument/2006/customXml" ds:itemID="{2D98D3BE-EED3-483D-8008-317198627778}">
+  <ds:schemaRefs>
+    <ds:schemaRef ds:uri="http://schemas.microsoft.com/sharepoint/v3/contenttype/forms"/>
+  </ds:schemaRefs>
+</ds:datastoreItem>
+</file>
+
 <file path=customXml/itemProps3.xml><?xml version="1.0" encoding="utf-8"?>
 <ds:datastoreItem xmlns:ds="http://schemas.openxmlformats.org/officeDocument/2006/customXml" ds:itemID="{136CD6E7-E353-4E7F-94A5-EC98CDECD98F}">
   <ds:schemaRefs>

--- a/Quarkus_20190815.pptx
+++ b/Quarkus_20190815.pptx
@@ -6403,6 +6403,63 @@
           </a:p>
         </p:txBody>
       </p:sp>
+      <p:pic>
+        <p:nvPicPr>
+          <p:cNvPr id="2050" name="Picture 2" descr="Image result for quarkus extensions">
+            <a:extLst>
+              <a:ext uri="{FF2B5EF4-FFF2-40B4-BE49-F238E27FC236}">
+                <a16:creationId xmlns:a16="http://schemas.microsoft.com/office/drawing/2014/main" id="{4398D62F-DC00-4475-96AD-D123E7379015}"/>
+              </a:ext>
+            </a:extLst>
+          </p:cNvPr>
+          <p:cNvPicPr>
+            <a:picLocks noChangeAspect="1" noChangeArrowheads="1"/>
+          </p:cNvPicPr>
+          <p:nvPr/>
+        </p:nvPicPr>
+        <p:blipFill>
+          <a:blip r:embed="rId3">
+            <a:clrChange>
+              <a:clrFrom>
+                <a:srgbClr val="10253C"/>
+              </a:clrFrom>
+              <a:clrTo>
+                <a:srgbClr val="10253C">
+                  <a:alpha val="0"/>
+                </a:srgbClr>
+              </a:clrTo>
+            </a:clrChange>
+            <a:extLst>
+              <a:ext uri="{28A0092B-C50C-407E-A947-70E740481C1C}">
+                <a14:useLocalDpi xmlns:a14="http://schemas.microsoft.com/office/drawing/2010/main" val="0"/>
+              </a:ext>
+            </a:extLst>
+          </a:blip>
+          <a:srcRect/>
+          <a:stretch>
+            <a:fillRect/>
+          </a:stretch>
+        </p:blipFill>
+        <p:spPr bwMode="auto">
+          <a:xfrm>
+            <a:off x="5540729" y="825624"/>
+            <a:ext cx="2323110" cy="2323110"/>
+          </a:xfrm>
+          <a:prstGeom prst="rect">
+            <a:avLst/>
+          </a:prstGeom>
+          <a:noFill/>
+          <a:extLst>
+            <a:ext uri="{909E8E84-426E-40DD-AFC4-6F175D3DCCD1}">
+              <a14:hiddenFill xmlns:a14="http://schemas.microsoft.com/office/drawing/2010/main">
+                <a:solidFill>
+                  <a:srgbClr val="FFFFFF"/>
+                </a:solidFill>
+              </a14:hiddenFill>
+            </a:ext>
+          </a:extLst>
+        </p:spPr>
+      </p:pic>
     </p:spTree>
   </p:cSld>
   <p:clrMapOvr>

--- a/Quarkus_20190815.pptx
+++ b/Quarkus_20190815.pptx
@@ -143,6 +143,74 @@
     </p:ext>
   </p:extLst>
 </p:presentation>
+</file>
+
+<file path=ppt/revisionInfo.xml><?xml version="1.0" encoding="utf-8"?>
+<p1510:revInfo xmlns:a="http://schemas.openxmlformats.org/drawingml/2006/main" xmlns:r="http://schemas.openxmlformats.org/officeDocument/2006/relationships" xmlns:p1510="http://schemas.microsoft.com/office/powerpoint/2015/10/main">
+  <p1510:revLst>
+    <p1510:client id="{7F9D8D84-4D62-430C-B8E4-DDA308C43FD4}" v="2" dt="2019-08-15T14:31:24.787"/>
+  </p1510:revLst>
+</p1510:revInfo>
+</file>
+
+<file path=ppt/changesInfos/changesInfo1.xml><?xml version="1.0" encoding="utf-8"?>
+<pc:chgInfo xmlns:a="http://schemas.openxmlformats.org/drawingml/2006/main" xmlns:r="http://schemas.openxmlformats.org/officeDocument/2006/relationships" xmlns:ac="http://schemas.microsoft.com/office/drawing/2013/main/command" xmlns:pc="http://schemas.microsoft.com/office/powerpoint/2013/main/command">
+  <pc:docChgLst>
+    <pc:chgData name="Rosanna Denis" userId="60867fa0-d6e9-465e-8da2-6d7253130eb1" providerId="ADAL" clId="{7F9D8D84-4D62-430C-B8E4-DDA308C43FD4}"/>
+    <pc:docChg chg="modSld">
+      <pc:chgData name="Rosanna Denis" userId="60867fa0-d6e9-465e-8da2-6d7253130eb1" providerId="ADAL" clId="{7F9D8D84-4D62-430C-B8E4-DDA308C43FD4}" dt="2019-08-15T14:34:13.349" v="8" actId="14100"/>
+      <pc:docMkLst>
+        <pc:docMk/>
+      </pc:docMkLst>
+      <pc:sldChg chg="addSp modSp">
+        <pc:chgData name="Rosanna Denis" userId="60867fa0-d6e9-465e-8da2-6d7253130eb1" providerId="ADAL" clId="{7F9D8D84-4D62-430C-B8E4-DDA308C43FD4}" dt="2019-08-15T14:31:35.264" v="7" actId="171"/>
+        <pc:sldMkLst>
+          <pc:docMk/>
+          <pc:sldMk cId="3537930789" sldId="277"/>
+        </pc:sldMkLst>
+        <pc:spChg chg="add mod ord">
+          <ac:chgData name="Rosanna Denis" userId="60867fa0-d6e9-465e-8da2-6d7253130eb1" providerId="ADAL" clId="{7F9D8D84-4D62-430C-B8E4-DDA308C43FD4}" dt="2019-08-15T14:31:35.264" v="7" actId="171"/>
+          <ac:spMkLst>
+            <pc:docMk/>
+            <pc:sldMk cId="3537930789" sldId="277"/>
+            <ac:spMk id="3" creationId="{C3A0BF0E-61AC-4610-9E90-3E9DF1A9BBE1}"/>
+          </ac:spMkLst>
+        </pc:spChg>
+        <pc:spChg chg="mod ord">
+          <ac:chgData name="Rosanna Denis" userId="60867fa0-d6e9-465e-8da2-6d7253130eb1" providerId="ADAL" clId="{7F9D8D84-4D62-430C-B8E4-DDA308C43FD4}" dt="2019-08-15T14:31:12.135" v="3" actId="1076"/>
+          <ac:spMkLst>
+            <pc:docMk/>
+            <pc:sldMk cId="3537930789" sldId="277"/>
+            <ac:spMk id="10" creationId="{48BDE897-1AA5-40F0-9E14-D43CEE552471}"/>
+          </ac:spMkLst>
+        </pc:spChg>
+        <pc:picChg chg="mod">
+          <ac:chgData name="Rosanna Denis" userId="60867fa0-d6e9-465e-8da2-6d7253130eb1" providerId="ADAL" clId="{7F9D8D84-4D62-430C-B8E4-DDA308C43FD4}" dt="2019-08-15T14:31:03.094" v="1" actId="1076"/>
+          <ac:picMkLst>
+            <pc:docMk/>
+            <pc:sldMk cId="3537930789" sldId="277"/>
+            <ac:picMk id="8" creationId="{B5FE1807-1598-41D1-A75E-956B64FEB757}"/>
+          </ac:picMkLst>
+        </pc:picChg>
+      </pc:sldChg>
+      <pc:sldChg chg="modSp">
+        <pc:chgData name="Rosanna Denis" userId="60867fa0-d6e9-465e-8da2-6d7253130eb1" providerId="ADAL" clId="{7F9D8D84-4D62-430C-B8E4-DDA308C43FD4}" dt="2019-08-15T14:34:13.349" v="8" actId="14100"/>
+        <pc:sldMkLst>
+          <pc:docMk/>
+          <pc:sldMk cId="1800175040" sldId="281"/>
+        </pc:sldMkLst>
+        <pc:spChg chg="mod">
+          <ac:chgData name="Rosanna Denis" userId="60867fa0-d6e9-465e-8da2-6d7253130eb1" providerId="ADAL" clId="{7F9D8D84-4D62-430C-B8E4-DDA308C43FD4}" dt="2019-08-15T14:34:13.349" v="8" actId="14100"/>
+          <ac:spMkLst>
+            <pc:docMk/>
+            <pc:sldMk cId="1800175040" sldId="281"/>
+            <ac:spMk id="3" creationId="{459DC577-3FAA-4DF6-856C-5555DCD89BFC}"/>
+          </ac:spMkLst>
+        </pc:spChg>
+      </pc:sldChg>
+    </pc:docChg>
+  </pc:docChgLst>
+</pc:chgInfo>
 </file>
 
 <file path=ppt/notesMasters/notesMaster1.xml><?xml version="1.0" encoding="utf-8"?>
@@ -10024,7 +10092,12 @@
             <p:ph idx="1"/>
           </p:nvPr>
         </p:nvSpPr>
-        <p:spPr/>
+        <p:spPr>
+          <a:xfrm>
+            <a:off x="720003" y="936000"/>
+            <a:ext cx="7949347" cy="3780000"/>
+          </a:xfrm>
+        </p:spPr>
         <p:txBody>
           <a:bodyPr/>
           <a:lstStyle/>
@@ -12193,7 +12266,7 @@
         </p:blipFill>
         <p:spPr>
           <a:xfrm>
-            <a:off x="520390" y="1418706"/>
+            <a:off x="520389" y="1418706"/>
             <a:ext cx="5754757" cy="2849261"/>
           </a:xfrm>
           <a:prstGeom prst="rect">
@@ -12251,26 +12324,100 @@
       </p:sp>
       <p:sp>
         <p:nvSpPr>
-          <p:cNvPr id="10" name="Rectangle 9">
+          <p:cNvPr id="11" name="TextBox 10">
             <a:extLst>
               <a:ext uri="{FF2B5EF4-FFF2-40B4-BE49-F238E27FC236}">
-                <a16:creationId xmlns:a16="http://schemas.microsoft.com/office/drawing/2014/main" id="{48BDE897-1AA5-40F0-9E14-D43CEE552471}"/>
+                <a16:creationId xmlns:a16="http://schemas.microsoft.com/office/drawing/2014/main" id="{869E57D4-72D2-4A6A-AC03-1A837387CDAE}"/>
               </a:ext>
             </a:extLst>
           </p:cNvPr>
-          <p:cNvSpPr/>
+          <p:cNvSpPr txBox="1"/>
           <p:nvPr/>
         </p:nvSpPr>
         <p:spPr>
           <a:xfrm>
-            <a:off x="520389" y="2980644"/>
-            <a:ext cx="5754757" cy="1287323"/>
+            <a:off x="6705600" y="1962339"/>
+            <a:ext cx="974626" cy="200055"/>
           </a:xfrm>
           <a:prstGeom prst="rect">
             <a:avLst/>
           </a:prstGeom>
           <a:noFill/>
-          <a:ln w="25400"/>
+        </p:spPr>
+        <p:txBody>
+          <a:bodyPr wrap="none" lIns="0" tIns="0" rIns="0" bIns="0" rtlCol="0">
+            <a:spAutoFit/>
+          </a:bodyPr>
+          <a:lstStyle/>
+          <a:p>
+            <a:r>
+              <a:rPr lang="en-US" sz="1300" dirty="0"/>
+              <a:t>Synchronous</a:t>
+            </a:r>
+          </a:p>
+        </p:txBody>
+      </p:sp>
+      <p:sp>
+        <p:nvSpPr>
+          <p:cNvPr id="12" name="TextBox 11">
+            <a:extLst>
+              <a:ext uri="{FF2B5EF4-FFF2-40B4-BE49-F238E27FC236}">
+                <a16:creationId xmlns:a16="http://schemas.microsoft.com/office/drawing/2014/main" id="{67F11110-0BE5-4CEA-B097-8171515D4642}"/>
+              </a:ext>
+            </a:extLst>
+          </p:cNvPr>
+          <p:cNvSpPr txBox="1"/>
+          <p:nvPr/>
+        </p:nvSpPr>
+        <p:spPr>
+          <a:xfrm>
+            <a:off x="6705600" y="3524277"/>
+            <a:ext cx="1057982" cy="200055"/>
+          </a:xfrm>
+          <a:prstGeom prst="rect">
+            <a:avLst/>
+          </a:prstGeom>
+          <a:noFill/>
+        </p:spPr>
+        <p:txBody>
+          <a:bodyPr wrap="none" lIns="0" tIns="0" rIns="0" bIns="0" rtlCol="0">
+            <a:spAutoFit/>
+          </a:bodyPr>
+          <a:lstStyle/>
+          <a:p>
+            <a:r>
+              <a:rPr lang="en-US" sz="1300" dirty="0"/>
+              <a:t>Asynchronous</a:t>
+            </a:r>
+          </a:p>
+        </p:txBody>
+      </p:sp>
+      <p:sp>
+        <p:nvSpPr>
+          <p:cNvPr id="3" name="Rectangle 2">
+            <a:extLst>
+              <a:ext uri="{FF2B5EF4-FFF2-40B4-BE49-F238E27FC236}">
+                <a16:creationId xmlns:a16="http://schemas.microsoft.com/office/drawing/2014/main" id="{C3A0BF0E-61AC-4610-9E90-3E9DF1A9BBE1}"/>
+              </a:ext>
+            </a:extLst>
+          </p:cNvPr>
+          <p:cNvSpPr/>
+          <p:nvPr/>
+        </p:nvSpPr>
+        <p:spPr>
+          <a:xfrm>
+            <a:off x="302698" y="2787343"/>
+            <a:ext cx="6299901" cy="302628"/>
+          </a:xfrm>
+          <a:prstGeom prst="rect">
+            <a:avLst/>
+          </a:prstGeom>
+          <a:solidFill>
+            <a:schemeClr val="bg1"/>
+          </a:solidFill>
+          <a:ln>
+            <a:noFill/>
+          </a:ln>
         </p:spPr>
         <p:style>
           <a:lnRef idx="2">
@@ -12293,77 +12440,55 @@
           <a:lstStyle/>
           <a:p>
             <a:pPr algn="ctr"/>
-            <a:endParaRPr lang="en-US"/>
-          </a:p>
-        </p:txBody>
-      </p:sp>
-      <p:sp>
-        <p:nvSpPr>
-          <p:cNvPr id="11" name="TextBox 10">
+            <a:endParaRPr lang="nl-NL"/>
+          </a:p>
+        </p:txBody>
+      </p:sp>
+      <p:sp>
+        <p:nvSpPr>
+          <p:cNvPr id="10" name="Rectangle 9">
             <a:extLst>
               <a:ext uri="{FF2B5EF4-FFF2-40B4-BE49-F238E27FC236}">
-                <a16:creationId xmlns:a16="http://schemas.microsoft.com/office/drawing/2014/main" id="{869E57D4-72D2-4A6A-AC03-1A837387CDAE}"/>
+                <a16:creationId xmlns:a16="http://schemas.microsoft.com/office/drawing/2014/main" id="{48BDE897-1AA5-40F0-9E14-D43CEE552471}"/>
               </a:ext>
             </a:extLst>
           </p:cNvPr>
-          <p:cNvSpPr txBox="1"/>
+          <p:cNvSpPr/>
           <p:nvPr/>
         </p:nvSpPr>
         <p:spPr>
           <a:xfrm>
-            <a:off x="6705600" y="1962339"/>
-            <a:ext cx="974626" cy="200055"/>
+            <a:off x="520390" y="2989944"/>
+            <a:ext cx="5754757" cy="1287323"/>
           </a:xfrm>
           <a:prstGeom prst="rect">
             <a:avLst/>
           </a:prstGeom>
           <a:noFill/>
-        </p:spPr>
-        <p:txBody>
-          <a:bodyPr wrap="none" lIns="0" tIns="0" rIns="0" bIns="0" rtlCol="0">
-            <a:spAutoFit/>
-          </a:bodyPr>
+          <a:ln w="25400"/>
+        </p:spPr>
+        <p:style>
+          <a:lnRef idx="2">
+            <a:schemeClr val="accent1">
+              <a:shade val="50000"/>
+            </a:schemeClr>
+          </a:lnRef>
+          <a:fillRef idx="1">
+            <a:schemeClr val="accent1"/>
+          </a:fillRef>
+          <a:effectRef idx="0">
+            <a:schemeClr val="accent1"/>
+          </a:effectRef>
+          <a:fontRef idx="minor">
+            <a:schemeClr val="lt1"/>
+          </a:fontRef>
+        </p:style>
+        <p:txBody>
+          <a:bodyPr rtlCol="0" anchor="ctr"/>
           <a:lstStyle/>
           <a:p>
-            <a:r>
-              <a:rPr lang="en-US" sz="1300" dirty="0"/>
-              <a:t>Synchronous</a:t>
-            </a:r>
-          </a:p>
-        </p:txBody>
-      </p:sp>
-      <p:sp>
-        <p:nvSpPr>
-          <p:cNvPr id="12" name="TextBox 11">
-            <a:extLst>
-              <a:ext uri="{FF2B5EF4-FFF2-40B4-BE49-F238E27FC236}">
-                <a16:creationId xmlns:a16="http://schemas.microsoft.com/office/drawing/2014/main" id="{67F11110-0BE5-4CEA-B097-8171515D4642}"/>
-              </a:ext>
-            </a:extLst>
-          </p:cNvPr>
-          <p:cNvSpPr txBox="1"/>
-          <p:nvPr/>
-        </p:nvSpPr>
-        <p:spPr>
-          <a:xfrm>
-            <a:off x="6705600" y="3524277"/>
-            <a:ext cx="1057982" cy="200055"/>
-          </a:xfrm>
-          <a:prstGeom prst="rect">
-            <a:avLst/>
-          </a:prstGeom>
-          <a:noFill/>
-        </p:spPr>
-        <p:txBody>
-          <a:bodyPr wrap="none" lIns="0" tIns="0" rIns="0" bIns="0" rtlCol="0">
-            <a:spAutoFit/>
-          </a:bodyPr>
-          <a:lstStyle/>
-          <a:p>
-            <a:r>
-              <a:rPr lang="en-US" sz="1300" dirty="0"/>
-              <a:t>Asynchronous</a:t>
-            </a:r>
+            <a:pPr algn="ctr"/>
+            <a:endParaRPr lang="en-US"/>
           </a:p>
         </p:txBody>
       </p:sp>
@@ -13107,6 +13232,15 @@
 </file>
 
 <file path=customXml/item1.xml><?xml version="1.0" encoding="utf-8"?>
+<?mso-contentType ?>
+<FormTemplates xmlns="http://schemas.microsoft.com/sharepoint/v3/contenttype/forms">
+  <Display>DocumentLibraryForm</Display>
+  <Edit>DocumentLibraryForm</Edit>
+  <New>DocumentLibraryForm</New>
+</FormTemplates>
+</file>
+
+<file path=customXml/item2.xml><?xml version="1.0" encoding="utf-8"?>
 <ct:contentTypeSchema xmlns:ct="http://schemas.microsoft.com/office/2006/metadata/contentType" xmlns:ma="http://schemas.microsoft.com/office/2006/metadata/properties/metaAttributes" ct:_="" ma:_="" ma:contentTypeName="Document" ma:contentTypeID="0x0101008FE89E73C3FDB0459BD38376ADEE0890" ma:contentTypeVersion="0" ma:contentTypeDescription="Create a new document." ma:contentTypeScope="" ma:versionID="421a6a08894b3b75684f906de57a320d">
   <xsd:schema xmlns:xsd="http://www.w3.org/2001/XMLSchema" xmlns:xs="http://www.w3.org/2001/XMLSchema" xmlns:p="http://schemas.microsoft.com/office/2006/metadata/properties" targetNamespace="http://schemas.microsoft.com/office/2006/metadata/properties" ma:root="true" ma:fieldsID="1b05d82d297216baf5b26c55225140df">
     <xsd:element name="properties">
@@ -13220,15 +13354,6 @@
 </ct:contentTypeSchema>
 </file>
 
-<file path=customXml/item2.xml><?xml version="1.0" encoding="utf-8"?>
-<?mso-contentType ?>
-<FormTemplates xmlns="http://schemas.microsoft.com/sharepoint/v3/contenttype/forms">
-  <Display>DocumentLibraryForm</Display>
-  <Edit>DocumentLibraryForm</Edit>
-  <New>DocumentLibraryForm</New>
-</FormTemplates>
-</file>
-
 <file path=customXml/item3.xml><?xml version="1.0" encoding="utf-8"?>
 <p:properties xmlns:p="http://schemas.microsoft.com/office/2006/metadata/properties" xmlns:xsi="http://www.w3.org/2001/XMLSchema-instance" xmlns:pc="http://schemas.microsoft.com/office/infopath/2007/PartnerControls">
   <documentManagement/>
@@ -13236,6 +13361,14 @@
 </file>
 
 <file path=customXml/itemProps1.xml><?xml version="1.0" encoding="utf-8"?>
+<ds:datastoreItem xmlns:ds="http://schemas.openxmlformats.org/officeDocument/2006/customXml" ds:itemID="{2D98D3BE-EED3-483D-8008-317198627778}">
+  <ds:schemaRefs>
+    <ds:schemaRef ds:uri="http://schemas.microsoft.com/sharepoint/v3/contenttype/forms"/>
+  </ds:schemaRefs>
+</ds:datastoreItem>
+</file>
+
+<file path=customXml/itemProps2.xml><?xml version="1.0" encoding="utf-8"?>
 <ds:datastoreItem xmlns:ds="http://schemas.openxmlformats.org/officeDocument/2006/customXml" ds:itemID="{5E4D90A0-9B82-4F8E-8ADE-39CE56864A4D}">
   <ds:schemaRefs>
     <ds:schemaRef ds:uri="http://schemas.microsoft.com/office/2006/metadata/contentType"/>
@@ -13251,19 +13384,17 @@
 </ds:datastoreItem>
 </file>
 
-<file path=customXml/itemProps2.xml><?xml version="1.0" encoding="utf-8"?>
-<ds:datastoreItem xmlns:ds="http://schemas.openxmlformats.org/officeDocument/2006/customXml" ds:itemID="{2D98D3BE-EED3-483D-8008-317198627778}">
-  <ds:schemaRefs>
-    <ds:schemaRef ds:uri="http://schemas.microsoft.com/sharepoint/v3/contenttype/forms"/>
-  </ds:schemaRefs>
-</ds:datastoreItem>
-</file>
-
 <file path=customXml/itemProps3.xml><?xml version="1.0" encoding="utf-8"?>
 <ds:datastoreItem xmlns:ds="http://schemas.openxmlformats.org/officeDocument/2006/customXml" ds:itemID="{136CD6E7-E353-4E7F-94A5-EC98CDECD98F}">
   <ds:schemaRefs>
+    <ds:schemaRef ds:uri="http://schemas.microsoft.com/office/infopath/2007/PartnerControls"/>
+    <ds:schemaRef ds:uri="http://www.w3.org/XML/1998/namespace"/>
     <ds:schemaRef ds:uri="http://schemas.microsoft.com/office/2006/metadata/properties"/>
-    <ds:schemaRef ds:uri="http://schemas.microsoft.com/office/infopath/2007/PartnerControls"/>
+    <ds:schemaRef ds:uri="http://purl.org/dc/dcmitype/"/>
+    <ds:schemaRef ds:uri="http://schemas.openxmlformats.org/package/2006/metadata/core-properties"/>
+    <ds:schemaRef ds:uri="http://purl.org/dc/elements/1.1/"/>
+    <ds:schemaRef ds:uri="http://schemas.microsoft.com/office/2006/documentManagement/types"/>
+    <ds:schemaRef ds:uri="http://purl.org/dc/terms/"/>
   </ds:schemaRefs>
 </ds:datastoreItem>
 </file>